--- a/Navigating the Future of Online Shopping.pptx
+++ b/Navigating the Future of Online Shopping.pptx
@@ -7,16 +7,20 @@
   <p:sldIdLst>
     <p:sldId id="256" r:id="rId2"/>
     <p:sldId id="257" r:id="rId3"/>
-    <p:sldId id="258" r:id="rId4"/>
-    <p:sldId id="259" r:id="rId5"/>
-    <p:sldId id="261" r:id="rId6"/>
-    <p:sldId id="262" r:id="rId7"/>
-    <p:sldId id="263" r:id="rId8"/>
-    <p:sldId id="264" r:id="rId9"/>
-    <p:sldId id="265" r:id="rId10"/>
-    <p:sldId id="266" r:id="rId11"/>
-    <p:sldId id="267" r:id="rId12"/>
-    <p:sldId id="268" r:id="rId13"/>
+    <p:sldId id="269" r:id="rId4"/>
+    <p:sldId id="258" r:id="rId5"/>
+    <p:sldId id="270" r:id="rId6"/>
+    <p:sldId id="259" r:id="rId7"/>
+    <p:sldId id="261" r:id="rId8"/>
+    <p:sldId id="262" r:id="rId9"/>
+    <p:sldId id="263" r:id="rId10"/>
+    <p:sldId id="264" r:id="rId11"/>
+    <p:sldId id="265" r:id="rId12"/>
+    <p:sldId id="266" r:id="rId13"/>
+    <p:sldId id="271" r:id="rId14"/>
+    <p:sldId id="272" r:id="rId15"/>
+    <p:sldId id="267" r:id="rId16"/>
+    <p:sldId id="268" r:id="rId17"/>
   </p:sldIdLst>
   <p:sldSz cx="12192000" cy="6858000"/>
   <p:notesSz cx="6858000" cy="9144000"/>
@@ -123,6 +127,4373 @@
 </p:presentation>
 </file>
 
+<file path=ppt/commentAuthors.xml><?xml version="1.0" encoding="utf-8"?>
+<p:cmAuthorLst xmlns:a="http://schemas.openxmlformats.org/drawingml/2006/main" xmlns:r="http://schemas.openxmlformats.org/officeDocument/2006/relationships" xmlns:p="http://schemas.openxmlformats.org/presentationml/2006/main">
+  <p:cmAuthor id="1" name="priyanshu singh" initials="ps" lastIdx="1" clrIdx="0">
+    <p:extLst>
+      <p:ext uri="{19B8F6BF-5375-455C-9EA6-DF929625EA0E}">
+        <p15:presenceInfo xmlns:p15="http://schemas.microsoft.com/office/powerpoint/2012/main" userId="76ca1ebaed91d2c2" providerId="Windows Live"/>
+      </p:ext>
+    </p:extLst>
+  </p:cmAuthor>
+</p:cmAuthorLst>
+</file>
+
+<file path=ppt/comments/comment1.xml><?xml version="1.0" encoding="utf-8"?>
+<p:cmLst xmlns:a="http://schemas.openxmlformats.org/drawingml/2006/main" xmlns:r="http://schemas.openxmlformats.org/officeDocument/2006/relationships" xmlns:p="http://schemas.openxmlformats.org/presentationml/2006/main">
+  <p:cm authorId="1" dt="2026-02-22T14:03:28.653" idx="1">
+    <p:pos x="10" y="10"/>
+    <p:text>python code</p:text>
+    <p:extLst>
+      <p:ext uri="{C676402C-5697-4E1C-873F-D02D1690AC5C}">
+        <p15:threadingInfo xmlns:p15="http://schemas.microsoft.com/office/powerpoint/2012/main" timeZoneBias="-330"/>
+      </p:ext>
+    </p:extLst>
+  </p:cm>
+</p:cmLst>
+</file>
+
+<file path=ppt/diagrams/colors1.xml><?xml version="1.0" encoding="utf-8"?>
+<dgm:colorsDef xmlns:dgm="http://schemas.openxmlformats.org/drawingml/2006/diagram" xmlns:a="http://schemas.openxmlformats.org/drawingml/2006/main" uniqueId="urn:microsoft.com/office/officeart/2005/8/colors/accent1_2">
+  <dgm:title val=""/>
+  <dgm:desc val=""/>
+  <dgm:catLst>
+    <dgm:cat type="accent1" pri="11200"/>
+  </dgm:catLst>
+  <dgm:styleLbl name="node0">
+    <dgm:fillClrLst meth="repeat">
+      <a:schemeClr val="accent1"/>
+    </dgm:fillClrLst>
+    <dgm:linClrLst meth="repeat">
+      <a:schemeClr val="lt1"/>
+    </dgm:linClrLst>
+    <dgm:effectClrLst/>
+    <dgm:txLinClrLst/>
+    <dgm:txFillClrLst/>
+    <dgm:txEffectClrLst/>
+  </dgm:styleLbl>
+  <dgm:styleLbl name="alignNode1">
+    <dgm:fillClrLst meth="repeat">
+      <a:schemeClr val="accent1"/>
+    </dgm:fillClrLst>
+    <dgm:linClrLst meth="repeat">
+      <a:schemeClr val="accent1"/>
+    </dgm:linClrLst>
+    <dgm:effectClrLst/>
+    <dgm:txLinClrLst/>
+    <dgm:txFillClrLst/>
+    <dgm:txEffectClrLst/>
+  </dgm:styleLbl>
+  <dgm:styleLbl name="node1">
+    <dgm:fillClrLst meth="repeat">
+      <a:schemeClr val="accent1"/>
+    </dgm:fillClrLst>
+    <dgm:linClrLst meth="repeat">
+      <a:schemeClr val="lt1"/>
+    </dgm:linClrLst>
+    <dgm:effectClrLst/>
+    <dgm:txLinClrLst/>
+    <dgm:txFillClrLst/>
+    <dgm:txEffectClrLst/>
+  </dgm:styleLbl>
+  <dgm:styleLbl name="lnNode1">
+    <dgm:fillClrLst meth="repeat">
+      <a:schemeClr val="accent1"/>
+    </dgm:fillClrLst>
+    <dgm:linClrLst meth="repeat">
+      <a:schemeClr val="lt1"/>
+    </dgm:linClrLst>
+    <dgm:effectClrLst/>
+    <dgm:txLinClrLst/>
+    <dgm:txFillClrLst/>
+    <dgm:txEffectClrLst/>
+  </dgm:styleLbl>
+  <dgm:styleLbl name="vennNode1">
+    <dgm:fillClrLst meth="repeat">
+      <a:schemeClr val="accent1">
+        <a:alpha val="50000"/>
+      </a:schemeClr>
+    </dgm:fillClrLst>
+    <dgm:linClrLst meth="repeat">
+      <a:schemeClr val="lt1"/>
+    </dgm:linClrLst>
+    <dgm:effectClrLst/>
+    <dgm:txLinClrLst/>
+    <dgm:txFillClrLst/>
+    <dgm:txEffectClrLst/>
+  </dgm:styleLbl>
+  <dgm:styleLbl name="node2">
+    <dgm:fillClrLst meth="repeat">
+      <a:schemeClr val="accent1"/>
+    </dgm:fillClrLst>
+    <dgm:linClrLst meth="repeat">
+      <a:schemeClr val="lt1"/>
+    </dgm:linClrLst>
+    <dgm:effectClrLst/>
+    <dgm:txLinClrLst/>
+    <dgm:txFillClrLst/>
+    <dgm:txEffectClrLst/>
+  </dgm:styleLbl>
+  <dgm:styleLbl name="node3">
+    <dgm:fillClrLst meth="repeat">
+      <a:schemeClr val="accent1"/>
+    </dgm:fillClrLst>
+    <dgm:linClrLst meth="repeat">
+      <a:schemeClr val="lt1"/>
+    </dgm:linClrLst>
+    <dgm:effectClrLst/>
+    <dgm:txLinClrLst/>
+    <dgm:txFillClrLst/>
+    <dgm:txEffectClrLst/>
+  </dgm:styleLbl>
+  <dgm:styleLbl name="node4">
+    <dgm:fillClrLst meth="repeat">
+      <a:schemeClr val="accent1"/>
+    </dgm:fillClrLst>
+    <dgm:linClrLst meth="repeat">
+      <a:schemeClr val="lt1"/>
+    </dgm:linClrLst>
+    <dgm:effectClrLst/>
+    <dgm:txLinClrLst/>
+    <dgm:txFillClrLst/>
+    <dgm:txEffectClrLst/>
+  </dgm:styleLbl>
+  <dgm:styleLbl name="fgImgPlace1">
+    <dgm:fillClrLst meth="repeat">
+      <a:schemeClr val="accent1">
+        <a:tint val="50000"/>
+      </a:schemeClr>
+    </dgm:fillClrLst>
+    <dgm:linClrLst meth="repeat">
+      <a:schemeClr val="lt1"/>
+    </dgm:linClrLst>
+    <dgm:effectClrLst/>
+    <dgm:txLinClrLst/>
+    <dgm:txFillClrLst meth="repeat">
+      <a:schemeClr val="lt1"/>
+    </dgm:txFillClrLst>
+    <dgm:txEffectClrLst/>
+  </dgm:styleLbl>
+  <dgm:styleLbl name="alignImgPlace1">
+    <dgm:fillClrLst meth="repeat">
+      <a:schemeClr val="accent1">
+        <a:tint val="50000"/>
+      </a:schemeClr>
+    </dgm:fillClrLst>
+    <dgm:linClrLst meth="repeat">
+      <a:schemeClr val="lt1"/>
+    </dgm:linClrLst>
+    <dgm:effectClrLst/>
+    <dgm:txLinClrLst/>
+    <dgm:txFillClrLst meth="repeat">
+      <a:schemeClr val="lt1"/>
+    </dgm:txFillClrLst>
+    <dgm:txEffectClrLst/>
+  </dgm:styleLbl>
+  <dgm:styleLbl name="bgImgPlace1">
+    <dgm:fillClrLst meth="repeat">
+      <a:schemeClr val="accent1">
+        <a:tint val="50000"/>
+      </a:schemeClr>
+    </dgm:fillClrLst>
+    <dgm:linClrLst meth="repeat">
+      <a:schemeClr val="lt1"/>
+    </dgm:linClrLst>
+    <dgm:effectClrLst/>
+    <dgm:txLinClrLst/>
+    <dgm:txFillClrLst meth="repeat">
+      <a:schemeClr val="lt1"/>
+    </dgm:txFillClrLst>
+    <dgm:txEffectClrLst/>
+  </dgm:styleLbl>
+  <dgm:styleLbl name="sibTrans2D1">
+    <dgm:fillClrLst meth="repeat">
+      <a:schemeClr val="accent1">
+        <a:tint val="60000"/>
+      </a:schemeClr>
+    </dgm:fillClrLst>
+    <dgm:linClrLst meth="repeat">
+      <a:schemeClr val="accent1">
+        <a:tint val="60000"/>
+      </a:schemeClr>
+    </dgm:linClrLst>
+    <dgm:effectClrLst/>
+    <dgm:txLinClrLst/>
+    <dgm:txFillClrLst/>
+    <dgm:txEffectClrLst/>
+  </dgm:styleLbl>
+  <dgm:styleLbl name="fgSibTrans2D1">
+    <dgm:fillClrLst meth="repeat">
+      <a:schemeClr val="accent1">
+        <a:tint val="60000"/>
+      </a:schemeClr>
+    </dgm:fillClrLst>
+    <dgm:linClrLst meth="repeat">
+      <a:schemeClr val="accent1">
+        <a:tint val="60000"/>
+      </a:schemeClr>
+    </dgm:linClrLst>
+    <dgm:effectClrLst/>
+    <dgm:txLinClrLst/>
+    <dgm:txFillClrLst/>
+    <dgm:txEffectClrLst/>
+  </dgm:styleLbl>
+  <dgm:styleLbl name="bgSibTrans2D1">
+    <dgm:fillClrLst meth="repeat">
+      <a:schemeClr val="accent1">
+        <a:tint val="60000"/>
+      </a:schemeClr>
+    </dgm:fillClrLst>
+    <dgm:linClrLst meth="repeat">
+      <a:schemeClr val="accent1">
+        <a:tint val="60000"/>
+      </a:schemeClr>
+    </dgm:linClrLst>
+    <dgm:effectClrLst/>
+    <dgm:txLinClrLst/>
+    <dgm:txFillClrLst/>
+    <dgm:txEffectClrLst/>
+  </dgm:styleLbl>
+  <dgm:styleLbl name="sibTrans1D1">
+    <dgm:fillClrLst meth="repeat">
+      <a:schemeClr val="accent1"/>
+    </dgm:fillClrLst>
+    <dgm:linClrLst meth="repeat">
+      <a:schemeClr val="accent1"/>
+    </dgm:linClrLst>
+    <dgm:effectClrLst/>
+    <dgm:txLinClrLst/>
+    <dgm:txFillClrLst meth="repeat">
+      <a:schemeClr val="tx1"/>
+    </dgm:txFillClrLst>
+    <dgm:txEffectClrLst/>
+  </dgm:styleLbl>
+  <dgm:styleLbl name="callout">
+    <dgm:fillClrLst meth="repeat">
+      <a:schemeClr val="accent1"/>
+    </dgm:fillClrLst>
+    <dgm:linClrLst meth="repeat">
+      <a:schemeClr val="accent1">
+        <a:tint val="50000"/>
+      </a:schemeClr>
+    </dgm:linClrLst>
+    <dgm:effectClrLst/>
+    <dgm:txLinClrLst/>
+    <dgm:txFillClrLst meth="repeat">
+      <a:schemeClr val="tx1"/>
+    </dgm:txFillClrLst>
+    <dgm:txEffectClrLst/>
+  </dgm:styleLbl>
+  <dgm:styleLbl name="asst0">
+    <dgm:fillClrLst meth="repeat">
+      <a:schemeClr val="accent1"/>
+    </dgm:fillClrLst>
+    <dgm:linClrLst meth="repeat">
+      <a:schemeClr val="lt1"/>
+    </dgm:linClrLst>
+    <dgm:effectClrLst/>
+    <dgm:txLinClrLst/>
+    <dgm:txFillClrLst/>
+    <dgm:txEffectClrLst/>
+  </dgm:styleLbl>
+  <dgm:styleLbl name="asst1">
+    <dgm:fillClrLst meth="repeat">
+      <a:schemeClr val="accent1"/>
+    </dgm:fillClrLst>
+    <dgm:linClrLst meth="repeat">
+      <a:schemeClr val="lt1"/>
+    </dgm:linClrLst>
+    <dgm:effectClrLst/>
+    <dgm:txLinClrLst/>
+    <dgm:txFillClrLst/>
+    <dgm:txEffectClrLst/>
+  </dgm:styleLbl>
+  <dgm:styleLbl name="asst2">
+    <dgm:fillClrLst meth="repeat">
+      <a:schemeClr val="accent1"/>
+    </dgm:fillClrLst>
+    <dgm:linClrLst meth="repeat">
+      <a:schemeClr val="lt1"/>
+    </dgm:linClrLst>
+    <dgm:effectClrLst/>
+    <dgm:txLinClrLst/>
+    <dgm:txFillClrLst/>
+    <dgm:txEffectClrLst/>
+  </dgm:styleLbl>
+  <dgm:styleLbl name="asst3">
+    <dgm:fillClrLst meth="repeat">
+      <a:schemeClr val="accent1"/>
+    </dgm:fillClrLst>
+    <dgm:linClrLst meth="repeat">
+      <a:schemeClr val="lt1"/>
+    </dgm:linClrLst>
+    <dgm:effectClrLst/>
+    <dgm:txLinClrLst/>
+    <dgm:txFillClrLst/>
+    <dgm:txEffectClrLst/>
+  </dgm:styleLbl>
+  <dgm:styleLbl name="asst4">
+    <dgm:fillClrLst meth="repeat">
+      <a:schemeClr val="accent1"/>
+    </dgm:fillClrLst>
+    <dgm:linClrLst meth="repeat">
+      <a:schemeClr val="lt1"/>
+    </dgm:linClrLst>
+    <dgm:effectClrLst/>
+    <dgm:txLinClrLst/>
+    <dgm:txFillClrLst/>
+    <dgm:txEffectClrLst/>
+  </dgm:styleLbl>
+  <dgm:styleLbl name="parChTrans2D1">
+    <dgm:fillClrLst meth="repeat">
+      <a:schemeClr val="accent1">
+        <a:tint val="60000"/>
+      </a:schemeClr>
+    </dgm:fillClrLst>
+    <dgm:linClrLst meth="repeat">
+      <a:schemeClr val="accent1">
+        <a:tint val="60000"/>
+      </a:schemeClr>
+    </dgm:linClrLst>
+    <dgm:effectClrLst/>
+    <dgm:txLinClrLst/>
+    <dgm:txFillClrLst meth="repeat">
+      <a:schemeClr val="lt1"/>
+    </dgm:txFillClrLst>
+    <dgm:txEffectClrLst/>
+  </dgm:styleLbl>
+  <dgm:styleLbl name="parChTrans2D2">
+    <dgm:fillClrLst meth="repeat">
+      <a:schemeClr val="accent1"/>
+    </dgm:fillClrLst>
+    <dgm:linClrLst meth="repeat">
+      <a:schemeClr val="accent1"/>
+    </dgm:linClrLst>
+    <dgm:effectClrLst/>
+    <dgm:txLinClrLst/>
+    <dgm:txFillClrLst meth="repeat">
+      <a:schemeClr val="lt1"/>
+    </dgm:txFillClrLst>
+    <dgm:txEffectClrLst/>
+  </dgm:styleLbl>
+  <dgm:styleLbl name="parChTrans2D3">
+    <dgm:fillClrLst meth="repeat">
+      <a:schemeClr val="accent1"/>
+    </dgm:fillClrLst>
+    <dgm:linClrLst meth="repeat">
+      <a:schemeClr val="accent1"/>
+    </dgm:linClrLst>
+    <dgm:effectClrLst/>
+    <dgm:txLinClrLst/>
+    <dgm:txFillClrLst meth="repeat">
+      <a:schemeClr val="lt1"/>
+    </dgm:txFillClrLst>
+    <dgm:txEffectClrLst/>
+  </dgm:styleLbl>
+  <dgm:styleLbl name="parChTrans2D4">
+    <dgm:fillClrLst meth="repeat">
+      <a:schemeClr val="accent1"/>
+    </dgm:fillClrLst>
+    <dgm:linClrLst meth="repeat">
+      <a:schemeClr val="accent1"/>
+    </dgm:linClrLst>
+    <dgm:effectClrLst/>
+    <dgm:txLinClrLst/>
+    <dgm:txFillClrLst meth="repeat">
+      <a:schemeClr val="lt1"/>
+    </dgm:txFillClrLst>
+    <dgm:txEffectClrLst/>
+  </dgm:styleLbl>
+  <dgm:styleLbl name="parChTrans1D1">
+    <dgm:fillClrLst meth="repeat">
+      <a:schemeClr val="accent1"/>
+    </dgm:fillClrLst>
+    <dgm:linClrLst meth="repeat">
+      <a:schemeClr val="accent1">
+        <a:shade val="60000"/>
+      </a:schemeClr>
+    </dgm:linClrLst>
+    <dgm:effectClrLst/>
+    <dgm:txLinClrLst/>
+    <dgm:txFillClrLst meth="repeat">
+      <a:schemeClr val="tx1"/>
+    </dgm:txFillClrLst>
+    <dgm:txEffectClrLst/>
+  </dgm:styleLbl>
+  <dgm:styleLbl name="parChTrans1D2">
+    <dgm:fillClrLst meth="repeat">
+      <a:schemeClr val="accent1"/>
+    </dgm:fillClrLst>
+    <dgm:linClrLst meth="repeat">
+      <a:schemeClr val="accent1">
+        <a:shade val="60000"/>
+      </a:schemeClr>
+    </dgm:linClrLst>
+    <dgm:effectClrLst/>
+    <dgm:txLinClrLst/>
+    <dgm:txFillClrLst meth="repeat">
+      <a:schemeClr val="tx1"/>
+    </dgm:txFillClrLst>
+    <dgm:txEffectClrLst/>
+  </dgm:styleLbl>
+  <dgm:styleLbl name="parChTrans1D3">
+    <dgm:fillClrLst meth="repeat">
+      <a:schemeClr val="accent1"/>
+    </dgm:fillClrLst>
+    <dgm:linClrLst meth="repeat">
+      <a:schemeClr val="accent1">
+        <a:shade val="80000"/>
+      </a:schemeClr>
+    </dgm:linClrLst>
+    <dgm:effectClrLst/>
+    <dgm:txLinClrLst/>
+    <dgm:txFillClrLst meth="repeat">
+      <a:schemeClr val="tx1"/>
+    </dgm:txFillClrLst>
+    <dgm:txEffectClrLst/>
+  </dgm:styleLbl>
+  <dgm:styleLbl name="parChTrans1D4">
+    <dgm:fillClrLst meth="repeat">
+      <a:schemeClr val="accent1"/>
+    </dgm:fillClrLst>
+    <dgm:linClrLst meth="repeat">
+      <a:schemeClr val="accent1">
+        <a:shade val="80000"/>
+      </a:schemeClr>
+    </dgm:linClrLst>
+    <dgm:effectClrLst/>
+    <dgm:txLinClrLst/>
+    <dgm:txFillClrLst meth="repeat">
+      <a:schemeClr val="tx1"/>
+    </dgm:txFillClrLst>
+    <dgm:txEffectClrLst/>
+  </dgm:styleLbl>
+  <dgm:styleLbl name="fgAcc1">
+    <dgm:fillClrLst meth="repeat">
+      <a:schemeClr val="lt1">
+        <a:alpha val="90000"/>
+      </a:schemeClr>
+    </dgm:fillClrLst>
+    <dgm:linClrLst meth="repeat">
+      <a:schemeClr val="accent1"/>
+    </dgm:linClrLst>
+    <dgm:effectClrLst/>
+    <dgm:txLinClrLst/>
+    <dgm:txFillClrLst meth="repeat">
+      <a:schemeClr val="dk1"/>
+    </dgm:txFillClrLst>
+    <dgm:txEffectClrLst/>
+  </dgm:styleLbl>
+  <dgm:styleLbl name="conFgAcc1">
+    <dgm:fillClrLst meth="repeat">
+      <a:schemeClr val="lt1">
+        <a:alpha val="90000"/>
+      </a:schemeClr>
+    </dgm:fillClrLst>
+    <dgm:linClrLst meth="repeat">
+      <a:schemeClr val="accent1"/>
+    </dgm:linClrLst>
+    <dgm:effectClrLst/>
+    <dgm:txLinClrLst/>
+    <dgm:txFillClrLst meth="repeat">
+      <a:schemeClr val="dk1"/>
+    </dgm:txFillClrLst>
+    <dgm:txEffectClrLst/>
+  </dgm:styleLbl>
+  <dgm:styleLbl name="alignAcc1">
+    <dgm:fillClrLst meth="repeat">
+      <a:schemeClr val="lt1">
+        <a:alpha val="90000"/>
+      </a:schemeClr>
+    </dgm:fillClrLst>
+    <dgm:linClrLst meth="repeat">
+      <a:schemeClr val="accent1"/>
+    </dgm:linClrLst>
+    <dgm:effectClrLst/>
+    <dgm:txLinClrLst/>
+    <dgm:txFillClrLst meth="repeat">
+      <a:schemeClr val="dk1"/>
+    </dgm:txFillClrLst>
+    <dgm:txEffectClrLst/>
+  </dgm:styleLbl>
+  <dgm:styleLbl name="trAlignAcc1">
+    <dgm:fillClrLst meth="repeat">
+      <a:schemeClr val="lt1">
+        <a:alpha val="40000"/>
+      </a:schemeClr>
+    </dgm:fillClrLst>
+    <dgm:linClrLst meth="repeat">
+      <a:schemeClr val="accent1"/>
+    </dgm:linClrLst>
+    <dgm:effectClrLst/>
+    <dgm:txLinClrLst/>
+    <dgm:txFillClrLst meth="repeat">
+      <a:schemeClr val="dk1"/>
+    </dgm:txFillClrLst>
+    <dgm:txEffectClrLst/>
+  </dgm:styleLbl>
+  <dgm:styleLbl name="bgAcc1">
+    <dgm:fillClrLst meth="repeat">
+      <a:schemeClr val="lt1">
+        <a:alpha val="90000"/>
+      </a:schemeClr>
+    </dgm:fillClrLst>
+    <dgm:linClrLst meth="repeat">
+      <a:schemeClr val="accent1"/>
+    </dgm:linClrLst>
+    <dgm:effectClrLst/>
+    <dgm:txLinClrLst/>
+    <dgm:txFillClrLst meth="repeat">
+      <a:schemeClr val="dk1"/>
+    </dgm:txFillClrLst>
+    <dgm:txEffectClrLst/>
+  </dgm:styleLbl>
+  <dgm:styleLbl name="solidFgAcc1">
+    <dgm:fillClrLst meth="repeat">
+      <a:schemeClr val="lt1"/>
+    </dgm:fillClrLst>
+    <dgm:linClrLst meth="repeat">
+      <a:schemeClr val="accent1"/>
+    </dgm:linClrLst>
+    <dgm:effectClrLst/>
+    <dgm:txLinClrLst/>
+    <dgm:txFillClrLst meth="repeat">
+      <a:schemeClr val="dk1"/>
+    </dgm:txFillClrLst>
+    <dgm:txEffectClrLst/>
+  </dgm:styleLbl>
+  <dgm:styleLbl name="solidAlignAcc1">
+    <dgm:fillClrLst meth="repeat">
+      <a:schemeClr val="lt1"/>
+    </dgm:fillClrLst>
+    <dgm:linClrLst meth="repeat">
+      <a:schemeClr val="accent1"/>
+    </dgm:linClrLst>
+    <dgm:effectClrLst/>
+    <dgm:txLinClrLst/>
+    <dgm:txFillClrLst meth="repeat">
+      <a:schemeClr val="dk1"/>
+    </dgm:txFillClrLst>
+    <dgm:txEffectClrLst/>
+  </dgm:styleLbl>
+  <dgm:styleLbl name="solidBgAcc1">
+    <dgm:fillClrLst meth="repeat">
+      <a:schemeClr val="lt1"/>
+    </dgm:fillClrLst>
+    <dgm:linClrLst meth="repeat">
+      <a:schemeClr val="accent1"/>
+    </dgm:linClrLst>
+    <dgm:effectClrLst/>
+    <dgm:txLinClrLst/>
+    <dgm:txFillClrLst meth="repeat">
+      <a:schemeClr val="dk1"/>
+    </dgm:txFillClrLst>
+    <dgm:txEffectClrLst/>
+  </dgm:styleLbl>
+  <dgm:styleLbl name="fgAccFollowNode1">
+    <dgm:fillClrLst meth="repeat">
+      <a:schemeClr val="accent1">
+        <a:alpha val="90000"/>
+        <a:tint val="40000"/>
+      </a:schemeClr>
+    </dgm:fillClrLst>
+    <dgm:linClrLst meth="repeat">
+      <a:schemeClr val="accent1">
+        <a:alpha val="90000"/>
+        <a:tint val="40000"/>
+      </a:schemeClr>
+    </dgm:linClrLst>
+    <dgm:effectClrLst/>
+    <dgm:txLinClrLst/>
+    <dgm:txFillClrLst meth="repeat">
+      <a:schemeClr val="dk1"/>
+    </dgm:txFillClrLst>
+    <dgm:txEffectClrLst/>
+  </dgm:styleLbl>
+  <dgm:styleLbl name="alignAccFollowNode1">
+    <dgm:fillClrLst meth="repeat">
+      <a:schemeClr val="accent1">
+        <a:alpha val="90000"/>
+        <a:tint val="40000"/>
+      </a:schemeClr>
+    </dgm:fillClrLst>
+    <dgm:linClrLst meth="repeat">
+      <a:schemeClr val="accent1">
+        <a:alpha val="90000"/>
+        <a:tint val="40000"/>
+      </a:schemeClr>
+    </dgm:linClrLst>
+    <dgm:effectClrLst/>
+    <dgm:txLinClrLst/>
+    <dgm:txFillClrLst meth="repeat">
+      <a:schemeClr val="dk1"/>
+    </dgm:txFillClrLst>
+    <dgm:txEffectClrLst/>
+  </dgm:styleLbl>
+  <dgm:styleLbl name="bgAccFollowNode1">
+    <dgm:fillClrLst meth="repeat">
+      <a:schemeClr val="accent1">
+        <a:alpha val="90000"/>
+        <a:tint val="40000"/>
+      </a:schemeClr>
+    </dgm:fillClrLst>
+    <dgm:linClrLst meth="repeat">
+      <a:schemeClr val="accent1">
+        <a:alpha val="90000"/>
+        <a:tint val="40000"/>
+      </a:schemeClr>
+    </dgm:linClrLst>
+    <dgm:effectClrLst/>
+    <dgm:txLinClrLst/>
+    <dgm:txFillClrLst meth="repeat">
+      <a:schemeClr val="dk1"/>
+    </dgm:txFillClrLst>
+    <dgm:txEffectClrLst/>
+  </dgm:styleLbl>
+  <dgm:styleLbl name="fgAcc0">
+    <dgm:fillClrLst meth="repeat">
+      <a:schemeClr val="lt1">
+        <a:alpha val="90000"/>
+      </a:schemeClr>
+    </dgm:fillClrLst>
+    <dgm:linClrLst meth="repeat">
+      <a:schemeClr val="accent1"/>
+    </dgm:linClrLst>
+    <dgm:effectClrLst/>
+    <dgm:txLinClrLst/>
+    <dgm:txFillClrLst meth="repeat">
+      <a:schemeClr val="dk1"/>
+    </dgm:txFillClrLst>
+    <dgm:txEffectClrLst/>
+  </dgm:styleLbl>
+  <dgm:styleLbl name="fgAcc2">
+    <dgm:fillClrLst meth="repeat">
+      <a:schemeClr val="lt1">
+        <a:alpha val="90000"/>
+      </a:schemeClr>
+    </dgm:fillClrLst>
+    <dgm:linClrLst meth="repeat">
+      <a:schemeClr val="accent1"/>
+    </dgm:linClrLst>
+    <dgm:effectClrLst/>
+    <dgm:txLinClrLst/>
+    <dgm:txFillClrLst meth="repeat">
+      <a:schemeClr val="dk1"/>
+    </dgm:txFillClrLst>
+    <dgm:txEffectClrLst/>
+  </dgm:styleLbl>
+  <dgm:styleLbl name="fgAcc3">
+    <dgm:fillClrLst meth="repeat">
+      <a:schemeClr val="lt1">
+        <a:alpha val="90000"/>
+      </a:schemeClr>
+    </dgm:fillClrLst>
+    <dgm:linClrLst meth="repeat">
+      <a:schemeClr val="accent1"/>
+    </dgm:linClrLst>
+    <dgm:effectClrLst/>
+    <dgm:txLinClrLst/>
+    <dgm:txFillClrLst meth="repeat">
+      <a:schemeClr val="dk1"/>
+    </dgm:txFillClrLst>
+    <dgm:txEffectClrLst/>
+  </dgm:styleLbl>
+  <dgm:styleLbl name="fgAcc4">
+    <dgm:fillClrLst meth="repeat">
+      <a:schemeClr val="lt1">
+        <a:alpha val="90000"/>
+      </a:schemeClr>
+    </dgm:fillClrLst>
+    <dgm:linClrLst meth="repeat">
+      <a:schemeClr val="accent1"/>
+    </dgm:linClrLst>
+    <dgm:effectClrLst/>
+    <dgm:txLinClrLst/>
+    <dgm:txFillClrLst meth="repeat">
+      <a:schemeClr val="dk1"/>
+    </dgm:txFillClrLst>
+    <dgm:txEffectClrLst/>
+  </dgm:styleLbl>
+  <dgm:styleLbl name="bgShp">
+    <dgm:fillClrLst meth="repeat">
+      <a:schemeClr val="accent1">
+        <a:tint val="40000"/>
+      </a:schemeClr>
+    </dgm:fillClrLst>
+    <dgm:linClrLst meth="repeat">
+      <a:schemeClr val="accent1"/>
+    </dgm:linClrLst>
+    <dgm:effectClrLst/>
+    <dgm:txLinClrLst/>
+    <dgm:txFillClrLst meth="repeat">
+      <a:schemeClr val="dk1"/>
+    </dgm:txFillClrLst>
+    <dgm:txEffectClrLst/>
+  </dgm:styleLbl>
+  <dgm:styleLbl name="dkBgShp">
+    <dgm:fillClrLst meth="repeat">
+      <a:schemeClr val="accent1">
+        <a:shade val="80000"/>
+      </a:schemeClr>
+    </dgm:fillClrLst>
+    <dgm:linClrLst meth="repeat">
+      <a:schemeClr val="accent1"/>
+    </dgm:linClrLst>
+    <dgm:effectClrLst/>
+    <dgm:txLinClrLst/>
+    <dgm:txFillClrLst meth="repeat">
+      <a:schemeClr val="lt1"/>
+    </dgm:txFillClrLst>
+    <dgm:txEffectClrLst/>
+  </dgm:styleLbl>
+  <dgm:styleLbl name="trBgShp">
+    <dgm:fillClrLst meth="repeat">
+      <a:schemeClr val="accent1">
+        <a:tint val="50000"/>
+        <a:alpha val="40000"/>
+      </a:schemeClr>
+    </dgm:fillClrLst>
+    <dgm:linClrLst meth="repeat">
+      <a:schemeClr val="accent1"/>
+    </dgm:linClrLst>
+    <dgm:effectClrLst/>
+    <dgm:txLinClrLst/>
+    <dgm:txFillClrLst meth="repeat">
+      <a:schemeClr val="lt1"/>
+    </dgm:txFillClrLst>
+    <dgm:txEffectClrLst/>
+  </dgm:styleLbl>
+  <dgm:styleLbl name="fgShp">
+    <dgm:fillClrLst meth="repeat">
+      <a:schemeClr val="accent1">
+        <a:tint val="60000"/>
+      </a:schemeClr>
+    </dgm:fillClrLst>
+    <dgm:linClrLst meth="repeat">
+      <a:schemeClr val="lt1"/>
+    </dgm:linClrLst>
+    <dgm:effectClrLst/>
+    <dgm:txLinClrLst/>
+    <dgm:txFillClrLst meth="repeat">
+      <a:schemeClr val="dk1"/>
+    </dgm:txFillClrLst>
+    <dgm:txEffectClrLst/>
+  </dgm:styleLbl>
+  <dgm:styleLbl name="revTx">
+    <dgm:fillClrLst meth="repeat">
+      <a:schemeClr val="lt1">
+        <a:alpha val="0"/>
+      </a:schemeClr>
+    </dgm:fillClrLst>
+    <dgm:linClrLst meth="repeat">
+      <a:schemeClr val="dk1">
+        <a:alpha val="0"/>
+      </a:schemeClr>
+    </dgm:linClrLst>
+    <dgm:effectClrLst/>
+    <dgm:txLinClrLst/>
+    <dgm:txFillClrLst meth="repeat">
+      <a:schemeClr val="tx1"/>
+    </dgm:txFillClrLst>
+    <dgm:txEffectClrLst/>
+  </dgm:styleLbl>
+</dgm:colorsDef>
+</file>
+
+<file path=ppt/diagrams/colors2.xml><?xml version="1.0" encoding="utf-8"?>
+<dgm:colorsDef xmlns:dgm="http://schemas.openxmlformats.org/drawingml/2006/diagram" xmlns:a="http://schemas.openxmlformats.org/drawingml/2006/main" uniqueId="urn:microsoft.com/office/officeart/2005/8/colors/accent1_2">
+  <dgm:title val=""/>
+  <dgm:desc val=""/>
+  <dgm:catLst>
+    <dgm:cat type="accent1" pri="11200"/>
+  </dgm:catLst>
+  <dgm:styleLbl name="node0">
+    <dgm:fillClrLst meth="repeat">
+      <a:schemeClr val="accent1"/>
+    </dgm:fillClrLst>
+    <dgm:linClrLst meth="repeat">
+      <a:schemeClr val="lt1"/>
+    </dgm:linClrLst>
+    <dgm:effectClrLst/>
+    <dgm:txLinClrLst/>
+    <dgm:txFillClrLst/>
+    <dgm:txEffectClrLst/>
+  </dgm:styleLbl>
+  <dgm:styleLbl name="alignNode1">
+    <dgm:fillClrLst meth="repeat">
+      <a:schemeClr val="accent1"/>
+    </dgm:fillClrLst>
+    <dgm:linClrLst meth="repeat">
+      <a:schemeClr val="accent1"/>
+    </dgm:linClrLst>
+    <dgm:effectClrLst/>
+    <dgm:txLinClrLst/>
+    <dgm:txFillClrLst/>
+    <dgm:txEffectClrLst/>
+  </dgm:styleLbl>
+  <dgm:styleLbl name="node1">
+    <dgm:fillClrLst meth="repeat">
+      <a:schemeClr val="accent1"/>
+    </dgm:fillClrLst>
+    <dgm:linClrLst meth="repeat">
+      <a:schemeClr val="lt1"/>
+    </dgm:linClrLst>
+    <dgm:effectClrLst/>
+    <dgm:txLinClrLst/>
+    <dgm:txFillClrLst/>
+    <dgm:txEffectClrLst/>
+  </dgm:styleLbl>
+  <dgm:styleLbl name="lnNode1">
+    <dgm:fillClrLst meth="repeat">
+      <a:schemeClr val="accent1"/>
+    </dgm:fillClrLst>
+    <dgm:linClrLst meth="repeat">
+      <a:schemeClr val="lt1"/>
+    </dgm:linClrLst>
+    <dgm:effectClrLst/>
+    <dgm:txLinClrLst/>
+    <dgm:txFillClrLst/>
+    <dgm:txEffectClrLst/>
+  </dgm:styleLbl>
+  <dgm:styleLbl name="vennNode1">
+    <dgm:fillClrLst meth="repeat">
+      <a:schemeClr val="accent1">
+        <a:alpha val="50000"/>
+      </a:schemeClr>
+    </dgm:fillClrLst>
+    <dgm:linClrLst meth="repeat">
+      <a:schemeClr val="lt1"/>
+    </dgm:linClrLst>
+    <dgm:effectClrLst/>
+    <dgm:txLinClrLst/>
+    <dgm:txFillClrLst/>
+    <dgm:txEffectClrLst/>
+  </dgm:styleLbl>
+  <dgm:styleLbl name="node2">
+    <dgm:fillClrLst meth="repeat">
+      <a:schemeClr val="accent1"/>
+    </dgm:fillClrLst>
+    <dgm:linClrLst meth="repeat">
+      <a:schemeClr val="lt1"/>
+    </dgm:linClrLst>
+    <dgm:effectClrLst/>
+    <dgm:txLinClrLst/>
+    <dgm:txFillClrLst/>
+    <dgm:txEffectClrLst/>
+  </dgm:styleLbl>
+  <dgm:styleLbl name="node3">
+    <dgm:fillClrLst meth="repeat">
+      <a:schemeClr val="accent1"/>
+    </dgm:fillClrLst>
+    <dgm:linClrLst meth="repeat">
+      <a:schemeClr val="lt1"/>
+    </dgm:linClrLst>
+    <dgm:effectClrLst/>
+    <dgm:txLinClrLst/>
+    <dgm:txFillClrLst/>
+    <dgm:txEffectClrLst/>
+  </dgm:styleLbl>
+  <dgm:styleLbl name="node4">
+    <dgm:fillClrLst meth="repeat">
+      <a:schemeClr val="accent1"/>
+    </dgm:fillClrLst>
+    <dgm:linClrLst meth="repeat">
+      <a:schemeClr val="lt1"/>
+    </dgm:linClrLst>
+    <dgm:effectClrLst/>
+    <dgm:txLinClrLst/>
+    <dgm:txFillClrLst/>
+    <dgm:txEffectClrLst/>
+  </dgm:styleLbl>
+  <dgm:styleLbl name="fgImgPlace1">
+    <dgm:fillClrLst meth="repeat">
+      <a:schemeClr val="accent1">
+        <a:tint val="50000"/>
+      </a:schemeClr>
+    </dgm:fillClrLst>
+    <dgm:linClrLst meth="repeat">
+      <a:schemeClr val="lt1"/>
+    </dgm:linClrLst>
+    <dgm:effectClrLst/>
+    <dgm:txLinClrLst/>
+    <dgm:txFillClrLst meth="repeat">
+      <a:schemeClr val="lt1"/>
+    </dgm:txFillClrLst>
+    <dgm:txEffectClrLst/>
+  </dgm:styleLbl>
+  <dgm:styleLbl name="alignImgPlace1">
+    <dgm:fillClrLst meth="repeat">
+      <a:schemeClr val="accent1">
+        <a:tint val="50000"/>
+      </a:schemeClr>
+    </dgm:fillClrLst>
+    <dgm:linClrLst meth="repeat">
+      <a:schemeClr val="lt1"/>
+    </dgm:linClrLst>
+    <dgm:effectClrLst/>
+    <dgm:txLinClrLst/>
+    <dgm:txFillClrLst meth="repeat">
+      <a:schemeClr val="lt1"/>
+    </dgm:txFillClrLst>
+    <dgm:txEffectClrLst/>
+  </dgm:styleLbl>
+  <dgm:styleLbl name="bgImgPlace1">
+    <dgm:fillClrLst meth="repeat">
+      <a:schemeClr val="accent1">
+        <a:tint val="50000"/>
+      </a:schemeClr>
+    </dgm:fillClrLst>
+    <dgm:linClrLst meth="repeat">
+      <a:schemeClr val="lt1"/>
+    </dgm:linClrLst>
+    <dgm:effectClrLst/>
+    <dgm:txLinClrLst/>
+    <dgm:txFillClrLst meth="repeat">
+      <a:schemeClr val="lt1"/>
+    </dgm:txFillClrLst>
+    <dgm:txEffectClrLst/>
+  </dgm:styleLbl>
+  <dgm:styleLbl name="sibTrans2D1">
+    <dgm:fillClrLst meth="repeat">
+      <a:schemeClr val="accent1">
+        <a:tint val="60000"/>
+      </a:schemeClr>
+    </dgm:fillClrLst>
+    <dgm:linClrLst meth="repeat">
+      <a:schemeClr val="accent1">
+        <a:tint val="60000"/>
+      </a:schemeClr>
+    </dgm:linClrLst>
+    <dgm:effectClrLst/>
+    <dgm:txLinClrLst/>
+    <dgm:txFillClrLst/>
+    <dgm:txEffectClrLst/>
+  </dgm:styleLbl>
+  <dgm:styleLbl name="fgSibTrans2D1">
+    <dgm:fillClrLst meth="repeat">
+      <a:schemeClr val="accent1">
+        <a:tint val="60000"/>
+      </a:schemeClr>
+    </dgm:fillClrLst>
+    <dgm:linClrLst meth="repeat">
+      <a:schemeClr val="accent1">
+        <a:tint val="60000"/>
+      </a:schemeClr>
+    </dgm:linClrLst>
+    <dgm:effectClrLst/>
+    <dgm:txLinClrLst/>
+    <dgm:txFillClrLst/>
+    <dgm:txEffectClrLst/>
+  </dgm:styleLbl>
+  <dgm:styleLbl name="bgSibTrans2D1">
+    <dgm:fillClrLst meth="repeat">
+      <a:schemeClr val="accent1">
+        <a:tint val="60000"/>
+      </a:schemeClr>
+    </dgm:fillClrLst>
+    <dgm:linClrLst meth="repeat">
+      <a:schemeClr val="accent1">
+        <a:tint val="60000"/>
+      </a:schemeClr>
+    </dgm:linClrLst>
+    <dgm:effectClrLst/>
+    <dgm:txLinClrLst/>
+    <dgm:txFillClrLst/>
+    <dgm:txEffectClrLst/>
+  </dgm:styleLbl>
+  <dgm:styleLbl name="sibTrans1D1">
+    <dgm:fillClrLst meth="repeat">
+      <a:schemeClr val="accent1"/>
+    </dgm:fillClrLst>
+    <dgm:linClrLst meth="repeat">
+      <a:schemeClr val="accent1"/>
+    </dgm:linClrLst>
+    <dgm:effectClrLst/>
+    <dgm:txLinClrLst/>
+    <dgm:txFillClrLst meth="repeat">
+      <a:schemeClr val="tx1"/>
+    </dgm:txFillClrLst>
+    <dgm:txEffectClrLst/>
+  </dgm:styleLbl>
+  <dgm:styleLbl name="callout">
+    <dgm:fillClrLst meth="repeat">
+      <a:schemeClr val="accent1"/>
+    </dgm:fillClrLst>
+    <dgm:linClrLst meth="repeat">
+      <a:schemeClr val="accent1">
+        <a:tint val="50000"/>
+      </a:schemeClr>
+    </dgm:linClrLst>
+    <dgm:effectClrLst/>
+    <dgm:txLinClrLst/>
+    <dgm:txFillClrLst meth="repeat">
+      <a:schemeClr val="tx1"/>
+    </dgm:txFillClrLst>
+    <dgm:txEffectClrLst/>
+  </dgm:styleLbl>
+  <dgm:styleLbl name="asst0">
+    <dgm:fillClrLst meth="repeat">
+      <a:schemeClr val="accent1"/>
+    </dgm:fillClrLst>
+    <dgm:linClrLst meth="repeat">
+      <a:schemeClr val="lt1"/>
+    </dgm:linClrLst>
+    <dgm:effectClrLst/>
+    <dgm:txLinClrLst/>
+    <dgm:txFillClrLst/>
+    <dgm:txEffectClrLst/>
+  </dgm:styleLbl>
+  <dgm:styleLbl name="asst1">
+    <dgm:fillClrLst meth="repeat">
+      <a:schemeClr val="accent1"/>
+    </dgm:fillClrLst>
+    <dgm:linClrLst meth="repeat">
+      <a:schemeClr val="lt1"/>
+    </dgm:linClrLst>
+    <dgm:effectClrLst/>
+    <dgm:txLinClrLst/>
+    <dgm:txFillClrLst/>
+    <dgm:txEffectClrLst/>
+  </dgm:styleLbl>
+  <dgm:styleLbl name="asst2">
+    <dgm:fillClrLst meth="repeat">
+      <a:schemeClr val="accent1"/>
+    </dgm:fillClrLst>
+    <dgm:linClrLst meth="repeat">
+      <a:schemeClr val="lt1"/>
+    </dgm:linClrLst>
+    <dgm:effectClrLst/>
+    <dgm:txLinClrLst/>
+    <dgm:txFillClrLst/>
+    <dgm:txEffectClrLst/>
+  </dgm:styleLbl>
+  <dgm:styleLbl name="asst3">
+    <dgm:fillClrLst meth="repeat">
+      <a:schemeClr val="accent1"/>
+    </dgm:fillClrLst>
+    <dgm:linClrLst meth="repeat">
+      <a:schemeClr val="lt1"/>
+    </dgm:linClrLst>
+    <dgm:effectClrLst/>
+    <dgm:txLinClrLst/>
+    <dgm:txFillClrLst/>
+    <dgm:txEffectClrLst/>
+  </dgm:styleLbl>
+  <dgm:styleLbl name="asst4">
+    <dgm:fillClrLst meth="repeat">
+      <a:schemeClr val="accent1"/>
+    </dgm:fillClrLst>
+    <dgm:linClrLst meth="repeat">
+      <a:schemeClr val="lt1"/>
+    </dgm:linClrLst>
+    <dgm:effectClrLst/>
+    <dgm:txLinClrLst/>
+    <dgm:txFillClrLst/>
+    <dgm:txEffectClrLst/>
+  </dgm:styleLbl>
+  <dgm:styleLbl name="parChTrans2D1">
+    <dgm:fillClrLst meth="repeat">
+      <a:schemeClr val="accent1">
+        <a:tint val="60000"/>
+      </a:schemeClr>
+    </dgm:fillClrLst>
+    <dgm:linClrLst meth="repeat">
+      <a:schemeClr val="accent1">
+        <a:tint val="60000"/>
+      </a:schemeClr>
+    </dgm:linClrLst>
+    <dgm:effectClrLst/>
+    <dgm:txLinClrLst/>
+    <dgm:txFillClrLst meth="repeat">
+      <a:schemeClr val="lt1"/>
+    </dgm:txFillClrLst>
+    <dgm:txEffectClrLst/>
+  </dgm:styleLbl>
+  <dgm:styleLbl name="parChTrans2D2">
+    <dgm:fillClrLst meth="repeat">
+      <a:schemeClr val="accent1"/>
+    </dgm:fillClrLst>
+    <dgm:linClrLst meth="repeat">
+      <a:schemeClr val="accent1"/>
+    </dgm:linClrLst>
+    <dgm:effectClrLst/>
+    <dgm:txLinClrLst/>
+    <dgm:txFillClrLst meth="repeat">
+      <a:schemeClr val="lt1"/>
+    </dgm:txFillClrLst>
+    <dgm:txEffectClrLst/>
+  </dgm:styleLbl>
+  <dgm:styleLbl name="parChTrans2D3">
+    <dgm:fillClrLst meth="repeat">
+      <a:schemeClr val="accent1"/>
+    </dgm:fillClrLst>
+    <dgm:linClrLst meth="repeat">
+      <a:schemeClr val="accent1"/>
+    </dgm:linClrLst>
+    <dgm:effectClrLst/>
+    <dgm:txLinClrLst/>
+    <dgm:txFillClrLst meth="repeat">
+      <a:schemeClr val="lt1"/>
+    </dgm:txFillClrLst>
+    <dgm:txEffectClrLst/>
+  </dgm:styleLbl>
+  <dgm:styleLbl name="parChTrans2D4">
+    <dgm:fillClrLst meth="repeat">
+      <a:schemeClr val="accent1"/>
+    </dgm:fillClrLst>
+    <dgm:linClrLst meth="repeat">
+      <a:schemeClr val="accent1"/>
+    </dgm:linClrLst>
+    <dgm:effectClrLst/>
+    <dgm:txLinClrLst/>
+    <dgm:txFillClrLst meth="repeat">
+      <a:schemeClr val="lt1"/>
+    </dgm:txFillClrLst>
+    <dgm:txEffectClrLst/>
+  </dgm:styleLbl>
+  <dgm:styleLbl name="parChTrans1D1">
+    <dgm:fillClrLst meth="repeat">
+      <a:schemeClr val="accent1"/>
+    </dgm:fillClrLst>
+    <dgm:linClrLst meth="repeat">
+      <a:schemeClr val="accent1">
+        <a:shade val="60000"/>
+      </a:schemeClr>
+    </dgm:linClrLst>
+    <dgm:effectClrLst/>
+    <dgm:txLinClrLst/>
+    <dgm:txFillClrLst meth="repeat">
+      <a:schemeClr val="tx1"/>
+    </dgm:txFillClrLst>
+    <dgm:txEffectClrLst/>
+  </dgm:styleLbl>
+  <dgm:styleLbl name="parChTrans1D2">
+    <dgm:fillClrLst meth="repeat">
+      <a:schemeClr val="accent1"/>
+    </dgm:fillClrLst>
+    <dgm:linClrLst meth="repeat">
+      <a:schemeClr val="accent1">
+        <a:shade val="60000"/>
+      </a:schemeClr>
+    </dgm:linClrLst>
+    <dgm:effectClrLst/>
+    <dgm:txLinClrLst/>
+    <dgm:txFillClrLst meth="repeat">
+      <a:schemeClr val="tx1"/>
+    </dgm:txFillClrLst>
+    <dgm:txEffectClrLst/>
+  </dgm:styleLbl>
+  <dgm:styleLbl name="parChTrans1D3">
+    <dgm:fillClrLst meth="repeat">
+      <a:schemeClr val="accent1"/>
+    </dgm:fillClrLst>
+    <dgm:linClrLst meth="repeat">
+      <a:schemeClr val="accent1">
+        <a:shade val="80000"/>
+      </a:schemeClr>
+    </dgm:linClrLst>
+    <dgm:effectClrLst/>
+    <dgm:txLinClrLst/>
+    <dgm:txFillClrLst meth="repeat">
+      <a:schemeClr val="tx1"/>
+    </dgm:txFillClrLst>
+    <dgm:txEffectClrLst/>
+  </dgm:styleLbl>
+  <dgm:styleLbl name="parChTrans1D4">
+    <dgm:fillClrLst meth="repeat">
+      <a:schemeClr val="accent1"/>
+    </dgm:fillClrLst>
+    <dgm:linClrLst meth="repeat">
+      <a:schemeClr val="accent1">
+        <a:shade val="80000"/>
+      </a:schemeClr>
+    </dgm:linClrLst>
+    <dgm:effectClrLst/>
+    <dgm:txLinClrLst/>
+    <dgm:txFillClrLst meth="repeat">
+      <a:schemeClr val="tx1"/>
+    </dgm:txFillClrLst>
+    <dgm:txEffectClrLst/>
+  </dgm:styleLbl>
+  <dgm:styleLbl name="fgAcc1">
+    <dgm:fillClrLst meth="repeat">
+      <a:schemeClr val="lt1">
+        <a:alpha val="90000"/>
+      </a:schemeClr>
+    </dgm:fillClrLst>
+    <dgm:linClrLst meth="repeat">
+      <a:schemeClr val="accent1"/>
+    </dgm:linClrLst>
+    <dgm:effectClrLst/>
+    <dgm:txLinClrLst/>
+    <dgm:txFillClrLst meth="repeat">
+      <a:schemeClr val="dk1"/>
+    </dgm:txFillClrLst>
+    <dgm:txEffectClrLst/>
+  </dgm:styleLbl>
+  <dgm:styleLbl name="conFgAcc1">
+    <dgm:fillClrLst meth="repeat">
+      <a:schemeClr val="lt1">
+        <a:alpha val="90000"/>
+      </a:schemeClr>
+    </dgm:fillClrLst>
+    <dgm:linClrLst meth="repeat">
+      <a:schemeClr val="accent1"/>
+    </dgm:linClrLst>
+    <dgm:effectClrLst/>
+    <dgm:txLinClrLst/>
+    <dgm:txFillClrLst meth="repeat">
+      <a:schemeClr val="dk1"/>
+    </dgm:txFillClrLst>
+    <dgm:txEffectClrLst/>
+  </dgm:styleLbl>
+  <dgm:styleLbl name="alignAcc1">
+    <dgm:fillClrLst meth="repeat">
+      <a:schemeClr val="lt1">
+        <a:alpha val="90000"/>
+      </a:schemeClr>
+    </dgm:fillClrLst>
+    <dgm:linClrLst meth="repeat">
+      <a:schemeClr val="accent1"/>
+    </dgm:linClrLst>
+    <dgm:effectClrLst/>
+    <dgm:txLinClrLst/>
+    <dgm:txFillClrLst meth="repeat">
+      <a:schemeClr val="dk1"/>
+    </dgm:txFillClrLst>
+    <dgm:txEffectClrLst/>
+  </dgm:styleLbl>
+  <dgm:styleLbl name="trAlignAcc1">
+    <dgm:fillClrLst meth="repeat">
+      <a:schemeClr val="lt1">
+        <a:alpha val="40000"/>
+      </a:schemeClr>
+    </dgm:fillClrLst>
+    <dgm:linClrLst meth="repeat">
+      <a:schemeClr val="accent1"/>
+    </dgm:linClrLst>
+    <dgm:effectClrLst/>
+    <dgm:txLinClrLst/>
+    <dgm:txFillClrLst meth="repeat">
+      <a:schemeClr val="dk1"/>
+    </dgm:txFillClrLst>
+    <dgm:txEffectClrLst/>
+  </dgm:styleLbl>
+  <dgm:styleLbl name="bgAcc1">
+    <dgm:fillClrLst meth="repeat">
+      <a:schemeClr val="lt1">
+        <a:alpha val="90000"/>
+      </a:schemeClr>
+    </dgm:fillClrLst>
+    <dgm:linClrLst meth="repeat">
+      <a:schemeClr val="accent1"/>
+    </dgm:linClrLst>
+    <dgm:effectClrLst/>
+    <dgm:txLinClrLst/>
+    <dgm:txFillClrLst meth="repeat">
+      <a:schemeClr val="dk1"/>
+    </dgm:txFillClrLst>
+    <dgm:txEffectClrLst/>
+  </dgm:styleLbl>
+  <dgm:styleLbl name="solidFgAcc1">
+    <dgm:fillClrLst meth="repeat">
+      <a:schemeClr val="lt1"/>
+    </dgm:fillClrLst>
+    <dgm:linClrLst meth="repeat">
+      <a:schemeClr val="accent1"/>
+    </dgm:linClrLst>
+    <dgm:effectClrLst/>
+    <dgm:txLinClrLst/>
+    <dgm:txFillClrLst meth="repeat">
+      <a:schemeClr val="dk1"/>
+    </dgm:txFillClrLst>
+    <dgm:txEffectClrLst/>
+  </dgm:styleLbl>
+  <dgm:styleLbl name="solidAlignAcc1">
+    <dgm:fillClrLst meth="repeat">
+      <a:schemeClr val="lt1"/>
+    </dgm:fillClrLst>
+    <dgm:linClrLst meth="repeat">
+      <a:schemeClr val="accent1"/>
+    </dgm:linClrLst>
+    <dgm:effectClrLst/>
+    <dgm:txLinClrLst/>
+    <dgm:txFillClrLst meth="repeat">
+      <a:schemeClr val="dk1"/>
+    </dgm:txFillClrLst>
+    <dgm:txEffectClrLst/>
+  </dgm:styleLbl>
+  <dgm:styleLbl name="solidBgAcc1">
+    <dgm:fillClrLst meth="repeat">
+      <a:schemeClr val="lt1"/>
+    </dgm:fillClrLst>
+    <dgm:linClrLst meth="repeat">
+      <a:schemeClr val="accent1"/>
+    </dgm:linClrLst>
+    <dgm:effectClrLst/>
+    <dgm:txLinClrLst/>
+    <dgm:txFillClrLst meth="repeat">
+      <a:schemeClr val="dk1"/>
+    </dgm:txFillClrLst>
+    <dgm:txEffectClrLst/>
+  </dgm:styleLbl>
+  <dgm:styleLbl name="fgAccFollowNode1">
+    <dgm:fillClrLst meth="repeat">
+      <a:schemeClr val="accent1">
+        <a:alpha val="90000"/>
+        <a:tint val="40000"/>
+      </a:schemeClr>
+    </dgm:fillClrLst>
+    <dgm:linClrLst meth="repeat">
+      <a:schemeClr val="accent1">
+        <a:alpha val="90000"/>
+        <a:tint val="40000"/>
+      </a:schemeClr>
+    </dgm:linClrLst>
+    <dgm:effectClrLst/>
+    <dgm:txLinClrLst/>
+    <dgm:txFillClrLst meth="repeat">
+      <a:schemeClr val="dk1"/>
+    </dgm:txFillClrLst>
+    <dgm:txEffectClrLst/>
+  </dgm:styleLbl>
+  <dgm:styleLbl name="alignAccFollowNode1">
+    <dgm:fillClrLst meth="repeat">
+      <a:schemeClr val="accent1">
+        <a:alpha val="90000"/>
+        <a:tint val="40000"/>
+      </a:schemeClr>
+    </dgm:fillClrLst>
+    <dgm:linClrLst meth="repeat">
+      <a:schemeClr val="accent1">
+        <a:alpha val="90000"/>
+        <a:tint val="40000"/>
+      </a:schemeClr>
+    </dgm:linClrLst>
+    <dgm:effectClrLst/>
+    <dgm:txLinClrLst/>
+    <dgm:txFillClrLst meth="repeat">
+      <a:schemeClr val="dk1"/>
+    </dgm:txFillClrLst>
+    <dgm:txEffectClrLst/>
+  </dgm:styleLbl>
+  <dgm:styleLbl name="bgAccFollowNode1">
+    <dgm:fillClrLst meth="repeat">
+      <a:schemeClr val="accent1">
+        <a:alpha val="90000"/>
+        <a:tint val="40000"/>
+      </a:schemeClr>
+    </dgm:fillClrLst>
+    <dgm:linClrLst meth="repeat">
+      <a:schemeClr val="accent1">
+        <a:alpha val="90000"/>
+        <a:tint val="40000"/>
+      </a:schemeClr>
+    </dgm:linClrLst>
+    <dgm:effectClrLst/>
+    <dgm:txLinClrLst/>
+    <dgm:txFillClrLst meth="repeat">
+      <a:schemeClr val="dk1"/>
+    </dgm:txFillClrLst>
+    <dgm:txEffectClrLst/>
+  </dgm:styleLbl>
+  <dgm:styleLbl name="fgAcc0">
+    <dgm:fillClrLst meth="repeat">
+      <a:schemeClr val="lt1">
+        <a:alpha val="90000"/>
+      </a:schemeClr>
+    </dgm:fillClrLst>
+    <dgm:linClrLst meth="repeat">
+      <a:schemeClr val="accent1"/>
+    </dgm:linClrLst>
+    <dgm:effectClrLst/>
+    <dgm:txLinClrLst/>
+    <dgm:txFillClrLst meth="repeat">
+      <a:schemeClr val="dk1"/>
+    </dgm:txFillClrLst>
+    <dgm:txEffectClrLst/>
+  </dgm:styleLbl>
+  <dgm:styleLbl name="fgAcc2">
+    <dgm:fillClrLst meth="repeat">
+      <a:schemeClr val="lt1">
+        <a:alpha val="90000"/>
+      </a:schemeClr>
+    </dgm:fillClrLst>
+    <dgm:linClrLst meth="repeat">
+      <a:schemeClr val="accent1"/>
+    </dgm:linClrLst>
+    <dgm:effectClrLst/>
+    <dgm:txLinClrLst/>
+    <dgm:txFillClrLst meth="repeat">
+      <a:schemeClr val="dk1"/>
+    </dgm:txFillClrLst>
+    <dgm:txEffectClrLst/>
+  </dgm:styleLbl>
+  <dgm:styleLbl name="fgAcc3">
+    <dgm:fillClrLst meth="repeat">
+      <a:schemeClr val="lt1">
+        <a:alpha val="90000"/>
+      </a:schemeClr>
+    </dgm:fillClrLst>
+    <dgm:linClrLst meth="repeat">
+      <a:schemeClr val="accent1"/>
+    </dgm:linClrLst>
+    <dgm:effectClrLst/>
+    <dgm:txLinClrLst/>
+    <dgm:txFillClrLst meth="repeat">
+      <a:schemeClr val="dk1"/>
+    </dgm:txFillClrLst>
+    <dgm:txEffectClrLst/>
+  </dgm:styleLbl>
+  <dgm:styleLbl name="fgAcc4">
+    <dgm:fillClrLst meth="repeat">
+      <a:schemeClr val="lt1">
+        <a:alpha val="90000"/>
+      </a:schemeClr>
+    </dgm:fillClrLst>
+    <dgm:linClrLst meth="repeat">
+      <a:schemeClr val="accent1"/>
+    </dgm:linClrLst>
+    <dgm:effectClrLst/>
+    <dgm:txLinClrLst/>
+    <dgm:txFillClrLst meth="repeat">
+      <a:schemeClr val="dk1"/>
+    </dgm:txFillClrLst>
+    <dgm:txEffectClrLst/>
+  </dgm:styleLbl>
+  <dgm:styleLbl name="bgShp">
+    <dgm:fillClrLst meth="repeat">
+      <a:schemeClr val="accent1">
+        <a:tint val="40000"/>
+      </a:schemeClr>
+    </dgm:fillClrLst>
+    <dgm:linClrLst meth="repeat">
+      <a:schemeClr val="accent1"/>
+    </dgm:linClrLst>
+    <dgm:effectClrLst/>
+    <dgm:txLinClrLst/>
+    <dgm:txFillClrLst meth="repeat">
+      <a:schemeClr val="dk1"/>
+    </dgm:txFillClrLst>
+    <dgm:txEffectClrLst/>
+  </dgm:styleLbl>
+  <dgm:styleLbl name="dkBgShp">
+    <dgm:fillClrLst meth="repeat">
+      <a:schemeClr val="accent1">
+        <a:shade val="80000"/>
+      </a:schemeClr>
+    </dgm:fillClrLst>
+    <dgm:linClrLst meth="repeat">
+      <a:schemeClr val="accent1"/>
+    </dgm:linClrLst>
+    <dgm:effectClrLst/>
+    <dgm:txLinClrLst/>
+    <dgm:txFillClrLst meth="repeat">
+      <a:schemeClr val="lt1"/>
+    </dgm:txFillClrLst>
+    <dgm:txEffectClrLst/>
+  </dgm:styleLbl>
+  <dgm:styleLbl name="trBgShp">
+    <dgm:fillClrLst meth="repeat">
+      <a:schemeClr val="accent1">
+        <a:tint val="50000"/>
+        <a:alpha val="40000"/>
+      </a:schemeClr>
+    </dgm:fillClrLst>
+    <dgm:linClrLst meth="repeat">
+      <a:schemeClr val="accent1"/>
+    </dgm:linClrLst>
+    <dgm:effectClrLst/>
+    <dgm:txLinClrLst/>
+    <dgm:txFillClrLst meth="repeat">
+      <a:schemeClr val="lt1"/>
+    </dgm:txFillClrLst>
+    <dgm:txEffectClrLst/>
+  </dgm:styleLbl>
+  <dgm:styleLbl name="fgShp">
+    <dgm:fillClrLst meth="repeat">
+      <a:schemeClr val="accent1">
+        <a:tint val="60000"/>
+      </a:schemeClr>
+    </dgm:fillClrLst>
+    <dgm:linClrLst meth="repeat">
+      <a:schemeClr val="lt1"/>
+    </dgm:linClrLst>
+    <dgm:effectClrLst/>
+    <dgm:txLinClrLst/>
+    <dgm:txFillClrLst meth="repeat">
+      <a:schemeClr val="dk1"/>
+    </dgm:txFillClrLst>
+    <dgm:txEffectClrLst/>
+  </dgm:styleLbl>
+  <dgm:styleLbl name="revTx">
+    <dgm:fillClrLst meth="repeat">
+      <a:schemeClr val="lt1">
+        <a:alpha val="0"/>
+      </a:schemeClr>
+    </dgm:fillClrLst>
+    <dgm:linClrLst meth="repeat">
+      <a:schemeClr val="dk1">
+        <a:alpha val="0"/>
+      </a:schemeClr>
+    </dgm:linClrLst>
+    <dgm:effectClrLst/>
+    <dgm:txLinClrLst/>
+    <dgm:txFillClrLst meth="repeat">
+      <a:schemeClr val="tx1"/>
+    </dgm:txFillClrLst>
+    <dgm:txEffectClrLst/>
+  </dgm:styleLbl>
+</dgm:colorsDef>
+</file>
+
+<file path=ppt/diagrams/data1.xml><?xml version="1.0" encoding="utf-8"?>
+<dgm:dataModel xmlns:dgm="http://schemas.openxmlformats.org/drawingml/2006/diagram" xmlns:a="http://schemas.openxmlformats.org/drawingml/2006/main">
+  <dgm:ptLst>
+    <dgm:pt modelId="{3FCBDCA8-D37B-4E8E-8DFF-E2DE54ECAFE1}" type="doc">
+      <dgm:prSet loTypeId="urn:microsoft.com/office/officeart/2005/8/layout/vList5" loCatId="list" qsTypeId="urn:microsoft.com/office/officeart/2005/8/quickstyle/simple1" qsCatId="simple" csTypeId="urn:microsoft.com/office/officeart/2005/8/colors/accent1_2" csCatId="accent1" phldr="1"/>
+      <dgm:spPr/>
+      <dgm:t>
+        <a:bodyPr/>
+        <a:lstStyle/>
+        <a:p>
+          <a:endParaRPr lang="en-IN"/>
+        </a:p>
+      </dgm:t>
+    </dgm:pt>
+    <dgm:pt modelId="{E105D25F-295D-4FD9-94CF-53B5ABBAD0AD}">
+      <dgm:prSet/>
+      <dgm:spPr/>
+      <dgm:t>
+        <a:bodyPr/>
+        <a:lstStyle/>
+        <a:p>
+          <a:r>
+            <a:rPr lang="en-US" baseline="0" dirty="0"/>
+            <a:t>Navigating the Future of Online Shopping</a:t>
+          </a:r>
+          <a:br>
+            <a:rPr lang="en-US" baseline="0" dirty="0"/>
+          </a:br>
+          <a:r>
+            <a:rPr lang="en-IN" baseline="0" dirty="0"/>
+            <a:t>E-Commerce Data Analysis</a:t>
+          </a:r>
+          <a:br>
+            <a:rPr lang="en-IN" baseline="0" dirty="0"/>
+          </a:br>
+          <a:endParaRPr lang="en-IN" dirty="0"/>
+        </a:p>
+      </dgm:t>
+    </dgm:pt>
+    <dgm:pt modelId="{B9CAE920-0D69-4D83-A302-6F7AF1C82B01}" type="parTrans" cxnId="{6B550C37-4C7F-44A5-83C7-C525945F541B}">
+      <dgm:prSet/>
+      <dgm:spPr/>
+      <dgm:t>
+        <a:bodyPr/>
+        <a:lstStyle/>
+        <a:p>
+          <a:endParaRPr lang="en-IN"/>
+        </a:p>
+      </dgm:t>
+    </dgm:pt>
+    <dgm:pt modelId="{81BB151D-B93C-44E7-9555-A4E6E42D7A62}" type="sibTrans" cxnId="{6B550C37-4C7F-44A5-83C7-C525945F541B}">
+      <dgm:prSet/>
+      <dgm:spPr/>
+      <dgm:t>
+        <a:bodyPr/>
+        <a:lstStyle/>
+        <a:p>
+          <a:endParaRPr lang="en-IN"/>
+        </a:p>
+      </dgm:t>
+    </dgm:pt>
+    <dgm:pt modelId="{578BBF8B-1086-4A90-95DD-EF440C0E443D}" type="pres">
+      <dgm:prSet presAssocID="{3FCBDCA8-D37B-4E8E-8DFF-E2DE54ECAFE1}" presName="Name0" presStyleCnt="0">
+        <dgm:presLayoutVars>
+          <dgm:dir/>
+          <dgm:animLvl val="lvl"/>
+          <dgm:resizeHandles val="exact"/>
+        </dgm:presLayoutVars>
+      </dgm:prSet>
+      <dgm:spPr/>
+    </dgm:pt>
+    <dgm:pt modelId="{C943E0E2-B234-4A6D-A7DB-43F592D67D95}" type="pres">
+      <dgm:prSet presAssocID="{E105D25F-295D-4FD9-94CF-53B5ABBAD0AD}" presName="linNode" presStyleCnt="0"/>
+      <dgm:spPr/>
+    </dgm:pt>
+    <dgm:pt modelId="{28860336-9EBC-40FB-8E0D-4EC9B760C684}" type="pres">
+      <dgm:prSet presAssocID="{E105D25F-295D-4FD9-94CF-53B5ABBAD0AD}" presName="parentText" presStyleLbl="node1" presStyleIdx="0" presStyleCnt="1" custScaleX="152500">
+        <dgm:presLayoutVars>
+          <dgm:chMax val="1"/>
+          <dgm:bulletEnabled val="1"/>
+        </dgm:presLayoutVars>
+      </dgm:prSet>
+      <dgm:spPr/>
+    </dgm:pt>
+  </dgm:ptLst>
+  <dgm:cxnLst>
+    <dgm:cxn modelId="{F36A8F19-0AF6-46EA-81E6-0A7B479F1846}" type="presOf" srcId="{3FCBDCA8-D37B-4E8E-8DFF-E2DE54ECAFE1}" destId="{578BBF8B-1086-4A90-95DD-EF440C0E443D}" srcOrd="0" destOrd="0" presId="urn:microsoft.com/office/officeart/2005/8/layout/vList5"/>
+    <dgm:cxn modelId="{6B550C37-4C7F-44A5-83C7-C525945F541B}" srcId="{3FCBDCA8-D37B-4E8E-8DFF-E2DE54ECAFE1}" destId="{E105D25F-295D-4FD9-94CF-53B5ABBAD0AD}" srcOrd="0" destOrd="0" parTransId="{B9CAE920-0D69-4D83-A302-6F7AF1C82B01}" sibTransId="{81BB151D-B93C-44E7-9555-A4E6E42D7A62}"/>
+    <dgm:cxn modelId="{3AEE66BC-9638-4B42-8746-2070AB081DE7}" type="presOf" srcId="{E105D25F-295D-4FD9-94CF-53B5ABBAD0AD}" destId="{28860336-9EBC-40FB-8E0D-4EC9B760C684}" srcOrd="0" destOrd="0" presId="urn:microsoft.com/office/officeart/2005/8/layout/vList5"/>
+    <dgm:cxn modelId="{31BB0B0D-7B84-4566-84FC-1FB4776AC888}" type="presParOf" srcId="{578BBF8B-1086-4A90-95DD-EF440C0E443D}" destId="{C943E0E2-B234-4A6D-A7DB-43F592D67D95}" srcOrd="0" destOrd="0" presId="urn:microsoft.com/office/officeart/2005/8/layout/vList5"/>
+    <dgm:cxn modelId="{B428578C-6DB5-4CF0-8AEF-1AC7C0189967}" type="presParOf" srcId="{C943E0E2-B234-4A6D-A7DB-43F592D67D95}" destId="{28860336-9EBC-40FB-8E0D-4EC9B760C684}" srcOrd="0" destOrd="0" presId="urn:microsoft.com/office/officeart/2005/8/layout/vList5"/>
+  </dgm:cxnLst>
+  <dgm:bg/>
+  <dgm:whole/>
+  <dgm:extLst>
+    <a:ext uri="http://schemas.microsoft.com/office/drawing/2008/diagram">
+      <dsp:dataModelExt xmlns:dsp="http://schemas.microsoft.com/office/drawing/2008/diagram" relId="rId6" minVer="http://schemas.openxmlformats.org/drawingml/2006/diagram"/>
+    </a:ext>
+  </dgm:extLst>
+</dgm:dataModel>
+</file>
+
+<file path=ppt/diagrams/data2.xml><?xml version="1.0" encoding="utf-8"?>
+<dgm:dataModel xmlns:dgm="http://schemas.openxmlformats.org/drawingml/2006/diagram" xmlns:a="http://schemas.openxmlformats.org/drawingml/2006/main">
+  <dgm:ptLst>
+    <dgm:pt modelId="{45950842-9C88-47A4-B306-35FD8D00D412}" type="doc">
+      <dgm:prSet loTypeId="urn:microsoft.com/office/officeart/2005/8/layout/vList2" loCatId="list" qsTypeId="urn:microsoft.com/office/officeart/2005/8/quickstyle/simple1" qsCatId="simple" csTypeId="urn:microsoft.com/office/officeart/2005/8/colors/accent1_2" csCatId="accent1" phldr="1"/>
+      <dgm:spPr/>
+      <dgm:t>
+        <a:bodyPr/>
+        <a:lstStyle/>
+        <a:p>
+          <a:endParaRPr lang="en-IN"/>
+        </a:p>
+      </dgm:t>
+    </dgm:pt>
+    <dgm:pt modelId="{13E1355B-0B44-43DC-AD9B-C5A9E40BF8AB}">
+      <dgm:prSet/>
+      <dgm:spPr/>
+      <dgm:t>
+        <a:bodyPr anchor="ctr"/>
+        <a:lstStyle/>
+        <a:p>
+          <a:pPr algn="ctr"/>
+          <a:r>
+            <a:rPr lang="en-US" baseline="0" dirty="0"/>
+            <a:t>A Comparative Approach using SQL and Python</a:t>
+          </a:r>
+          <a:endParaRPr lang="en-IN" dirty="0"/>
+        </a:p>
+      </dgm:t>
+    </dgm:pt>
+    <dgm:pt modelId="{9F8365B4-C492-4672-99EE-22741C786721}" type="parTrans" cxnId="{0F403CC3-27F2-4B28-B469-D2890991F9A1}">
+      <dgm:prSet/>
+      <dgm:spPr/>
+      <dgm:t>
+        <a:bodyPr/>
+        <a:lstStyle/>
+        <a:p>
+          <a:endParaRPr lang="en-IN"/>
+        </a:p>
+      </dgm:t>
+    </dgm:pt>
+    <dgm:pt modelId="{BD784F72-6CB9-41D5-8052-96007FC12945}" type="sibTrans" cxnId="{0F403CC3-27F2-4B28-B469-D2890991F9A1}">
+      <dgm:prSet/>
+      <dgm:spPr/>
+      <dgm:t>
+        <a:bodyPr/>
+        <a:lstStyle/>
+        <a:p>
+          <a:endParaRPr lang="en-IN"/>
+        </a:p>
+      </dgm:t>
+    </dgm:pt>
+    <dgm:pt modelId="{B0EADF8F-51A4-4F90-98CA-F466BA09AB9C}" type="pres">
+      <dgm:prSet presAssocID="{45950842-9C88-47A4-B306-35FD8D00D412}" presName="linear" presStyleCnt="0">
+        <dgm:presLayoutVars>
+          <dgm:animLvl val="lvl"/>
+          <dgm:resizeHandles val="exact"/>
+        </dgm:presLayoutVars>
+      </dgm:prSet>
+      <dgm:spPr/>
+    </dgm:pt>
+    <dgm:pt modelId="{CCEB0238-855D-4937-BA09-AB071CCF4C19}" type="pres">
+      <dgm:prSet presAssocID="{13E1355B-0B44-43DC-AD9B-C5A9E40BF8AB}" presName="parentText" presStyleLbl="node1" presStyleIdx="0" presStyleCnt="1" custScaleY="105802" custLinFactNeighborX="-42194" custLinFactNeighborY="3280">
+        <dgm:presLayoutVars>
+          <dgm:chMax val="0"/>
+          <dgm:bulletEnabled val="1"/>
+        </dgm:presLayoutVars>
+      </dgm:prSet>
+      <dgm:spPr/>
+    </dgm:pt>
+  </dgm:ptLst>
+  <dgm:cxnLst>
+    <dgm:cxn modelId="{2F1A3140-6B05-4F06-9FF3-67EE87880F15}" type="presOf" srcId="{13E1355B-0B44-43DC-AD9B-C5A9E40BF8AB}" destId="{CCEB0238-855D-4937-BA09-AB071CCF4C19}" srcOrd="0" destOrd="0" presId="urn:microsoft.com/office/officeart/2005/8/layout/vList2"/>
+    <dgm:cxn modelId="{0F403CC3-27F2-4B28-B469-D2890991F9A1}" srcId="{45950842-9C88-47A4-B306-35FD8D00D412}" destId="{13E1355B-0B44-43DC-AD9B-C5A9E40BF8AB}" srcOrd="0" destOrd="0" parTransId="{9F8365B4-C492-4672-99EE-22741C786721}" sibTransId="{BD784F72-6CB9-41D5-8052-96007FC12945}"/>
+    <dgm:cxn modelId="{130366FC-ECF0-4EA6-A31A-4BE4D4EFC74B}" type="presOf" srcId="{45950842-9C88-47A4-B306-35FD8D00D412}" destId="{B0EADF8F-51A4-4F90-98CA-F466BA09AB9C}" srcOrd="0" destOrd="0" presId="urn:microsoft.com/office/officeart/2005/8/layout/vList2"/>
+    <dgm:cxn modelId="{028B93A9-F1C1-447C-9FC6-D8DA1EFF353F}" type="presParOf" srcId="{B0EADF8F-51A4-4F90-98CA-F466BA09AB9C}" destId="{CCEB0238-855D-4937-BA09-AB071CCF4C19}" srcOrd="0" destOrd="0" presId="urn:microsoft.com/office/officeart/2005/8/layout/vList2"/>
+  </dgm:cxnLst>
+  <dgm:bg/>
+  <dgm:whole/>
+  <dgm:extLst>
+    <a:ext uri="http://schemas.microsoft.com/office/drawing/2008/diagram">
+      <dsp:dataModelExt xmlns:dsp="http://schemas.microsoft.com/office/drawing/2008/diagram" relId="rId11" minVer="http://schemas.openxmlformats.org/drawingml/2006/diagram"/>
+    </a:ext>
+  </dgm:extLst>
+</dgm:dataModel>
+</file>
+
+<file path=ppt/diagrams/drawing1.xml><?xml version="1.0" encoding="utf-8"?>
+<dsp:drawing xmlns:dgm="http://schemas.openxmlformats.org/drawingml/2006/diagram" xmlns:dsp="http://schemas.microsoft.com/office/drawing/2008/diagram" xmlns:a="http://schemas.openxmlformats.org/drawingml/2006/main">
+  <dsp:spTree>
+    <dsp:nvGrpSpPr>
+      <dsp:cNvPr id="0" name=""/>
+      <dsp:cNvGrpSpPr/>
+    </dsp:nvGrpSpPr>
+    <dsp:grpSpPr/>
+    <dsp:sp modelId="{28860336-9EBC-40FB-8E0D-4EC9B760C684}">
+      <dsp:nvSpPr>
+        <dsp:cNvPr id="0" name=""/>
+        <dsp:cNvSpPr/>
+      </dsp:nvSpPr>
+      <dsp:spPr>
+        <a:xfrm>
+          <a:off x="1959589" y="0"/>
+          <a:ext cx="4770796" cy="2509213"/>
+        </a:xfrm>
+        <a:prstGeom prst="roundRect">
+          <a:avLst/>
+        </a:prstGeom>
+        <a:solidFill>
+          <a:schemeClr val="accent1">
+            <a:hueOff val="0"/>
+            <a:satOff val="0"/>
+            <a:lumOff val="0"/>
+            <a:alphaOff val="0"/>
+          </a:schemeClr>
+        </a:solidFill>
+        <a:ln w="15875" cap="flat" cmpd="sng" algn="ctr">
+          <a:solidFill>
+            <a:schemeClr val="lt1">
+              <a:hueOff val="0"/>
+              <a:satOff val="0"/>
+              <a:lumOff val="0"/>
+              <a:alphaOff val="0"/>
+            </a:schemeClr>
+          </a:solidFill>
+          <a:prstDash val="solid"/>
+        </a:ln>
+        <a:effectLst/>
+      </dsp:spPr>
+      <dsp:style>
+        <a:lnRef idx="2">
+          <a:scrgbClr r="0" g="0" b="0"/>
+        </a:lnRef>
+        <a:fillRef idx="1">
+          <a:scrgbClr r="0" g="0" b="0"/>
+        </a:fillRef>
+        <a:effectRef idx="0">
+          <a:scrgbClr r="0" g="0" b="0"/>
+        </a:effectRef>
+        <a:fontRef idx="minor">
+          <a:schemeClr val="lt1"/>
+        </a:fontRef>
+      </dsp:style>
+      <dsp:txBody>
+        <a:bodyPr spcFirstLastPara="0" vert="horz" wrap="square" lIns="129540" tIns="64770" rIns="129540" bIns="64770" numCol="1" spcCol="1270" anchor="ctr" anchorCtr="0">
+          <a:noAutofit/>
+        </a:bodyPr>
+        <a:lstStyle/>
+        <a:p>
+          <a:pPr marL="0" lvl="0" indent="0" algn="ctr" defTabSz="1511300">
+            <a:lnSpc>
+              <a:spcPct val="90000"/>
+            </a:lnSpc>
+            <a:spcBef>
+              <a:spcPct val="0"/>
+            </a:spcBef>
+            <a:spcAft>
+              <a:spcPct val="35000"/>
+            </a:spcAft>
+            <a:buNone/>
+          </a:pPr>
+          <a:r>
+            <a:rPr lang="en-US" sz="3400" kern="1200" baseline="0" dirty="0"/>
+            <a:t>Navigating the Future of Online Shopping</a:t>
+          </a:r>
+          <a:br>
+            <a:rPr lang="en-US" sz="3400" kern="1200" baseline="0" dirty="0"/>
+          </a:br>
+          <a:r>
+            <a:rPr lang="en-IN" sz="3400" kern="1200" baseline="0" dirty="0"/>
+            <a:t>E-Commerce Data Analysis</a:t>
+          </a:r>
+          <a:br>
+            <a:rPr lang="en-IN" sz="3400" kern="1200" baseline="0" dirty="0"/>
+          </a:br>
+          <a:endParaRPr lang="en-IN" sz="3400" kern="1200" dirty="0"/>
+        </a:p>
+      </dsp:txBody>
+      <dsp:txXfrm>
+        <a:off x="2082079" y="122490"/>
+        <a:ext cx="4525816" cy="2264233"/>
+      </dsp:txXfrm>
+    </dsp:sp>
+  </dsp:spTree>
+</dsp:drawing>
+</file>
+
+<file path=ppt/diagrams/drawing2.xml><?xml version="1.0" encoding="utf-8"?>
+<dsp:drawing xmlns:dgm="http://schemas.openxmlformats.org/drawingml/2006/diagram" xmlns:dsp="http://schemas.microsoft.com/office/drawing/2008/diagram" xmlns:a="http://schemas.openxmlformats.org/drawingml/2006/main">
+  <dsp:spTree>
+    <dsp:nvGrpSpPr>
+      <dsp:cNvPr id="0" name=""/>
+      <dsp:cNvGrpSpPr/>
+    </dsp:nvGrpSpPr>
+    <dsp:grpSpPr/>
+    <dsp:sp modelId="{CCEB0238-855D-4937-BA09-AB071CCF4C19}">
+      <dsp:nvSpPr>
+        <dsp:cNvPr id="0" name=""/>
+        <dsp:cNvSpPr/>
+      </dsp:nvSpPr>
+      <dsp:spPr>
+        <a:xfrm>
+          <a:off x="0" y="103895"/>
+          <a:ext cx="8637072" cy="820716"/>
+        </a:xfrm>
+        <a:prstGeom prst="roundRect">
+          <a:avLst/>
+        </a:prstGeom>
+        <a:solidFill>
+          <a:schemeClr val="accent1">
+            <a:hueOff val="0"/>
+            <a:satOff val="0"/>
+            <a:lumOff val="0"/>
+            <a:alphaOff val="0"/>
+          </a:schemeClr>
+        </a:solidFill>
+        <a:ln w="15875" cap="flat" cmpd="sng" algn="ctr">
+          <a:solidFill>
+            <a:schemeClr val="lt1">
+              <a:hueOff val="0"/>
+              <a:satOff val="0"/>
+              <a:lumOff val="0"/>
+              <a:alphaOff val="0"/>
+            </a:schemeClr>
+          </a:solidFill>
+          <a:prstDash val="solid"/>
+        </a:ln>
+        <a:effectLst/>
+      </dsp:spPr>
+      <dsp:style>
+        <a:lnRef idx="2">
+          <a:scrgbClr r="0" g="0" b="0"/>
+        </a:lnRef>
+        <a:fillRef idx="1">
+          <a:scrgbClr r="0" g="0" b="0"/>
+        </a:fillRef>
+        <a:effectRef idx="0">
+          <a:scrgbClr r="0" g="0" b="0"/>
+        </a:effectRef>
+        <a:fontRef idx="minor">
+          <a:schemeClr val="lt1"/>
+        </a:fontRef>
+      </dsp:style>
+      <dsp:txBody>
+        <a:bodyPr spcFirstLastPara="0" vert="horz" wrap="square" lIns="129540" tIns="129540" rIns="129540" bIns="129540" numCol="1" spcCol="1270" anchor="ctr" anchorCtr="0">
+          <a:noAutofit/>
+        </a:bodyPr>
+        <a:lstStyle/>
+        <a:p>
+          <a:pPr marL="0" lvl="0" indent="0" algn="ctr" defTabSz="1511300">
+            <a:lnSpc>
+              <a:spcPct val="90000"/>
+            </a:lnSpc>
+            <a:spcBef>
+              <a:spcPct val="0"/>
+            </a:spcBef>
+            <a:spcAft>
+              <a:spcPct val="35000"/>
+            </a:spcAft>
+            <a:buNone/>
+          </a:pPr>
+          <a:r>
+            <a:rPr lang="en-US" sz="3400" kern="1200" baseline="0" dirty="0"/>
+            <a:t>A Comparative Approach using SQL and Python</a:t>
+          </a:r>
+          <a:endParaRPr lang="en-IN" sz="3400" kern="1200" dirty="0"/>
+        </a:p>
+      </dsp:txBody>
+      <dsp:txXfrm>
+        <a:off x="40064" y="143959"/>
+        <a:ext cx="8556944" cy="740588"/>
+      </dsp:txXfrm>
+    </dsp:sp>
+  </dsp:spTree>
+</dsp:drawing>
+</file>
+
+<file path=ppt/diagrams/layout1.xml><?xml version="1.0" encoding="utf-8"?>
+<dgm:layoutDef xmlns:dgm="http://schemas.openxmlformats.org/drawingml/2006/diagram" xmlns:a="http://schemas.openxmlformats.org/drawingml/2006/main" uniqueId="urn:microsoft.com/office/officeart/2005/8/layout/vList5">
+  <dgm:title val=""/>
+  <dgm:desc val=""/>
+  <dgm:catLst>
+    <dgm:cat type="list" pri="15000"/>
+    <dgm:cat type="convert" pri="2000"/>
+  </dgm:catLst>
+  <dgm:sampData>
+    <dgm:dataModel>
+      <dgm:ptLst>
+        <dgm:pt modelId="0" type="doc"/>
+        <dgm:pt modelId="1">
+          <dgm:prSet phldr="1"/>
+        </dgm:pt>
+        <dgm:pt modelId="11">
+          <dgm:prSet phldr="1"/>
+        </dgm:pt>
+        <dgm:pt modelId="12">
+          <dgm:prSet phldr="1"/>
+        </dgm:pt>
+        <dgm:pt modelId="2">
+          <dgm:prSet phldr="1"/>
+        </dgm:pt>
+        <dgm:pt modelId="21">
+          <dgm:prSet phldr="1"/>
+        </dgm:pt>
+        <dgm:pt modelId="22">
+          <dgm:prSet phldr="1"/>
+        </dgm:pt>
+        <dgm:pt modelId="3">
+          <dgm:prSet phldr="1"/>
+        </dgm:pt>
+        <dgm:pt modelId="31">
+          <dgm:prSet phldr="1"/>
+        </dgm:pt>
+        <dgm:pt modelId="32">
+          <dgm:prSet phldr="1"/>
+        </dgm:pt>
+      </dgm:ptLst>
+      <dgm:cxnLst>
+        <dgm:cxn modelId="4" srcId="0" destId="1" srcOrd="0" destOrd="0"/>
+        <dgm:cxn modelId="5" srcId="0" destId="2" srcOrd="1" destOrd="0"/>
+        <dgm:cxn modelId="6" srcId="0" destId="3" srcOrd="2" destOrd="0"/>
+        <dgm:cxn modelId="13" srcId="1" destId="11" srcOrd="0" destOrd="0"/>
+        <dgm:cxn modelId="14" srcId="1" destId="12" srcOrd="1" destOrd="0"/>
+        <dgm:cxn modelId="23" srcId="2" destId="21" srcOrd="0" destOrd="0"/>
+        <dgm:cxn modelId="24" srcId="2" destId="22" srcOrd="1" destOrd="0"/>
+        <dgm:cxn modelId="33" srcId="3" destId="31" srcOrd="0" destOrd="0"/>
+        <dgm:cxn modelId="34" srcId="3" destId="32" srcOrd="1" destOrd="0"/>
+      </dgm:cxnLst>
+      <dgm:bg/>
+      <dgm:whole/>
+    </dgm:dataModel>
+  </dgm:sampData>
+  <dgm:styleData>
+    <dgm:dataModel>
+      <dgm:ptLst>
+        <dgm:pt modelId="0" type="doc"/>
+        <dgm:pt modelId="1"/>
+        <dgm:pt modelId="11"/>
+        <dgm:pt modelId="2"/>
+        <dgm:pt modelId="21"/>
+      </dgm:ptLst>
+      <dgm:cxnLst>
+        <dgm:cxn modelId="4" srcId="0" destId="1" srcOrd="0" destOrd="0"/>
+        <dgm:cxn modelId="5" srcId="0" destId="2" srcOrd="1" destOrd="0"/>
+        <dgm:cxn modelId="13" srcId="1" destId="11" srcOrd="0" destOrd="0"/>
+        <dgm:cxn modelId="23" srcId="2" destId="21" srcOrd="0" destOrd="0"/>
+      </dgm:cxnLst>
+      <dgm:bg/>
+      <dgm:whole/>
+    </dgm:dataModel>
+  </dgm:styleData>
+  <dgm:clrData>
+    <dgm:dataModel>
+      <dgm:ptLst>
+        <dgm:pt modelId="0" type="doc"/>
+        <dgm:pt modelId="1"/>
+        <dgm:pt modelId="11"/>
+        <dgm:pt modelId="2"/>
+        <dgm:pt modelId="21"/>
+        <dgm:pt modelId="3"/>
+        <dgm:pt modelId="31"/>
+        <dgm:pt modelId="4"/>
+        <dgm:pt modelId="41"/>
+      </dgm:ptLst>
+      <dgm:cxnLst>
+        <dgm:cxn modelId="5" srcId="0" destId="1" srcOrd="0" destOrd="0"/>
+        <dgm:cxn modelId="6" srcId="0" destId="2" srcOrd="1" destOrd="0"/>
+        <dgm:cxn modelId="7" srcId="0" destId="3" srcOrd="2" destOrd="0"/>
+        <dgm:cxn modelId="8" srcId="0" destId="4" srcOrd="3" destOrd="0"/>
+        <dgm:cxn modelId="13" srcId="1" destId="11" srcOrd="0" destOrd="0"/>
+        <dgm:cxn modelId="23" srcId="2" destId="21" srcOrd="0" destOrd="0"/>
+        <dgm:cxn modelId="33" srcId="3" destId="31" srcOrd="0" destOrd="0"/>
+        <dgm:cxn modelId="43" srcId="4" destId="41" srcOrd="0" destOrd="0"/>
+      </dgm:cxnLst>
+      <dgm:bg/>
+      <dgm:whole/>
+    </dgm:dataModel>
+  </dgm:clrData>
+  <dgm:layoutNode name="Name0">
+    <dgm:varLst>
+      <dgm:dir/>
+      <dgm:animLvl val="lvl"/>
+      <dgm:resizeHandles val="exact"/>
+    </dgm:varLst>
+    <dgm:choose name="Name1">
+      <dgm:if name="Name2" func="var" arg="dir" op="equ" val="norm">
+        <dgm:alg type="lin">
+          <dgm:param type="linDir" val="fromT"/>
+          <dgm:param type="nodeHorzAlign" val="l"/>
+        </dgm:alg>
+      </dgm:if>
+      <dgm:else name="Name3">
+        <dgm:alg type="lin">
+          <dgm:param type="linDir" val="fromT"/>
+          <dgm:param type="nodeHorzAlign" val="r"/>
+        </dgm:alg>
+      </dgm:else>
+    </dgm:choose>
+    <dgm:shape xmlns:r="http://schemas.openxmlformats.org/officeDocument/2006/relationships" r:blip="">
+      <dgm:adjLst/>
+    </dgm:shape>
+    <dgm:presOf/>
+    <dgm:constrLst>
+      <dgm:constr type="h" for="ch" forName="linNode" refType="h"/>
+      <dgm:constr type="w" for="ch" forName="linNode" refType="w"/>
+      <dgm:constr type="h" for="ch" forName="sp" refType="h" fact="0.05"/>
+      <dgm:constr type="primFontSz" for="des" forName="parentText" op="equ" val="65"/>
+      <dgm:constr type="secFontSz" for="des" forName="descendantText" op="equ"/>
+    </dgm:constrLst>
+    <dgm:ruleLst/>
+    <dgm:forEach name="Name4" axis="ch" ptType="node">
+      <dgm:layoutNode name="linNode">
+        <dgm:choose name="Name5">
+          <dgm:if name="Name6" func="var" arg="dir" op="equ" val="norm">
+            <dgm:alg type="lin">
+              <dgm:param type="linDir" val="fromL"/>
+            </dgm:alg>
+          </dgm:if>
+          <dgm:else name="Name7">
+            <dgm:alg type="lin">
+              <dgm:param type="linDir" val="fromR"/>
+            </dgm:alg>
+          </dgm:else>
+        </dgm:choose>
+        <dgm:shape xmlns:r="http://schemas.openxmlformats.org/officeDocument/2006/relationships" r:blip="">
+          <dgm:adjLst/>
+        </dgm:shape>
+        <dgm:presOf/>
+        <dgm:constrLst>
+          <dgm:constr type="w" for="ch" forName="parentText" refType="w" fact="0.36"/>
+          <dgm:constr type="w" for="ch" forName="descendantText" refType="w" fact="0.64"/>
+          <dgm:constr type="h" for="ch" forName="parentText" refType="h"/>
+          <dgm:constr type="h" for="ch" forName="descendantText" refType="h" refFor="ch" refForName="parentText" fact="0.8"/>
+        </dgm:constrLst>
+        <dgm:ruleLst/>
+        <dgm:layoutNode name="parentText">
+          <dgm:varLst>
+            <dgm:chMax val="1"/>
+            <dgm:bulletEnabled val="1"/>
+          </dgm:varLst>
+          <dgm:alg type="tx"/>
+          <dgm:shape xmlns:r="http://schemas.openxmlformats.org/officeDocument/2006/relationships" type="roundRect" r:blip="" zOrderOff="3">
+            <dgm:adjLst/>
+          </dgm:shape>
+          <dgm:presOf axis="self" ptType="node"/>
+          <dgm:constrLst>
+            <dgm:constr type="tMarg" refType="primFontSz" fact="0.15"/>
+            <dgm:constr type="bMarg" refType="primFontSz" fact="0.15"/>
+            <dgm:constr type="lMarg" refType="primFontSz" fact="0.3"/>
+            <dgm:constr type="rMarg" refType="primFontSz" fact="0.3"/>
+          </dgm:constrLst>
+          <dgm:ruleLst>
+            <dgm:rule type="primFontSz" val="5" fact="NaN" max="NaN"/>
+          </dgm:ruleLst>
+        </dgm:layoutNode>
+        <dgm:choose name="Name8">
+          <dgm:if name="Name9" axis="ch" ptType="node" func="cnt" op="gte" val="1">
+            <dgm:layoutNode name="descendantText" styleLbl="alignAccFollowNode1">
+              <dgm:varLst>
+                <dgm:bulletEnabled val="1"/>
+              </dgm:varLst>
+              <dgm:alg type="tx">
+                <dgm:param type="stBulletLvl" val="1"/>
+                <dgm:param type="txAnchorVertCh" val="mid"/>
+              </dgm:alg>
+              <dgm:choose name="Name10">
+                <dgm:if name="Name11" func="var" arg="dir" op="equ" val="norm">
+                  <dgm:shape xmlns:r="http://schemas.openxmlformats.org/officeDocument/2006/relationships" rot="90" type="round2SameRect" r:blip="">
+                    <dgm:adjLst/>
+                  </dgm:shape>
+                </dgm:if>
+                <dgm:else name="Name12">
+                  <dgm:shape xmlns:r="http://schemas.openxmlformats.org/officeDocument/2006/relationships" rot="-90" type="round2SameRect" r:blip="">
+                    <dgm:adjLst/>
+                  </dgm:shape>
+                </dgm:else>
+              </dgm:choose>
+              <dgm:presOf axis="des" ptType="node"/>
+              <dgm:constrLst>
+                <dgm:constr type="secFontSz" val="65"/>
+                <dgm:constr type="primFontSz" refType="secFontSz"/>
+                <dgm:constr type="lMarg" refType="secFontSz" fact="0.3"/>
+                <dgm:constr type="rMarg" refType="secFontSz" fact="0.3"/>
+                <dgm:constr type="tMarg" refType="secFontSz" fact="0.15"/>
+                <dgm:constr type="bMarg" refType="secFontSz" fact="0.15"/>
+              </dgm:constrLst>
+              <dgm:ruleLst>
+                <dgm:rule type="secFontSz" val="5" fact="NaN" max="NaN"/>
+              </dgm:ruleLst>
+            </dgm:layoutNode>
+          </dgm:if>
+          <dgm:else name="Name13"/>
+        </dgm:choose>
+      </dgm:layoutNode>
+      <dgm:forEach name="Name14" axis="followSib" ptType="sibTrans" cnt="1">
+        <dgm:layoutNode name="sp">
+          <dgm:alg type="sp"/>
+          <dgm:shape xmlns:r="http://schemas.openxmlformats.org/officeDocument/2006/relationships" r:blip="">
+            <dgm:adjLst/>
+          </dgm:shape>
+          <dgm:presOf/>
+          <dgm:constrLst/>
+          <dgm:ruleLst/>
+        </dgm:layoutNode>
+      </dgm:forEach>
+    </dgm:forEach>
+  </dgm:layoutNode>
+</dgm:layoutDef>
+</file>
+
+<file path=ppt/diagrams/layout2.xml><?xml version="1.0" encoding="utf-8"?>
+<dgm:layoutDef xmlns:dgm="http://schemas.openxmlformats.org/drawingml/2006/diagram" xmlns:a="http://schemas.openxmlformats.org/drawingml/2006/main" uniqueId="urn:microsoft.com/office/officeart/2005/8/layout/vList2">
+  <dgm:title val=""/>
+  <dgm:desc val=""/>
+  <dgm:catLst>
+    <dgm:cat type="list" pri="3000"/>
+    <dgm:cat type="convert" pri="1000"/>
+  </dgm:catLst>
+  <dgm:sampData>
+    <dgm:dataModel>
+      <dgm:ptLst>
+        <dgm:pt modelId="0" type="doc"/>
+        <dgm:pt modelId="1">
+          <dgm:prSet phldr="1"/>
+        </dgm:pt>
+        <dgm:pt modelId="11">
+          <dgm:prSet phldr="1"/>
+        </dgm:pt>
+        <dgm:pt modelId="2">
+          <dgm:prSet phldr="1"/>
+        </dgm:pt>
+        <dgm:pt modelId="21">
+          <dgm:prSet phldr="1"/>
+        </dgm:pt>
+      </dgm:ptLst>
+      <dgm:cxnLst>
+        <dgm:cxn modelId="4" srcId="0" destId="1" srcOrd="0" destOrd="0"/>
+        <dgm:cxn modelId="5" srcId="0" destId="2" srcOrd="1" destOrd="0"/>
+        <dgm:cxn modelId="12" srcId="1" destId="11" srcOrd="0" destOrd="0"/>
+        <dgm:cxn modelId="23" srcId="2" destId="21" srcOrd="0" destOrd="0"/>
+      </dgm:cxnLst>
+      <dgm:bg/>
+      <dgm:whole/>
+    </dgm:dataModel>
+  </dgm:sampData>
+  <dgm:styleData>
+    <dgm:dataModel>
+      <dgm:ptLst>
+        <dgm:pt modelId="0" type="doc"/>
+        <dgm:pt modelId="1"/>
+        <dgm:pt modelId="2"/>
+      </dgm:ptLst>
+      <dgm:cxnLst>
+        <dgm:cxn modelId="3" srcId="0" destId="1" srcOrd="0" destOrd="0"/>
+        <dgm:cxn modelId="4" srcId="0" destId="2" srcOrd="1" destOrd="0"/>
+      </dgm:cxnLst>
+      <dgm:bg/>
+      <dgm:whole/>
+    </dgm:dataModel>
+  </dgm:styleData>
+  <dgm:clrData>
+    <dgm:dataModel>
+      <dgm:ptLst>
+        <dgm:pt modelId="0" type="doc"/>
+        <dgm:pt modelId="1"/>
+        <dgm:pt modelId="2"/>
+        <dgm:pt modelId="3"/>
+        <dgm:pt modelId="4"/>
+      </dgm:ptLst>
+      <dgm:cxnLst>
+        <dgm:cxn modelId="5" srcId="0" destId="1" srcOrd="0" destOrd="0"/>
+        <dgm:cxn modelId="6" srcId="0" destId="2" srcOrd="1" destOrd="0"/>
+        <dgm:cxn modelId="7" srcId="0" destId="3" srcOrd="2" destOrd="0"/>
+        <dgm:cxn modelId="8" srcId="0" destId="4" srcOrd="3" destOrd="0"/>
+      </dgm:cxnLst>
+      <dgm:bg/>
+      <dgm:whole/>
+    </dgm:dataModel>
+  </dgm:clrData>
+  <dgm:layoutNode name="linear">
+    <dgm:varLst>
+      <dgm:animLvl val="lvl"/>
+      <dgm:resizeHandles val="exact"/>
+    </dgm:varLst>
+    <dgm:alg type="lin">
+      <dgm:param type="linDir" val="fromT"/>
+      <dgm:param type="vertAlign" val="mid"/>
+    </dgm:alg>
+    <dgm:shape xmlns:r="http://schemas.openxmlformats.org/officeDocument/2006/relationships" r:blip="">
+      <dgm:adjLst/>
+    </dgm:shape>
+    <dgm:presOf/>
+    <dgm:constrLst>
+      <dgm:constr type="w" for="ch" forName="parentText" refType="w"/>
+      <dgm:constr type="h" for="ch" forName="parentText" refType="primFontSz" refFor="ch" refForName="parentText" fact="0.52"/>
+      <dgm:constr type="w" for="ch" forName="childText" refType="w"/>
+      <dgm:constr type="h" for="ch" forName="childText" refType="primFontSz" refFor="ch" refForName="parentText" fact="0.46"/>
+      <dgm:constr type="h" for="ch" forName="parentText" op="equ"/>
+      <dgm:constr type="primFontSz" for="ch" forName="parentText" op="equ" val="65"/>
+      <dgm:constr type="primFontSz" for="ch" forName="childText" refType="primFontSz" refFor="ch" refForName="parentText" op="equ"/>
+      <dgm:constr type="h" for="ch" forName="spacer" refType="primFontSz" refFor="ch" refForName="parentText" fact="0.08"/>
+    </dgm:constrLst>
+    <dgm:ruleLst>
+      <dgm:rule type="primFontSz" for="ch" forName="parentText" val="5" fact="NaN" max="NaN"/>
+    </dgm:ruleLst>
+    <dgm:forEach name="Name0" axis="ch" ptType="node">
+      <dgm:layoutNode name="parentText" styleLbl="node1">
+        <dgm:varLst>
+          <dgm:chMax val="0"/>
+          <dgm:bulletEnabled val="1"/>
+        </dgm:varLst>
+        <dgm:alg type="tx">
+          <dgm:param type="parTxLTRAlign" val="l"/>
+          <dgm:param type="parTxRTLAlign" val="r"/>
+        </dgm:alg>
+        <dgm:shape xmlns:r="http://schemas.openxmlformats.org/officeDocument/2006/relationships" type="roundRect" r:blip="">
+          <dgm:adjLst/>
+        </dgm:shape>
+        <dgm:presOf axis="self"/>
+        <dgm:constrLst>
+          <dgm:constr type="tMarg" refType="primFontSz" fact="0.3"/>
+          <dgm:constr type="bMarg" refType="primFontSz" fact="0.3"/>
+          <dgm:constr type="lMarg" refType="primFontSz" fact="0.3"/>
+          <dgm:constr type="rMarg" refType="primFontSz" fact="0.3"/>
+        </dgm:constrLst>
+        <dgm:ruleLst>
+          <dgm:rule type="h" val="INF" fact="NaN" max="NaN"/>
+        </dgm:ruleLst>
+      </dgm:layoutNode>
+      <dgm:choose name="Name1">
+        <dgm:if name="Name2" axis="ch" ptType="node" func="cnt" op="gte" val="1">
+          <dgm:layoutNode name="childText" styleLbl="revTx">
+            <dgm:varLst>
+              <dgm:bulletEnabled val="1"/>
+            </dgm:varLst>
+            <dgm:alg type="tx">
+              <dgm:param type="stBulletLvl" val="1"/>
+              <dgm:param type="lnSpAfChP" val="20"/>
+            </dgm:alg>
+            <dgm:shape xmlns:r="http://schemas.openxmlformats.org/officeDocument/2006/relationships" type="rect" r:blip="">
+              <dgm:adjLst/>
+            </dgm:shape>
+            <dgm:presOf axis="des" ptType="node"/>
+            <dgm:constrLst>
+              <dgm:constr type="tMarg" refType="primFontSz" fact="0.1"/>
+              <dgm:constr type="bMarg" refType="primFontSz" fact="0.1"/>
+              <dgm:constr type="lMarg" refType="w" fact="0.09"/>
+            </dgm:constrLst>
+            <dgm:ruleLst>
+              <dgm:rule type="h" val="INF" fact="NaN" max="NaN"/>
+            </dgm:ruleLst>
+          </dgm:layoutNode>
+        </dgm:if>
+        <dgm:else name="Name3">
+          <dgm:choose name="Name4">
+            <dgm:if name="Name5" axis="par ch" ptType="doc node" func="cnt" op="gte" val="2">
+              <dgm:forEach name="Name6" axis="followSib" ptType="sibTrans" cnt="1">
+                <dgm:layoutNode name="spacer">
+                  <dgm:alg type="sp"/>
+                  <dgm:shape xmlns:r="http://schemas.openxmlformats.org/officeDocument/2006/relationships" r:blip="">
+                    <dgm:adjLst/>
+                  </dgm:shape>
+                  <dgm:presOf/>
+                  <dgm:constrLst/>
+                  <dgm:ruleLst/>
+                </dgm:layoutNode>
+              </dgm:forEach>
+            </dgm:if>
+            <dgm:else name="Name7"/>
+          </dgm:choose>
+        </dgm:else>
+      </dgm:choose>
+    </dgm:forEach>
+  </dgm:layoutNode>
+</dgm:layoutDef>
+</file>
+
+<file path=ppt/diagrams/quickStyle1.xml><?xml version="1.0" encoding="utf-8"?>
+<dgm:styleDef xmlns:dgm="http://schemas.openxmlformats.org/drawingml/2006/diagram" xmlns:a="http://schemas.openxmlformats.org/drawingml/2006/main" uniqueId="urn:microsoft.com/office/officeart/2005/8/quickstyle/simple1">
+  <dgm:title val=""/>
+  <dgm:desc val=""/>
+  <dgm:catLst>
+    <dgm:cat type="simple" pri="10100"/>
+  </dgm:catLst>
+  <dgm:scene3d>
+    <a:camera prst="orthographicFront"/>
+    <a:lightRig rig="threePt" dir="t"/>
+  </dgm:scene3d>
+  <dgm:styleLbl name="node0">
+    <dgm:scene3d>
+      <a:camera prst="orthographicFront"/>
+      <a:lightRig rig="threePt" dir="t"/>
+    </dgm:scene3d>
+    <dgm:sp3d/>
+    <dgm:txPr/>
+    <dgm:style>
+      <a:lnRef idx="2">
+        <a:scrgbClr r="0" g="0" b="0"/>
+      </a:lnRef>
+      <a:fillRef idx="1">
+        <a:scrgbClr r="0" g="0" b="0"/>
+      </a:fillRef>
+      <a:effectRef idx="0">
+        <a:scrgbClr r="0" g="0" b="0"/>
+      </a:effectRef>
+      <a:fontRef idx="minor">
+        <a:schemeClr val="lt1"/>
+      </a:fontRef>
+    </dgm:style>
+  </dgm:styleLbl>
+  <dgm:styleLbl name="lnNode1">
+    <dgm:scene3d>
+      <a:camera prst="orthographicFront"/>
+      <a:lightRig rig="threePt" dir="t"/>
+    </dgm:scene3d>
+    <dgm:sp3d/>
+    <dgm:txPr/>
+    <dgm:style>
+      <a:lnRef idx="2">
+        <a:scrgbClr r="0" g="0" b="0"/>
+      </a:lnRef>
+      <a:fillRef idx="1">
+        <a:scrgbClr r="0" g="0" b="0"/>
+      </a:fillRef>
+      <a:effectRef idx="0">
+        <a:scrgbClr r="0" g="0" b="0"/>
+      </a:effectRef>
+      <a:fontRef idx="minor">
+        <a:schemeClr val="lt1"/>
+      </a:fontRef>
+    </dgm:style>
+  </dgm:styleLbl>
+  <dgm:styleLbl name="vennNode1">
+    <dgm:scene3d>
+      <a:camera prst="orthographicFront"/>
+      <a:lightRig rig="threePt" dir="t"/>
+    </dgm:scene3d>
+    <dgm:sp3d/>
+    <dgm:txPr/>
+    <dgm:style>
+      <a:lnRef idx="2">
+        <a:scrgbClr r="0" g="0" b="0"/>
+      </a:lnRef>
+      <a:fillRef idx="1">
+        <a:scrgbClr r="0" g="0" b="0"/>
+      </a:fillRef>
+      <a:effectRef idx="0">
+        <a:scrgbClr r="0" g="0" b="0"/>
+      </a:effectRef>
+      <a:fontRef idx="minor">
+        <a:schemeClr val="tx1"/>
+      </a:fontRef>
+    </dgm:style>
+  </dgm:styleLbl>
+  <dgm:styleLbl name="alignNode1">
+    <dgm:scene3d>
+      <a:camera prst="orthographicFront"/>
+      <a:lightRig rig="threePt" dir="t"/>
+    </dgm:scene3d>
+    <dgm:sp3d/>
+    <dgm:txPr/>
+    <dgm:style>
+      <a:lnRef idx="2">
+        <a:scrgbClr r="0" g="0" b="0"/>
+      </a:lnRef>
+      <a:fillRef idx="1">
+        <a:scrgbClr r="0" g="0" b="0"/>
+      </a:fillRef>
+      <a:effectRef idx="0">
+        <a:scrgbClr r="0" g="0" b="0"/>
+      </a:effectRef>
+      <a:fontRef idx="minor">
+        <a:schemeClr val="lt1"/>
+      </a:fontRef>
+    </dgm:style>
+  </dgm:styleLbl>
+  <dgm:styleLbl name="node1">
+    <dgm:scene3d>
+      <a:camera prst="orthographicFront"/>
+      <a:lightRig rig="threePt" dir="t"/>
+    </dgm:scene3d>
+    <dgm:sp3d/>
+    <dgm:txPr/>
+    <dgm:style>
+      <a:lnRef idx="2">
+        <a:scrgbClr r="0" g="0" b="0"/>
+      </a:lnRef>
+      <a:fillRef idx="1">
+        <a:scrgbClr r="0" g="0" b="0"/>
+      </a:fillRef>
+      <a:effectRef idx="0">
+        <a:scrgbClr r="0" g="0" b="0"/>
+      </a:effectRef>
+      <a:fontRef idx="minor">
+        <a:schemeClr val="lt1"/>
+      </a:fontRef>
+    </dgm:style>
+  </dgm:styleLbl>
+  <dgm:styleLbl name="node2">
+    <dgm:scene3d>
+      <a:camera prst="orthographicFront"/>
+      <a:lightRig rig="threePt" dir="t"/>
+    </dgm:scene3d>
+    <dgm:sp3d/>
+    <dgm:txPr/>
+    <dgm:style>
+      <a:lnRef idx="2">
+        <a:scrgbClr r="0" g="0" b="0"/>
+      </a:lnRef>
+      <a:fillRef idx="1">
+        <a:scrgbClr r="0" g="0" b="0"/>
+      </a:fillRef>
+      <a:effectRef idx="0">
+        <a:scrgbClr r="0" g="0" b="0"/>
+      </a:effectRef>
+      <a:fontRef idx="minor">
+        <a:schemeClr val="lt1"/>
+      </a:fontRef>
+    </dgm:style>
+  </dgm:styleLbl>
+  <dgm:styleLbl name="node3">
+    <dgm:scene3d>
+      <a:camera prst="orthographicFront"/>
+      <a:lightRig rig="threePt" dir="t"/>
+    </dgm:scene3d>
+    <dgm:sp3d/>
+    <dgm:txPr/>
+    <dgm:style>
+      <a:lnRef idx="2">
+        <a:scrgbClr r="0" g="0" b="0"/>
+      </a:lnRef>
+      <a:fillRef idx="1">
+        <a:scrgbClr r="0" g="0" b="0"/>
+      </a:fillRef>
+      <a:effectRef idx="0">
+        <a:scrgbClr r="0" g="0" b="0"/>
+      </a:effectRef>
+      <a:fontRef idx="minor">
+        <a:schemeClr val="lt1"/>
+      </a:fontRef>
+    </dgm:style>
+  </dgm:styleLbl>
+  <dgm:styleLbl name="node4">
+    <dgm:scene3d>
+      <a:camera prst="orthographicFront"/>
+      <a:lightRig rig="threePt" dir="t"/>
+    </dgm:scene3d>
+    <dgm:sp3d/>
+    <dgm:txPr/>
+    <dgm:style>
+      <a:lnRef idx="2">
+        <a:scrgbClr r="0" g="0" b="0"/>
+      </a:lnRef>
+      <a:fillRef idx="1">
+        <a:scrgbClr r="0" g="0" b="0"/>
+      </a:fillRef>
+      <a:effectRef idx="0">
+        <a:scrgbClr r="0" g="0" b="0"/>
+      </a:effectRef>
+      <a:fontRef idx="minor">
+        <a:schemeClr val="lt1"/>
+      </a:fontRef>
+    </dgm:style>
+  </dgm:styleLbl>
+  <dgm:styleLbl name="fgImgPlace1">
+    <dgm:scene3d>
+      <a:camera prst="orthographicFront"/>
+      <a:lightRig rig="threePt" dir="t"/>
+    </dgm:scene3d>
+    <dgm:sp3d/>
+    <dgm:txPr/>
+    <dgm:style>
+      <a:lnRef idx="2">
+        <a:scrgbClr r="0" g="0" b="0"/>
+      </a:lnRef>
+      <a:fillRef idx="1">
+        <a:scrgbClr r="0" g="0" b="0"/>
+      </a:fillRef>
+      <a:effectRef idx="0">
+        <a:scrgbClr r="0" g="0" b="0"/>
+      </a:effectRef>
+      <a:fontRef idx="minor"/>
+    </dgm:style>
+  </dgm:styleLbl>
+  <dgm:styleLbl name="alignImgPlace1">
+    <dgm:scene3d>
+      <a:camera prst="orthographicFront"/>
+      <a:lightRig rig="threePt" dir="t"/>
+    </dgm:scene3d>
+    <dgm:sp3d/>
+    <dgm:txPr/>
+    <dgm:style>
+      <a:lnRef idx="2">
+        <a:scrgbClr r="0" g="0" b="0"/>
+      </a:lnRef>
+      <a:fillRef idx="1">
+        <a:scrgbClr r="0" g="0" b="0"/>
+      </a:fillRef>
+      <a:effectRef idx="0">
+        <a:scrgbClr r="0" g="0" b="0"/>
+      </a:effectRef>
+      <a:fontRef idx="minor"/>
+    </dgm:style>
+  </dgm:styleLbl>
+  <dgm:styleLbl name="bgImgPlace1">
+    <dgm:scene3d>
+      <a:camera prst="orthographicFront"/>
+      <a:lightRig rig="threePt" dir="t"/>
+    </dgm:scene3d>
+    <dgm:sp3d/>
+    <dgm:txPr/>
+    <dgm:style>
+      <a:lnRef idx="2">
+        <a:scrgbClr r="0" g="0" b="0"/>
+      </a:lnRef>
+      <a:fillRef idx="1">
+        <a:scrgbClr r="0" g="0" b="0"/>
+      </a:fillRef>
+      <a:effectRef idx="0">
+        <a:scrgbClr r="0" g="0" b="0"/>
+      </a:effectRef>
+      <a:fontRef idx="minor"/>
+    </dgm:style>
+  </dgm:styleLbl>
+  <dgm:styleLbl name="sibTrans2D1">
+    <dgm:scene3d>
+      <a:camera prst="orthographicFront"/>
+      <a:lightRig rig="threePt" dir="t"/>
+    </dgm:scene3d>
+    <dgm:sp3d/>
+    <dgm:txPr/>
+    <dgm:style>
+      <a:lnRef idx="0">
+        <a:scrgbClr r="0" g="0" b="0"/>
+      </a:lnRef>
+      <a:fillRef idx="1">
+        <a:scrgbClr r="0" g="0" b="0"/>
+      </a:fillRef>
+      <a:effectRef idx="0">
+        <a:scrgbClr r="0" g="0" b="0"/>
+      </a:effectRef>
+      <a:fontRef idx="minor">
+        <a:schemeClr val="lt1"/>
+      </a:fontRef>
+    </dgm:style>
+  </dgm:styleLbl>
+  <dgm:styleLbl name="fgSibTrans2D1">
+    <dgm:scene3d>
+      <a:camera prst="orthographicFront"/>
+      <a:lightRig rig="threePt" dir="t"/>
+    </dgm:scene3d>
+    <dgm:sp3d/>
+    <dgm:txPr/>
+    <dgm:style>
+      <a:lnRef idx="0">
+        <a:scrgbClr r="0" g="0" b="0"/>
+      </a:lnRef>
+      <a:fillRef idx="1">
+        <a:scrgbClr r="0" g="0" b="0"/>
+      </a:fillRef>
+      <a:effectRef idx="0">
+        <a:scrgbClr r="0" g="0" b="0"/>
+      </a:effectRef>
+      <a:fontRef idx="minor">
+        <a:schemeClr val="lt1"/>
+      </a:fontRef>
+    </dgm:style>
+  </dgm:styleLbl>
+  <dgm:styleLbl name="bgSibTrans2D1">
+    <dgm:scene3d>
+      <a:camera prst="orthographicFront"/>
+      <a:lightRig rig="threePt" dir="t"/>
+    </dgm:scene3d>
+    <dgm:sp3d/>
+    <dgm:txPr/>
+    <dgm:style>
+      <a:lnRef idx="0">
+        <a:scrgbClr r="0" g="0" b="0"/>
+      </a:lnRef>
+      <a:fillRef idx="1">
+        <a:scrgbClr r="0" g="0" b="0"/>
+      </a:fillRef>
+      <a:effectRef idx="0">
+        <a:scrgbClr r="0" g="0" b="0"/>
+      </a:effectRef>
+      <a:fontRef idx="minor">
+        <a:schemeClr val="lt1"/>
+      </a:fontRef>
+    </dgm:style>
+  </dgm:styleLbl>
+  <dgm:styleLbl name="sibTrans1D1">
+    <dgm:scene3d>
+      <a:camera prst="orthographicFront"/>
+      <a:lightRig rig="threePt" dir="t"/>
+    </dgm:scene3d>
+    <dgm:sp3d/>
+    <dgm:txPr/>
+    <dgm:style>
+      <a:lnRef idx="1">
+        <a:scrgbClr r="0" g="0" b="0"/>
+      </a:lnRef>
+      <a:fillRef idx="0">
+        <a:scrgbClr r="0" g="0" b="0"/>
+      </a:fillRef>
+      <a:effectRef idx="0">
+        <a:scrgbClr r="0" g="0" b="0"/>
+      </a:effectRef>
+      <a:fontRef idx="minor"/>
+    </dgm:style>
+  </dgm:styleLbl>
+  <dgm:styleLbl name="callout">
+    <dgm:scene3d>
+      <a:camera prst="orthographicFront"/>
+      <a:lightRig rig="threePt" dir="t"/>
+    </dgm:scene3d>
+    <dgm:sp3d/>
+    <dgm:txPr/>
+    <dgm:style>
+      <a:lnRef idx="2">
+        <a:scrgbClr r="0" g="0" b="0"/>
+      </a:lnRef>
+      <a:fillRef idx="1">
+        <a:scrgbClr r="0" g="0" b="0"/>
+      </a:fillRef>
+      <a:effectRef idx="0">
+        <a:scrgbClr r="0" g="0" b="0"/>
+      </a:effectRef>
+      <a:fontRef idx="minor"/>
+    </dgm:style>
+  </dgm:styleLbl>
+  <dgm:styleLbl name="asst0">
+    <dgm:scene3d>
+      <a:camera prst="orthographicFront"/>
+      <a:lightRig rig="threePt" dir="t"/>
+    </dgm:scene3d>
+    <dgm:sp3d/>
+    <dgm:txPr/>
+    <dgm:style>
+      <a:lnRef idx="2">
+        <a:scrgbClr r="0" g="0" b="0"/>
+      </a:lnRef>
+      <a:fillRef idx="1">
+        <a:scrgbClr r="0" g="0" b="0"/>
+      </a:fillRef>
+      <a:effectRef idx="0">
+        <a:scrgbClr r="0" g="0" b="0"/>
+      </a:effectRef>
+      <a:fontRef idx="minor">
+        <a:schemeClr val="lt1"/>
+      </a:fontRef>
+    </dgm:style>
+  </dgm:styleLbl>
+  <dgm:styleLbl name="asst1">
+    <dgm:scene3d>
+      <a:camera prst="orthographicFront"/>
+      <a:lightRig rig="threePt" dir="t"/>
+    </dgm:scene3d>
+    <dgm:sp3d/>
+    <dgm:txPr/>
+    <dgm:style>
+      <a:lnRef idx="2">
+        <a:scrgbClr r="0" g="0" b="0"/>
+      </a:lnRef>
+      <a:fillRef idx="1">
+        <a:scrgbClr r="0" g="0" b="0"/>
+      </a:fillRef>
+      <a:effectRef idx="0">
+        <a:scrgbClr r="0" g="0" b="0"/>
+      </a:effectRef>
+      <a:fontRef idx="minor">
+        <a:schemeClr val="lt1"/>
+      </a:fontRef>
+    </dgm:style>
+  </dgm:styleLbl>
+  <dgm:styleLbl name="asst2">
+    <dgm:scene3d>
+      <a:camera prst="orthographicFront"/>
+      <a:lightRig rig="threePt" dir="t"/>
+    </dgm:scene3d>
+    <dgm:sp3d/>
+    <dgm:txPr/>
+    <dgm:style>
+      <a:lnRef idx="2">
+        <a:scrgbClr r="0" g="0" b="0"/>
+      </a:lnRef>
+      <a:fillRef idx="1">
+        <a:scrgbClr r="0" g="0" b="0"/>
+      </a:fillRef>
+      <a:effectRef idx="0">
+        <a:scrgbClr r="0" g="0" b="0"/>
+      </a:effectRef>
+      <a:fontRef idx="minor">
+        <a:schemeClr val="lt1"/>
+      </a:fontRef>
+    </dgm:style>
+  </dgm:styleLbl>
+  <dgm:styleLbl name="asst3">
+    <dgm:scene3d>
+      <a:camera prst="orthographicFront"/>
+      <a:lightRig rig="threePt" dir="t"/>
+    </dgm:scene3d>
+    <dgm:sp3d/>
+    <dgm:txPr/>
+    <dgm:style>
+      <a:lnRef idx="2">
+        <a:scrgbClr r="0" g="0" b="0"/>
+      </a:lnRef>
+      <a:fillRef idx="1">
+        <a:scrgbClr r="0" g="0" b="0"/>
+      </a:fillRef>
+      <a:effectRef idx="0">
+        <a:scrgbClr r="0" g="0" b="0"/>
+      </a:effectRef>
+      <a:fontRef idx="minor">
+        <a:schemeClr val="lt1"/>
+      </a:fontRef>
+    </dgm:style>
+  </dgm:styleLbl>
+  <dgm:styleLbl name="asst4">
+    <dgm:scene3d>
+      <a:camera prst="orthographicFront"/>
+      <a:lightRig rig="threePt" dir="t"/>
+    </dgm:scene3d>
+    <dgm:sp3d/>
+    <dgm:txPr/>
+    <dgm:style>
+      <a:lnRef idx="2">
+        <a:scrgbClr r="0" g="0" b="0"/>
+      </a:lnRef>
+      <a:fillRef idx="1">
+        <a:scrgbClr r="0" g="0" b="0"/>
+      </a:fillRef>
+      <a:effectRef idx="0">
+        <a:scrgbClr r="0" g="0" b="0"/>
+      </a:effectRef>
+      <a:fontRef idx="minor">
+        <a:schemeClr val="lt1"/>
+      </a:fontRef>
+    </dgm:style>
+  </dgm:styleLbl>
+  <dgm:styleLbl name="parChTrans2D1">
+    <dgm:scene3d>
+      <a:camera prst="orthographicFront"/>
+      <a:lightRig rig="threePt" dir="t"/>
+    </dgm:scene3d>
+    <dgm:sp3d/>
+    <dgm:txPr/>
+    <dgm:style>
+      <a:lnRef idx="2">
+        <a:scrgbClr r="0" g="0" b="0"/>
+      </a:lnRef>
+      <a:fillRef idx="1">
+        <a:scrgbClr r="0" g="0" b="0"/>
+      </a:fillRef>
+      <a:effectRef idx="0">
+        <a:scrgbClr r="0" g="0" b="0"/>
+      </a:effectRef>
+      <a:fontRef idx="minor">
+        <a:schemeClr val="lt1"/>
+      </a:fontRef>
+    </dgm:style>
+  </dgm:styleLbl>
+  <dgm:styleLbl name="parChTrans2D2">
+    <dgm:scene3d>
+      <a:camera prst="orthographicFront"/>
+      <a:lightRig rig="threePt" dir="t"/>
+    </dgm:scene3d>
+    <dgm:sp3d/>
+    <dgm:txPr/>
+    <dgm:style>
+      <a:lnRef idx="2">
+        <a:scrgbClr r="0" g="0" b="0"/>
+      </a:lnRef>
+      <a:fillRef idx="1">
+        <a:scrgbClr r="0" g="0" b="0"/>
+      </a:fillRef>
+      <a:effectRef idx="0">
+        <a:scrgbClr r="0" g="0" b="0"/>
+      </a:effectRef>
+      <a:fontRef idx="minor">
+        <a:schemeClr val="lt1"/>
+      </a:fontRef>
+    </dgm:style>
+  </dgm:styleLbl>
+  <dgm:styleLbl name="parChTrans2D3">
+    <dgm:scene3d>
+      <a:camera prst="orthographicFront"/>
+      <a:lightRig rig="threePt" dir="t"/>
+    </dgm:scene3d>
+    <dgm:sp3d/>
+    <dgm:txPr/>
+    <dgm:style>
+      <a:lnRef idx="2">
+        <a:scrgbClr r="0" g="0" b="0"/>
+      </a:lnRef>
+      <a:fillRef idx="1">
+        <a:scrgbClr r="0" g="0" b="0"/>
+      </a:fillRef>
+      <a:effectRef idx="0">
+        <a:scrgbClr r="0" g="0" b="0"/>
+      </a:effectRef>
+      <a:fontRef idx="minor">
+        <a:schemeClr val="lt1"/>
+      </a:fontRef>
+    </dgm:style>
+  </dgm:styleLbl>
+  <dgm:styleLbl name="parChTrans2D4">
+    <dgm:scene3d>
+      <a:camera prst="orthographicFront"/>
+      <a:lightRig rig="threePt" dir="t"/>
+    </dgm:scene3d>
+    <dgm:sp3d/>
+    <dgm:txPr/>
+    <dgm:style>
+      <a:lnRef idx="2">
+        <a:scrgbClr r="0" g="0" b="0"/>
+      </a:lnRef>
+      <a:fillRef idx="1">
+        <a:scrgbClr r="0" g="0" b="0"/>
+      </a:fillRef>
+      <a:effectRef idx="0">
+        <a:scrgbClr r="0" g="0" b="0"/>
+      </a:effectRef>
+      <a:fontRef idx="minor">
+        <a:schemeClr val="lt1"/>
+      </a:fontRef>
+    </dgm:style>
+  </dgm:styleLbl>
+  <dgm:styleLbl name="parChTrans1D1">
+    <dgm:scene3d>
+      <a:camera prst="orthographicFront"/>
+      <a:lightRig rig="threePt" dir="t"/>
+    </dgm:scene3d>
+    <dgm:sp3d/>
+    <dgm:txPr/>
+    <dgm:style>
+      <a:lnRef idx="2">
+        <a:scrgbClr r="0" g="0" b="0"/>
+      </a:lnRef>
+      <a:fillRef idx="0">
+        <a:scrgbClr r="0" g="0" b="0"/>
+      </a:fillRef>
+      <a:effectRef idx="0">
+        <a:scrgbClr r="0" g="0" b="0"/>
+      </a:effectRef>
+      <a:fontRef idx="minor"/>
+    </dgm:style>
+  </dgm:styleLbl>
+  <dgm:styleLbl name="parChTrans1D2">
+    <dgm:scene3d>
+      <a:camera prst="orthographicFront"/>
+      <a:lightRig rig="threePt" dir="t"/>
+    </dgm:scene3d>
+    <dgm:sp3d/>
+    <dgm:txPr/>
+    <dgm:style>
+      <a:lnRef idx="2">
+        <a:scrgbClr r="0" g="0" b="0"/>
+      </a:lnRef>
+      <a:fillRef idx="0">
+        <a:scrgbClr r="0" g="0" b="0"/>
+      </a:fillRef>
+      <a:effectRef idx="0">
+        <a:scrgbClr r="0" g="0" b="0"/>
+      </a:effectRef>
+      <a:fontRef idx="minor"/>
+    </dgm:style>
+  </dgm:styleLbl>
+  <dgm:styleLbl name="parChTrans1D3">
+    <dgm:scene3d>
+      <a:camera prst="orthographicFront"/>
+      <a:lightRig rig="threePt" dir="t"/>
+    </dgm:scene3d>
+    <dgm:sp3d/>
+    <dgm:txPr/>
+    <dgm:style>
+      <a:lnRef idx="2">
+        <a:scrgbClr r="0" g="0" b="0"/>
+      </a:lnRef>
+      <a:fillRef idx="0">
+        <a:scrgbClr r="0" g="0" b="0"/>
+      </a:fillRef>
+      <a:effectRef idx="0">
+        <a:scrgbClr r="0" g="0" b="0"/>
+      </a:effectRef>
+      <a:fontRef idx="minor"/>
+    </dgm:style>
+  </dgm:styleLbl>
+  <dgm:styleLbl name="parChTrans1D4">
+    <dgm:scene3d>
+      <a:camera prst="orthographicFront"/>
+      <a:lightRig rig="threePt" dir="t"/>
+    </dgm:scene3d>
+    <dgm:sp3d/>
+    <dgm:txPr/>
+    <dgm:style>
+      <a:lnRef idx="2">
+        <a:scrgbClr r="0" g="0" b="0"/>
+      </a:lnRef>
+      <a:fillRef idx="0">
+        <a:scrgbClr r="0" g="0" b="0"/>
+      </a:fillRef>
+      <a:effectRef idx="0">
+        <a:scrgbClr r="0" g="0" b="0"/>
+      </a:effectRef>
+      <a:fontRef idx="minor"/>
+    </dgm:style>
+  </dgm:styleLbl>
+  <dgm:styleLbl name="fgAcc1">
+    <dgm:scene3d>
+      <a:camera prst="orthographicFront"/>
+      <a:lightRig rig="threePt" dir="t"/>
+    </dgm:scene3d>
+    <dgm:sp3d/>
+    <dgm:txPr/>
+    <dgm:style>
+      <a:lnRef idx="2">
+        <a:scrgbClr r="0" g="0" b="0"/>
+      </a:lnRef>
+      <a:fillRef idx="1">
+        <a:scrgbClr r="0" g="0" b="0"/>
+      </a:fillRef>
+      <a:effectRef idx="0">
+        <a:scrgbClr r="0" g="0" b="0"/>
+      </a:effectRef>
+      <a:fontRef idx="minor"/>
+    </dgm:style>
+  </dgm:styleLbl>
+  <dgm:styleLbl name="conFgAcc1">
+    <dgm:scene3d>
+      <a:camera prst="orthographicFront"/>
+      <a:lightRig rig="threePt" dir="t"/>
+    </dgm:scene3d>
+    <dgm:sp3d/>
+    <dgm:txPr/>
+    <dgm:style>
+      <a:lnRef idx="2">
+        <a:scrgbClr r="0" g="0" b="0"/>
+      </a:lnRef>
+      <a:fillRef idx="1">
+        <a:scrgbClr r="0" g="0" b="0"/>
+      </a:fillRef>
+      <a:effectRef idx="0">
+        <a:scrgbClr r="0" g="0" b="0"/>
+      </a:effectRef>
+      <a:fontRef idx="minor"/>
+    </dgm:style>
+  </dgm:styleLbl>
+  <dgm:styleLbl name="alignAcc1">
+    <dgm:scene3d>
+      <a:camera prst="orthographicFront"/>
+      <a:lightRig rig="threePt" dir="t"/>
+    </dgm:scene3d>
+    <dgm:sp3d/>
+    <dgm:txPr/>
+    <dgm:style>
+      <a:lnRef idx="2">
+        <a:scrgbClr r="0" g="0" b="0"/>
+      </a:lnRef>
+      <a:fillRef idx="1">
+        <a:scrgbClr r="0" g="0" b="0"/>
+      </a:fillRef>
+      <a:effectRef idx="0">
+        <a:scrgbClr r="0" g="0" b="0"/>
+      </a:effectRef>
+      <a:fontRef idx="minor"/>
+    </dgm:style>
+  </dgm:styleLbl>
+  <dgm:styleLbl name="trAlignAcc1">
+    <dgm:scene3d>
+      <a:camera prst="orthographicFront"/>
+      <a:lightRig rig="threePt" dir="t"/>
+    </dgm:scene3d>
+    <dgm:sp3d/>
+    <dgm:txPr/>
+    <dgm:style>
+      <a:lnRef idx="1">
+        <a:scrgbClr r="0" g="0" b="0"/>
+      </a:lnRef>
+      <a:fillRef idx="1">
+        <a:scrgbClr r="0" g="0" b="0"/>
+      </a:fillRef>
+      <a:effectRef idx="0">
+        <a:scrgbClr r="0" g="0" b="0"/>
+      </a:effectRef>
+      <a:fontRef idx="minor"/>
+    </dgm:style>
+  </dgm:styleLbl>
+  <dgm:styleLbl name="bgAcc1">
+    <dgm:scene3d>
+      <a:camera prst="orthographicFront"/>
+      <a:lightRig rig="threePt" dir="t"/>
+    </dgm:scene3d>
+    <dgm:sp3d/>
+    <dgm:txPr/>
+    <dgm:style>
+      <a:lnRef idx="2">
+        <a:scrgbClr r="0" g="0" b="0"/>
+      </a:lnRef>
+      <a:fillRef idx="1">
+        <a:scrgbClr r="0" g="0" b="0"/>
+      </a:fillRef>
+      <a:effectRef idx="0">
+        <a:scrgbClr r="0" g="0" b="0"/>
+      </a:effectRef>
+      <a:fontRef idx="minor"/>
+    </dgm:style>
+  </dgm:styleLbl>
+  <dgm:styleLbl name="solidFgAcc1">
+    <dgm:scene3d>
+      <a:camera prst="orthographicFront"/>
+      <a:lightRig rig="threePt" dir="t"/>
+    </dgm:scene3d>
+    <dgm:sp3d/>
+    <dgm:txPr/>
+    <dgm:style>
+      <a:lnRef idx="2">
+        <a:scrgbClr r="0" g="0" b="0"/>
+      </a:lnRef>
+      <a:fillRef idx="1">
+        <a:scrgbClr r="0" g="0" b="0"/>
+      </a:fillRef>
+      <a:effectRef idx="0">
+        <a:scrgbClr r="0" g="0" b="0"/>
+      </a:effectRef>
+      <a:fontRef idx="minor"/>
+    </dgm:style>
+  </dgm:styleLbl>
+  <dgm:styleLbl name="solidAlignAcc1">
+    <dgm:scene3d>
+      <a:camera prst="orthographicFront"/>
+      <a:lightRig rig="threePt" dir="t"/>
+    </dgm:scene3d>
+    <dgm:sp3d/>
+    <dgm:txPr/>
+    <dgm:style>
+      <a:lnRef idx="2">
+        <a:scrgbClr r="0" g="0" b="0"/>
+      </a:lnRef>
+      <a:fillRef idx="1">
+        <a:scrgbClr r="0" g="0" b="0"/>
+      </a:fillRef>
+      <a:effectRef idx="0">
+        <a:scrgbClr r="0" g="0" b="0"/>
+      </a:effectRef>
+      <a:fontRef idx="minor"/>
+    </dgm:style>
+  </dgm:styleLbl>
+  <dgm:styleLbl name="solidBgAcc1">
+    <dgm:scene3d>
+      <a:camera prst="orthographicFront"/>
+      <a:lightRig rig="threePt" dir="t"/>
+    </dgm:scene3d>
+    <dgm:sp3d/>
+    <dgm:txPr/>
+    <dgm:style>
+      <a:lnRef idx="2">
+        <a:scrgbClr r="0" g="0" b="0"/>
+      </a:lnRef>
+      <a:fillRef idx="1">
+        <a:scrgbClr r="0" g="0" b="0"/>
+      </a:fillRef>
+      <a:effectRef idx="0">
+        <a:scrgbClr r="0" g="0" b="0"/>
+      </a:effectRef>
+      <a:fontRef idx="minor"/>
+    </dgm:style>
+  </dgm:styleLbl>
+  <dgm:styleLbl name="fgAccFollowNode1">
+    <dgm:scene3d>
+      <a:camera prst="orthographicFront"/>
+      <a:lightRig rig="threePt" dir="t"/>
+    </dgm:scene3d>
+    <dgm:sp3d/>
+    <dgm:txPr/>
+    <dgm:style>
+      <a:lnRef idx="2">
+        <a:scrgbClr r="0" g="0" b="0"/>
+      </a:lnRef>
+      <a:fillRef idx="1">
+        <a:scrgbClr r="0" g="0" b="0"/>
+      </a:fillRef>
+      <a:effectRef idx="0">
+        <a:scrgbClr r="0" g="0" b="0"/>
+      </a:effectRef>
+      <a:fontRef idx="minor"/>
+    </dgm:style>
+  </dgm:styleLbl>
+  <dgm:styleLbl name="alignAccFollowNode1">
+    <dgm:scene3d>
+      <a:camera prst="orthographicFront"/>
+      <a:lightRig rig="threePt" dir="t"/>
+    </dgm:scene3d>
+    <dgm:sp3d/>
+    <dgm:txPr/>
+    <dgm:style>
+      <a:lnRef idx="2">
+        <a:scrgbClr r="0" g="0" b="0"/>
+      </a:lnRef>
+      <a:fillRef idx="1">
+        <a:scrgbClr r="0" g="0" b="0"/>
+      </a:fillRef>
+      <a:effectRef idx="0">
+        <a:scrgbClr r="0" g="0" b="0"/>
+      </a:effectRef>
+      <a:fontRef idx="minor"/>
+    </dgm:style>
+  </dgm:styleLbl>
+  <dgm:styleLbl name="bgAccFollowNode1">
+    <dgm:scene3d>
+      <a:camera prst="orthographicFront"/>
+      <a:lightRig rig="threePt" dir="t"/>
+    </dgm:scene3d>
+    <dgm:sp3d/>
+    <dgm:txPr/>
+    <dgm:style>
+      <a:lnRef idx="2">
+        <a:scrgbClr r="0" g="0" b="0"/>
+      </a:lnRef>
+      <a:fillRef idx="1">
+        <a:scrgbClr r="0" g="0" b="0"/>
+      </a:fillRef>
+      <a:effectRef idx="0">
+        <a:scrgbClr r="0" g="0" b="0"/>
+      </a:effectRef>
+      <a:fontRef idx="minor"/>
+    </dgm:style>
+  </dgm:styleLbl>
+  <dgm:styleLbl name="fgAcc0">
+    <dgm:scene3d>
+      <a:camera prst="orthographicFront"/>
+      <a:lightRig rig="threePt" dir="t"/>
+    </dgm:scene3d>
+    <dgm:sp3d/>
+    <dgm:txPr/>
+    <dgm:style>
+      <a:lnRef idx="2">
+        <a:scrgbClr r="0" g="0" b="0"/>
+      </a:lnRef>
+      <a:fillRef idx="1">
+        <a:scrgbClr r="0" g="0" b="0"/>
+      </a:fillRef>
+      <a:effectRef idx="0">
+        <a:scrgbClr r="0" g="0" b="0"/>
+      </a:effectRef>
+      <a:fontRef idx="minor"/>
+    </dgm:style>
+  </dgm:styleLbl>
+  <dgm:styleLbl name="fgAcc2">
+    <dgm:scene3d>
+      <a:camera prst="orthographicFront"/>
+      <a:lightRig rig="threePt" dir="t"/>
+    </dgm:scene3d>
+    <dgm:sp3d/>
+    <dgm:txPr/>
+    <dgm:style>
+      <a:lnRef idx="2">
+        <a:scrgbClr r="0" g="0" b="0"/>
+      </a:lnRef>
+      <a:fillRef idx="1">
+        <a:scrgbClr r="0" g="0" b="0"/>
+      </a:fillRef>
+      <a:effectRef idx="0">
+        <a:scrgbClr r="0" g="0" b="0"/>
+      </a:effectRef>
+      <a:fontRef idx="minor"/>
+    </dgm:style>
+  </dgm:styleLbl>
+  <dgm:styleLbl name="fgAcc3">
+    <dgm:scene3d>
+      <a:camera prst="orthographicFront"/>
+      <a:lightRig rig="threePt" dir="t"/>
+    </dgm:scene3d>
+    <dgm:sp3d/>
+    <dgm:txPr/>
+    <dgm:style>
+      <a:lnRef idx="2">
+        <a:scrgbClr r="0" g="0" b="0"/>
+      </a:lnRef>
+      <a:fillRef idx="1">
+        <a:scrgbClr r="0" g="0" b="0"/>
+      </a:fillRef>
+      <a:effectRef idx="0">
+        <a:scrgbClr r="0" g="0" b="0"/>
+      </a:effectRef>
+      <a:fontRef idx="minor"/>
+    </dgm:style>
+  </dgm:styleLbl>
+  <dgm:styleLbl name="fgAcc4">
+    <dgm:scene3d>
+      <a:camera prst="orthographicFront"/>
+      <a:lightRig rig="threePt" dir="t"/>
+    </dgm:scene3d>
+    <dgm:sp3d/>
+    <dgm:txPr/>
+    <dgm:style>
+      <a:lnRef idx="2">
+        <a:scrgbClr r="0" g="0" b="0"/>
+      </a:lnRef>
+      <a:fillRef idx="1">
+        <a:scrgbClr r="0" g="0" b="0"/>
+      </a:fillRef>
+      <a:effectRef idx="0">
+        <a:scrgbClr r="0" g="0" b="0"/>
+      </a:effectRef>
+      <a:fontRef idx="minor"/>
+    </dgm:style>
+  </dgm:styleLbl>
+  <dgm:styleLbl name="bgShp">
+    <dgm:scene3d>
+      <a:camera prst="orthographicFront"/>
+      <a:lightRig rig="threePt" dir="t"/>
+    </dgm:scene3d>
+    <dgm:sp3d/>
+    <dgm:txPr/>
+    <dgm:style>
+      <a:lnRef idx="0">
+        <a:scrgbClr r="0" g="0" b="0"/>
+      </a:lnRef>
+      <a:fillRef idx="1">
+        <a:scrgbClr r="0" g="0" b="0"/>
+      </a:fillRef>
+      <a:effectRef idx="0">
+        <a:scrgbClr r="0" g="0" b="0"/>
+      </a:effectRef>
+      <a:fontRef idx="minor"/>
+    </dgm:style>
+  </dgm:styleLbl>
+  <dgm:styleLbl name="dkBgShp">
+    <dgm:scene3d>
+      <a:camera prst="orthographicFront"/>
+      <a:lightRig rig="threePt" dir="t"/>
+    </dgm:scene3d>
+    <dgm:sp3d/>
+    <dgm:txPr/>
+    <dgm:style>
+      <a:lnRef idx="0">
+        <a:scrgbClr r="0" g="0" b="0"/>
+      </a:lnRef>
+      <a:fillRef idx="1">
+        <a:scrgbClr r="0" g="0" b="0"/>
+      </a:fillRef>
+      <a:effectRef idx="0">
+        <a:scrgbClr r="0" g="0" b="0"/>
+      </a:effectRef>
+      <a:fontRef idx="minor"/>
+    </dgm:style>
+  </dgm:styleLbl>
+  <dgm:styleLbl name="trBgShp">
+    <dgm:scene3d>
+      <a:camera prst="orthographicFront"/>
+      <a:lightRig rig="threePt" dir="t"/>
+    </dgm:scene3d>
+    <dgm:sp3d/>
+    <dgm:txPr/>
+    <dgm:style>
+      <a:lnRef idx="0">
+        <a:scrgbClr r="0" g="0" b="0"/>
+      </a:lnRef>
+      <a:fillRef idx="1">
+        <a:scrgbClr r="0" g="0" b="0"/>
+      </a:fillRef>
+      <a:effectRef idx="0">
+        <a:scrgbClr r="0" g="0" b="0"/>
+      </a:effectRef>
+      <a:fontRef idx="minor"/>
+    </dgm:style>
+  </dgm:styleLbl>
+  <dgm:styleLbl name="fgShp">
+    <dgm:scene3d>
+      <a:camera prst="orthographicFront"/>
+      <a:lightRig rig="threePt" dir="t"/>
+    </dgm:scene3d>
+    <dgm:sp3d/>
+    <dgm:txPr/>
+    <dgm:style>
+      <a:lnRef idx="2">
+        <a:scrgbClr r="0" g="0" b="0"/>
+      </a:lnRef>
+      <a:fillRef idx="1">
+        <a:scrgbClr r="0" g="0" b="0"/>
+      </a:fillRef>
+      <a:effectRef idx="0">
+        <a:scrgbClr r="0" g="0" b="0"/>
+      </a:effectRef>
+      <a:fontRef idx="minor"/>
+    </dgm:style>
+  </dgm:styleLbl>
+  <dgm:styleLbl name="revTx">
+    <dgm:scene3d>
+      <a:camera prst="orthographicFront"/>
+      <a:lightRig rig="threePt" dir="t"/>
+    </dgm:scene3d>
+    <dgm:sp3d/>
+    <dgm:txPr/>
+    <dgm:style>
+      <a:lnRef idx="0">
+        <a:scrgbClr r="0" g="0" b="0"/>
+      </a:lnRef>
+      <a:fillRef idx="0">
+        <a:scrgbClr r="0" g="0" b="0"/>
+      </a:fillRef>
+      <a:effectRef idx="0">
+        <a:scrgbClr r="0" g="0" b="0"/>
+      </a:effectRef>
+      <a:fontRef idx="minor"/>
+    </dgm:style>
+  </dgm:styleLbl>
+</dgm:styleDef>
+</file>
+
+<file path=ppt/diagrams/quickStyle2.xml><?xml version="1.0" encoding="utf-8"?>
+<dgm:styleDef xmlns:dgm="http://schemas.openxmlformats.org/drawingml/2006/diagram" xmlns:a="http://schemas.openxmlformats.org/drawingml/2006/main" uniqueId="urn:microsoft.com/office/officeart/2005/8/quickstyle/simple1">
+  <dgm:title val=""/>
+  <dgm:desc val=""/>
+  <dgm:catLst>
+    <dgm:cat type="simple" pri="10100"/>
+  </dgm:catLst>
+  <dgm:scene3d>
+    <a:camera prst="orthographicFront"/>
+    <a:lightRig rig="threePt" dir="t"/>
+  </dgm:scene3d>
+  <dgm:styleLbl name="node0">
+    <dgm:scene3d>
+      <a:camera prst="orthographicFront"/>
+      <a:lightRig rig="threePt" dir="t"/>
+    </dgm:scene3d>
+    <dgm:sp3d/>
+    <dgm:txPr/>
+    <dgm:style>
+      <a:lnRef idx="2">
+        <a:scrgbClr r="0" g="0" b="0"/>
+      </a:lnRef>
+      <a:fillRef idx="1">
+        <a:scrgbClr r="0" g="0" b="0"/>
+      </a:fillRef>
+      <a:effectRef idx="0">
+        <a:scrgbClr r="0" g="0" b="0"/>
+      </a:effectRef>
+      <a:fontRef idx="minor">
+        <a:schemeClr val="lt1"/>
+      </a:fontRef>
+    </dgm:style>
+  </dgm:styleLbl>
+  <dgm:styleLbl name="lnNode1">
+    <dgm:scene3d>
+      <a:camera prst="orthographicFront"/>
+      <a:lightRig rig="threePt" dir="t"/>
+    </dgm:scene3d>
+    <dgm:sp3d/>
+    <dgm:txPr/>
+    <dgm:style>
+      <a:lnRef idx="2">
+        <a:scrgbClr r="0" g="0" b="0"/>
+      </a:lnRef>
+      <a:fillRef idx="1">
+        <a:scrgbClr r="0" g="0" b="0"/>
+      </a:fillRef>
+      <a:effectRef idx="0">
+        <a:scrgbClr r="0" g="0" b="0"/>
+      </a:effectRef>
+      <a:fontRef idx="minor">
+        <a:schemeClr val="lt1"/>
+      </a:fontRef>
+    </dgm:style>
+  </dgm:styleLbl>
+  <dgm:styleLbl name="vennNode1">
+    <dgm:scene3d>
+      <a:camera prst="orthographicFront"/>
+      <a:lightRig rig="threePt" dir="t"/>
+    </dgm:scene3d>
+    <dgm:sp3d/>
+    <dgm:txPr/>
+    <dgm:style>
+      <a:lnRef idx="2">
+        <a:scrgbClr r="0" g="0" b="0"/>
+      </a:lnRef>
+      <a:fillRef idx="1">
+        <a:scrgbClr r="0" g="0" b="0"/>
+      </a:fillRef>
+      <a:effectRef idx="0">
+        <a:scrgbClr r="0" g="0" b="0"/>
+      </a:effectRef>
+      <a:fontRef idx="minor">
+        <a:schemeClr val="tx1"/>
+      </a:fontRef>
+    </dgm:style>
+  </dgm:styleLbl>
+  <dgm:styleLbl name="alignNode1">
+    <dgm:scene3d>
+      <a:camera prst="orthographicFront"/>
+      <a:lightRig rig="threePt" dir="t"/>
+    </dgm:scene3d>
+    <dgm:sp3d/>
+    <dgm:txPr/>
+    <dgm:style>
+      <a:lnRef idx="2">
+        <a:scrgbClr r="0" g="0" b="0"/>
+      </a:lnRef>
+      <a:fillRef idx="1">
+        <a:scrgbClr r="0" g="0" b="0"/>
+      </a:fillRef>
+      <a:effectRef idx="0">
+        <a:scrgbClr r="0" g="0" b="0"/>
+      </a:effectRef>
+      <a:fontRef idx="minor">
+        <a:schemeClr val="lt1"/>
+      </a:fontRef>
+    </dgm:style>
+  </dgm:styleLbl>
+  <dgm:styleLbl name="node1">
+    <dgm:scene3d>
+      <a:camera prst="orthographicFront"/>
+      <a:lightRig rig="threePt" dir="t"/>
+    </dgm:scene3d>
+    <dgm:sp3d/>
+    <dgm:txPr/>
+    <dgm:style>
+      <a:lnRef idx="2">
+        <a:scrgbClr r="0" g="0" b="0"/>
+      </a:lnRef>
+      <a:fillRef idx="1">
+        <a:scrgbClr r="0" g="0" b="0"/>
+      </a:fillRef>
+      <a:effectRef idx="0">
+        <a:scrgbClr r="0" g="0" b="0"/>
+      </a:effectRef>
+      <a:fontRef idx="minor">
+        <a:schemeClr val="lt1"/>
+      </a:fontRef>
+    </dgm:style>
+  </dgm:styleLbl>
+  <dgm:styleLbl name="node2">
+    <dgm:scene3d>
+      <a:camera prst="orthographicFront"/>
+      <a:lightRig rig="threePt" dir="t"/>
+    </dgm:scene3d>
+    <dgm:sp3d/>
+    <dgm:txPr/>
+    <dgm:style>
+      <a:lnRef idx="2">
+        <a:scrgbClr r="0" g="0" b="0"/>
+      </a:lnRef>
+      <a:fillRef idx="1">
+        <a:scrgbClr r="0" g="0" b="0"/>
+      </a:fillRef>
+      <a:effectRef idx="0">
+        <a:scrgbClr r="0" g="0" b="0"/>
+      </a:effectRef>
+      <a:fontRef idx="minor">
+        <a:schemeClr val="lt1"/>
+      </a:fontRef>
+    </dgm:style>
+  </dgm:styleLbl>
+  <dgm:styleLbl name="node3">
+    <dgm:scene3d>
+      <a:camera prst="orthographicFront"/>
+      <a:lightRig rig="threePt" dir="t"/>
+    </dgm:scene3d>
+    <dgm:sp3d/>
+    <dgm:txPr/>
+    <dgm:style>
+      <a:lnRef idx="2">
+        <a:scrgbClr r="0" g="0" b="0"/>
+      </a:lnRef>
+      <a:fillRef idx="1">
+        <a:scrgbClr r="0" g="0" b="0"/>
+      </a:fillRef>
+      <a:effectRef idx="0">
+        <a:scrgbClr r="0" g="0" b="0"/>
+      </a:effectRef>
+      <a:fontRef idx="minor">
+        <a:schemeClr val="lt1"/>
+      </a:fontRef>
+    </dgm:style>
+  </dgm:styleLbl>
+  <dgm:styleLbl name="node4">
+    <dgm:scene3d>
+      <a:camera prst="orthographicFront"/>
+      <a:lightRig rig="threePt" dir="t"/>
+    </dgm:scene3d>
+    <dgm:sp3d/>
+    <dgm:txPr/>
+    <dgm:style>
+      <a:lnRef idx="2">
+        <a:scrgbClr r="0" g="0" b="0"/>
+      </a:lnRef>
+      <a:fillRef idx="1">
+        <a:scrgbClr r="0" g="0" b="0"/>
+      </a:fillRef>
+      <a:effectRef idx="0">
+        <a:scrgbClr r="0" g="0" b="0"/>
+      </a:effectRef>
+      <a:fontRef idx="minor">
+        <a:schemeClr val="lt1"/>
+      </a:fontRef>
+    </dgm:style>
+  </dgm:styleLbl>
+  <dgm:styleLbl name="fgImgPlace1">
+    <dgm:scene3d>
+      <a:camera prst="orthographicFront"/>
+      <a:lightRig rig="threePt" dir="t"/>
+    </dgm:scene3d>
+    <dgm:sp3d/>
+    <dgm:txPr/>
+    <dgm:style>
+      <a:lnRef idx="2">
+        <a:scrgbClr r="0" g="0" b="0"/>
+      </a:lnRef>
+      <a:fillRef idx="1">
+        <a:scrgbClr r="0" g="0" b="0"/>
+      </a:fillRef>
+      <a:effectRef idx="0">
+        <a:scrgbClr r="0" g="0" b="0"/>
+      </a:effectRef>
+      <a:fontRef idx="minor"/>
+    </dgm:style>
+  </dgm:styleLbl>
+  <dgm:styleLbl name="alignImgPlace1">
+    <dgm:scene3d>
+      <a:camera prst="orthographicFront"/>
+      <a:lightRig rig="threePt" dir="t"/>
+    </dgm:scene3d>
+    <dgm:sp3d/>
+    <dgm:txPr/>
+    <dgm:style>
+      <a:lnRef idx="2">
+        <a:scrgbClr r="0" g="0" b="0"/>
+      </a:lnRef>
+      <a:fillRef idx="1">
+        <a:scrgbClr r="0" g="0" b="0"/>
+      </a:fillRef>
+      <a:effectRef idx="0">
+        <a:scrgbClr r="0" g="0" b="0"/>
+      </a:effectRef>
+      <a:fontRef idx="minor"/>
+    </dgm:style>
+  </dgm:styleLbl>
+  <dgm:styleLbl name="bgImgPlace1">
+    <dgm:scene3d>
+      <a:camera prst="orthographicFront"/>
+      <a:lightRig rig="threePt" dir="t"/>
+    </dgm:scene3d>
+    <dgm:sp3d/>
+    <dgm:txPr/>
+    <dgm:style>
+      <a:lnRef idx="2">
+        <a:scrgbClr r="0" g="0" b="0"/>
+      </a:lnRef>
+      <a:fillRef idx="1">
+        <a:scrgbClr r="0" g="0" b="0"/>
+      </a:fillRef>
+      <a:effectRef idx="0">
+        <a:scrgbClr r="0" g="0" b="0"/>
+      </a:effectRef>
+      <a:fontRef idx="minor"/>
+    </dgm:style>
+  </dgm:styleLbl>
+  <dgm:styleLbl name="sibTrans2D1">
+    <dgm:scene3d>
+      <a:camera prst="orthographicFront"/>
+      <a:lightRig rig="threePt" dir="t"/>
+    </dgm:scene3d>
+    <dgm:sp3d/>
+    <dgm:txPr/>
+    <dgm:style>
+      <a:lnRef idx="0">
+        <a:scrgbClr r="0" g="0" b="0"/>
+      </a:lnRef>
+      <a:fillRef idx="1">
+        <a:scrgbClr r="0" g="0" b="0"/>
+      </a:fillRef>
+      <a:effectRef idx="0">
+        <a:scrgbClr r="0" g="0" b="0"/>
+      </a:effectRef>
+      <a:fontRef idx="minor">
+        <a:schemeClr val="lt1"/>
+      </a:fontRef>
+    </dgm:style>
+  </dgm:styleLbl>
+  <dgm:styleLbl name="fgSibTrans2D1">
+    <dgm:scene3d>
+      <a:camera prst="orthographicFront"/>
+      <a:lightRig rig="threePt" dir="t"/>
+    </dgm:scene3d>
+    <dgm:sp3d/>
+    <dgm:txPr/>
+    <dgm:style>
+      <a:lnRef idx="0">
+        <a:scrgbClr r="0" g="0" b="0"/>
+      </a:lnRef>
+      <a:fillRef idx="1">
+        <a:scrgbClr r="0" g="0" b="0"/>
+      </a:fillRef>
+      <a:effectRef idx="0">
+        <a:scrgbClr r="0" g="0" b="0"/>
+      </a:effectRef>
+      <a:fontRef idx="minor">
+        <a:schemeClr val="lt1"/>
+      </a:fontRef>
+    </dgm:style>
+  </dgm:styleLbl>
+  <dgm:styleLbl name="bgSibTrans2D1">
+    <dgm:scene3d>
+      <a:camera prst="orthographicFront"/>
+      <a:lightRig rig="threePt" dir="t"/>
+    </dgm:scene3d>
+    <dgm:sp3d/>
+    <dgm:txPr/>
+    <dgm:style>
+      <a:lnRef idx="0">
+        <a:scrgbClr r="0" g="0" b="0"/>
+      </a:lnRef>
+      <a:fillRef idx="1">
+        <a:scrgbClr r="0" g="0" b="0"/>
+      </a:fillRef>
+      <a:effectRef idx="0">
+        <a:scrgbClr r="0" g="0" b="0"/>
+      </a:effectRef>
+      <a:fontRef idx="minor">
+        <a:schemeClr val="lt1"/>
+      </a:fontRef>
+    </dgm:style>
+  </dgm:styleLbl>
+  <dgm:styleLbl name="sibTrans1D1">
+    <dgm:scene3d>
+      <a:camera prst="orthographicFront"/>
+      <a:lightRig rig="threePt" dir="t"/>
+    </dgm:scene3d>
+    <dgm:sp3d/>
+    <dgm:txPr/>
+    <dgm:style>
+      <a:lnRef idx="1">
+        <a:scrgbClr r="0" g="0" b="0"/>
+      </a:lnRef>
+      <a:fillRef idx="0">
+        <a:scrgbClr r="0" g="0" b="0"/>
+      </a:fillRef>
+      <a:effectRef idx="0">
+        <a:scrgbClr r="0" g="0" b="0"/>
+      </a:effectRef>
+      <a:fontRef idx="minor"/>
+    </dgm:style>
+  </dgm:styleLbl>
+  <dgm:styleLbl name="callout">
+    <dgm:scene3d>
+      <a:camera prst="orthographicFront"/>
+      <a:lightRig rig="threePt" dir="t"/>
+    </dgm:scene3d>
+    <dgm:sp3d/>
+    <dgm:txPr/>
+    <dgm:style>
+      <a:lnRef idx="2">
+        <a:scrgbClr r="0" g="0" b="0"/>
+      </a:lnRef>
+      <a:fillRef idx="1">
+        <a:scrgbClr r="0" g="0" b="0"/>
+      </a:fillRef>
+      <a:effectRef idx="0">
+        <a:scrgbClr r="0" g="0" b="0"/>
+      </a:effectRef>
+      <a:fontRef idx="minor"/>
+    </dgm:style>
+  </dgm:styleLbl>
+  <dgm:styleLbl name="asst0">
+    <dgm:scene3d>
+      <a:camera prst="orthographicFront"/>
+      <a:lightRig rig="threePt" dir="t"/>
+    </dgm:scene3d>
+    <dgm:sp3d/>
+    <dgm:txPr/>
+    <dgm:style>
+      <a:lnRef idx="2">
+        <a:scrgbClr r="0" g="0" b="0"/>
+      </a:lnRef>
+      <a:fillRef idx="1">
+        <a:scrgbClr r="0" g="0" b="0"/>
+      </a:fillRef>
+      <a:effectRef idx="0">
+        <a:scrgbClr r="0" g="0" b="0"/>
+      </a:effectRef>
+      <a:fontRef idx="minor">
+        <a:schemeClr val="lt1"/>
+      </a:fontRef>
+    </dgm:style>
+  </dgm:styleLbl>
+  <dgm:styleLbl name="asst1">
+    <dgm:scene3d>
+      <a:camera prst="orthographicFront"/>
+      <a:lightRig rig="threePt" dir="t"/>
+    </dgm:scene3d>
+    <dgm:sp3d/>
+    <dgm:txPr/>
+    <dgm:style>
+      <a:lnRef idx="2">
+        <a:scrgbClr r="0" g="0" b="0"/>
+      </a:lnRef>
+      <a:fillRef idx="1">
+        <a:scrgbClr r="0" g="0" b="0"/>
+      </a:fillRef>
+      <a:effectRef idx="0">
+        <a:scrgbClr r="0" g="0" b="0"/>
+      </a:effectRef>
+      <a:fontRef idx="minor">
+        <a:schemeClr val="lt1"/>
+      </a:fontRef>
+    </dgm:style>
+  </dgm:styleLbl>
+  <dgm:styleLbl name="asst2">
+    <dgm:scene3d>
+      <a:camera prst="orthographicFront"/>
+      <a:lightRig rig="threePt" dir="t"/>
+    </dgm:scene3d>
+    <dgm:sp3d/>
+    <dgm:txPr/>
+    <dgm:style>
+      <a:lnRef idx="2">
+        <a:scrgbClr r="0" g="0" b="0"/>
+      </a:lnRef>
+      <a:fillRef idx="1">
+        <a:scrgbClr r="0" g="0" b="0"/>
+      </a:fillRef>
+      <a:effectRef idx="0">
+        <a:scrgbClr r="0" g="0" b="0"/>
+      </a:effectRef>
+      <a:fontRef idx="minor">
+        <a:schemeClr val="lt1"/>
+      </a:fontRef>
+    </dgm:style>
+  </dgm:styleLbl>
+  <dgm:styleLbl name="asst3">
+    <dgm:scene3d>
+      <a:camera prst="orthographicFront"/>
+      <a:lightRig rig="threePt" dir="t"/>
+    </dgm:scene3d>
+    <dgm:sp3d/>
+    <dgm:txPr/>
+    <dgm:style>
+      <a:lnRef idx="2">
+        <a:scrgbClr r="0" g="0" b="0"/>
+      </a:lnRef>
+      <a:fillRef idx="1">
+        <a:scrgbClr r="0" g="0" b="0"/>
+      </a:fillRef>
+      <a:effectRef idx="0">
+        <a:scrgbClr r="0" g="0" b="0"/>
+      </a:effectRef>
+      <a:fontRef idx="minor">
+        <a:schemeClr val="lt1"/>
+      </a:fontRef>
+    </dgm:style>
+  </dgm:styleLbl>
+  <dgm:styleLbl name="asst4">
+    <dgm:scene3d>
+      <a:camera prst="orthographicFront"/>
+      <a:lightRig rig="threePt" dir="t"/>
+    </dgm:scene3d>
+    <dgm:sp3d/>
+    <dgm:txPr/>
+    <dgm:style>
+      <a:lnRef idx="2">
+        <a:scrgbClr r="0" g="0" b="0"/>
+      </a:lnRef>
+      <a:fillRef idx="1">
+        <a:scrgbClr r="0" g="0" b="0"/>
+      </a:fillRef>
+      <a:effectRef idx="0">
+        <a:scrgbClr r="0" g="0" b="0"/>
+      </a:effectRef>
+      <a:fontRef idx="minor">
+        <a:schemeClr val="lt1"/>
+      </a:fontRef>
+    </dgm:style>
+  </dgm:styleLbl>
+  <dgm:styleLbl name="parChTrans2D1">
+    <dgm:scene3d>
+      <a:camera prst="orthographicFront"/>
+      <a:lightRig rig="threePt" dir="t"/>
+    </dgm:scene3d>
+    <dgm:sp3d/>
+    <dgm:txPr/>
+    <dgm:style>
+      <a:lnRef idx="2">
+        <a:scrgbClr r="0" g="0" b="0"/>
+      </a:lnRef>
+      <a:fillRef idx="1">
+        <a:scrgbClr r="0" g="0" b="0"/>
+      </a:fillRef>
+      <a:effectRef idx="0">
+        <a:scrgbClr r="0" g="0" b="0"/>
+      </a:effectRef>
+      <a:fontRef idx="minor">
+        <a:schemeClr val="lt1"/>
+      </a:fontRef>
+    </dgm:style>
+  </dgm:styleLbl>
+  <dgm:styleLbl name="parChTrans2D2">
+    <dgm:scene3d>
+      <a:camera prst="orthographicFront"/>
+      <a:lightRig rig="threePt" dir="t"/>
+    </dgm:scene3d>
+    <dgm:sp3d/>
+    <dgm:txPr/>
+    <dgm:style>
+      <a:lnRef idx="2">
+        <a:scrgbClr r="0" g="0" b="0"/>
+      </a:lnRef>
+      <a:fillRef idx="1">
+        <a:scrgbClr r="0" g="0" b="0"/>
+      </a:fillRef>
+      <a:effectRef idx="0">
+        <a:scrgbClr r="0" g="0" b="0"/>
+      </a:effectRef>
+      <a:fontRef idx="minor">
+        <a:schemeClr val="lt1"/>
+      </a:fontRef>
+    </dgm:style>
+  </dgm:styleLbl>
+  <dgm:styleLbl name="parChTrans2D3">
+    <dgm:scene3d>
+      <a:camera prst="orthographicFront"/>
+      <a:lightRig rig="threePt" dir="t"/>
+    </dgm:scene3d>
+    <dgm:sp3d/>
+    <dgm:txPr/>
+    <dgm:style>
+      <a:lnRef idx="2">
+        <a:scrgbClr r="0" g="0" b="0"/>
+      </a:lnRef>
+      <a:fillRef idx="1">
+        <a:scrgbClr r="0" g="0" b="0"/>
+      </a:fillRef>
+      <a:effectRef idx="0">
+        <a:scrgbClr r="0" g="0" b="0"/>
+      </a:effectRef>
+      <a:fontRef idx="minor">
+        <a:schemeClr val="lt1"/>
+      </a:fontRef>
+    </dgm:style>
+  </dgm:styleLbl>
+  <dgm:styleLbl name="parChTrans2D4">
+    <dgm:scene3d>
+      <a:camera prst="orthographicFront"/>
+      <a:lightRig rig="threePt" dir="t"/>
+    </dgm:scene3d>
+    <dgm:sp3d/>
+    <dgm:txPr/>
+    <dgm:style>
+      <a:lnRef idx="2">
+        <a:scrgbClr r="0" g="0" b="0"/>
+      </a:lnRef>
+      <a:fillRef idx="1">
+        <a:scrgbClr r="0" g="0" b="0"/>
+      </a:fillRef>
+      <a:effectRef idx="0">
+        <a:scrgbClr r="0" g="0" b="0"/>
+      </a:effectRef>
+      <a:fontRef idx="minor">
+        <a:schemeClr val="lt1"/>
+      </a:fontRef>
+    </dgm:style>
+  </dgm:styleLbl>
+  <dgm:styleLbl name="parChTrans1D1">
+    <dgm:scene3d>
+      <a:camera prst="orthographicFront"/>
+      <a:lightRig rig="threePt" dir="t"/>
+    </dgm:scene3d>
+    <dgm:sp3d/>
+    <dgm:txPr/>
+    <dgm:style>
+      <a:lnRef idx="2">
+        <a:scrgbClr r="0" g="0" b="0"/>
+      </a:lnRef>
+      <a:fillRef idx="0">
+        <a:scrgbClr r="0" g="0" b="0"/>
+      </a:fillRef>
+      <a:effectRef idx="0">
+        <a:scrgbClr r="0" g="0" b="0"/>
+      </a:effectRef>
+      <a:fontRef idx="minor"/>
+    </dgm:style>
+  </dgm:styleLbl>
+  <dgm:styleLbl name="parChTrans1D2">
+    <dgm:scene3d>
+      <a:camera prst="orthographicFront"/>
+      <a:lightRig rig="threePt" dir="t"/>
+    </dgm:scene3d>
+    <dgm:sp3d/>
+    <dgm:txPr/>
+    <dgm:style>
+      <a:lnRef idx="2">
+        <a:scrgbClr r="0" g="0" b="0"/>
+      </a:lnRef>
+      <a:fillRef idx="0">
+        <a:scrgbClr r="0" g="0" b="0"/>
+      </a:fillRef>
+      <a:effectRef idx="0">
+        <a:scrgbClr r="0" g="0" b="0"/>
+      </a:effectRef>
+      <a:fontRef idx="minor"/>
+    </dgm:style>
+  </dgm:styleLbl>
+  <dgm:styleLbl name="parChTrans1D3">
+    <dgm:scene3d>
+      <a:camera prst="orthographicFront"/>
+      <a:lightRig rig="threePt" dir="t"/>
+    </dgm:scene3d>
+    <dgm:sp3d/>
+    <dgm:txPr/>
+    <dgm:style>
+      <a:lnRef idx="2">
+        <a:scrgbClr r="0" g="0" b="0"/>
+      </a:lnRef>
+      <a:fillRef idx="0">
+        <a:scrgbClr r="0" g="0" b="0"/>
+      </a:fillRef>
+      <a:effectRef idx="0">
+        <a:scrgbClr r="0" g="0" b="0"/>
+      </a:effectRef>
+      <a:fontRef idx="minor"/>
+    </dgm:style>
+  </dgm:styleLbl>
+  <dgm:styleLbl name="parChTrans1D4">
+    <dgm:scene3d>
+      <a:camera prst="orthographicFront"/>
+      <a:lightRig rig="threePt" dir="t"/>
+    </dgm:scene3d>
+    <dgm:sp3d/>
+    <dgm:txPr/>
+    <dgm:style>
+      <a:lnRef idx="2">
+        <a:scrgbClr r="0" g="0" b="0"/>
+      </a:lnRef>
+      <a:fillRef idx="0">
+        <a:scrgbClr r="0" g="0" b="0"/>
+      </a:fillRef>
+      <a:effectRef idx="0">
+        <a:scrgbClr r="0" g="0" b="0"/>
+      </a:effectRef>
+      <a:fontRef idx="minor"/>
+    </dgm:style>
+  </dgm:styleLbl>
+  <dgm:styleLbl name="fgAcc1">
+    <dgm:scene3d>
+      <a:camera prst="orthographicFront"/>
+      <a:lightRig rig="threePt" dir="t"/>
+    </dgm:scene3d>
+    <dgm:sp3d/>
+    <dgm:txPr/>
+    <dgm:style>
+      <a:lnRef idx="2">
+        <a:scrgbClr r="0" g="0" b="0"/>
+      </a:lnRef>
+      <a:fillRef idx="1">
+        <a:scrgbClr r="0" g="0" b="0"/>
+      </a:fillRef>
+      <a:effectRef idx="0">
+        <a:scrgbClr r="0" g="0" b="0"/>
+      </a:effectRef>
+      <a:fontRef idx="minor"/>
+    </dgm:style>
+  </dgm:styleLbl>
+  <dgm:styleLbl name="conFgAcc1">
+    <dgm:scene3d>
+      <a:camera prst="orthographicFront"/>
+      <a:lightRig rig="threePt" dir="t"/>
+    </dgm:scene3d>
+    <dgm:sp3d/>
+    <dgm:txPr/>
+    <dgm:style>
+      <a:lnRef idx="2">
+        <a:scrgbClr r="0" g="0" b="0"/>
+      </a:lnRef>
+      <a:fillRef idx="1">
+        <a:scrgbClr r="0" g="0" b="0"/>
+      </a:fillRef>
+      <a:effectRef idx="0">
+        <a:scrgbClr r="0" g="0" b="0"/>
+      </a:effectRef>
+      <a:fontRef idx="minor"/>
+    </dgm:style>
+  </dgm:styleLbl>
+  <dgm:styleLbl name="alignAcc1">
+    <dgm:scene3d>
+      <a:camera prst="orthographicFront"/>
+      <a:lightRig rig="threePt" dir="t"/>
+    </dgm:scene3d>
+    <dgm:sp3d/>
+    <dgm:txPr/>
+    <dgm:style>
+      <a:lnRef idx="2">
+        <a:scrgbClr r="0" g="0" b="0"/>
+      </a:lnRef>
+      <a:fillRef idx="1">
+        <a:scrgbClr r="0" g="0" b="0"/>
+      </a:fillRef>
+      <a:effectRef idx="0">
+        <a:scrgbClr r="0" g="0" b="0"/>
+      </a:effectRef>
+      <a:fontRef idx="minor"/>
+    </dgm:style>
+  </dgm:styleLbl>
+  <dgm:styleLbl name="trAlignAcc1">
+    <dgm:scene3d>
+      <a:camera prst="orthographicFront"/>
+      <a:lightRig rig="threePt" dir="t"/>
+    </dgm:scene3d>
+    <dgm:sp3d/>
+    <dgm:txPr/>
+    <dgm:style>
+      <a:lnRef idx="1">
+        <a:scrgbClr r="0" g="0" b="0"/>
+      </a:lnRef>
+      <a:fillRef idx="1">
+        <a:scrgbClr r="0" g="0" b="0"/>
+      </a:fillRef>
+      <a:effectRef idx="0">
+        <a:scrgbClr r="0" g="0" b="0"/>
+      </a:effectRef>
+      <a:fontRef idx="minor"/>
+    </dgm:style>
+  </dgm:styleLbl>
+  <dgm:styleLbl name="bgAcc1">
+    <dgm:scene3d>
+      <a:camera prst="orthographicFront"/>
+      <a:lightRig rig="threePt" dir="t"/>
+    </dgm:scene3d>
+    <dgm:sp3d/>
+    <dgm:txPr/>
+    <dgm:style>
+      <a:lnRef idx="2">
+        <a:scrgbClr r="0" g="0" b="0"/>
+      </a:lnRef>
+      <a:fillRef idx="1">
+        <a:scrgbClr r="0" g="0" b="0"/>
+      </a:fillRef>
+      <a:effectRef idx="0">
+        <a:scrgbClr r="0" g="0" b="0"/>
+      </a:effectRef>
+      <a:fontRef idx="minor"/>
+    </dgm:style>
+  </dgm:styleLbl>
+  <dgm:styleLbl name="solidFgAcc1">
+    <dgm:scene3d>
+      <a:camera prst="orthographicFront"/>
+      <a:lightRig rig="threePt" dir="t"/>
+    </dgm:scene3d>
+    <dgm:sp3d/>
+    <dgm:txPr/>
+    <dgm:style>
+      <a:lnRef idx="2">
+        <a:scrgbClr r="0" g="0" b="0"/>
+      </a:lnRef>
+      <a:fillRef idx="1">
+        <a:scrgbClr r="0" g="0" b="0"/>
+      </a:fillRef>
+      <a:effectRef idx="0">
+        <a:scrgbClr r="0" g="0" b="0"/>
+      </a:effectRef>
+      <a:fontRef idx="minor"/>
+    </dgm:style>
+  </dgm:styleLbl>
+  <dgm:styleLbl name="solidAlignAcc1">
+    <dgm:scene3d>
+      <a:camera prst="orthographicFront"/>
+      <a:lightRig rig="threePt" dir="t"/>
+    </dgm:scene3d>
+    <dgm:sp3d/>
+    <dgm:txPr/>
+    <dgm:style>
+      <a:lnRef idx="2">
+        <a:scrgbClr r="0" g="0" b="0"/>
+      </a:lnRef>
+      <a:fillRef idx="1">
+        <a:scrgbClr r="0" g="0" b="0"/>
+      </a:fillRef>
+      <a:effectRef idx="0">
+        <a:scrgbClr r="0" g="0" b="0"/>
+      </a:effectRef>
+      <a:fontRef idx="minor"/>
+    </dgm:style>
+  </dgm:styleLbl>
+  <dgm:styleLbl name="solidBgAcc1">
+    <dgm:scene3d>
+      <a:camera prst="orthographicFront"/>
+      <a:lightRig rig="threePt" dir="t"/>
+    </dgm:scene3d>
+    <dgm:sp3d/>
+    <dgm:txPr/>
+    <dgm:style>
+      <a:lnRef idx="2">
+        <a:scrgbClr r="0" g="0" b="0"/>
+      </a:lnRef>
+      <a:fillRef idx="1">
+        <a:scrgbClr r="0" g="0" b="0"/>
+      </a:fillRef>
+      <a:effectRef idx="0">
+        <a:scrgbClr r="0" g="0" b="0"/>
+      </a:effectRef>
+      <a:fontRef idx="minor"/>
+    </dgm:style>
+  </dgm:styleLbl>
+  <dgm:styleLbl name="fgAccFollowNode1">
+    <dgm:scene3d>
+      <a:camera prst="orthographicFront"/>
+      <a:lightRig rig="threePt" dir="t"/>
+    </dgm:scene3d>
+    <dgm:sp3d/>
+    <dgm:txPr/>
+    <dgm:style>
+      <a:lnRef idx="2">
+        <a:scrgbClr r="0" g="0" b="0"/>
+      </a:lnRef>
+      <a:fillRef idx="1">
+        <a:scrgbClr r="0" g="0" b="0"/>
+      </a:fillRef>
+      <a:effectRef idx="0">
+        <a:scrgbClr r="0" g="0" b="0"/>
+      </a:effectRef>
+      <a:fontRef idx="minor"/>
+    </dgm:style>
+  </dgm:styleLbl>
+  <dgm:styleLbl name="alignAccFollowNode1">
+    <dgm:scene3d>
+      <a:camera prst="orthographicFront"/>
+      <a:lightRig rig="threePt" dir="t"/>
+    </dgm:scene3d>
+    <dgm:sp3d/>
+    <dgm:txPr/>
+    <dgm:style>
+      <a:lnRef idx="2">
+        <a:scrgbClr r="0" g="0" b="0"/>
+      </a:lnRef>
+      <a:fillRef idx="1">
+        <a:scrgbClr r="0" g="0" b="0"/>
+      </a:fillRef>
+      <a:effectRef idx="0">
+        <a:scrgbClr r="0" g="0" b="0"/>
+      </a:effectRef>
+      <a:fontRef idx="minor"/>
+    </dgm:style>
+  </dgm:styleLbl>
+  <dgm:styleLbl name="bgAccFollowNode1">
+    <dgm:scene3d>
+      <a:camera prst="orthographicFront"/>
+      <a:lightRig rig="threePt" dir="t"/>
+    </dgm:scene3d>
+    <dgm:sp3d/>
+    <dgm:txPr/>
+    <dgm:style>
+      <a:lnRef idx="2">
+        <a:scrgbClr r="0" g="0" b="0"/>
+      </a:lnRef>
+      <a:fillRef idx="1">
+        <a:scrgbClr r="0" g="0" b="0"/>
+      </a:fillRef>
+      <a:effectRef idx="0">
+        <a:scrgbClr r="0" g="0" b="0"/>
+      </a:effectRef>
+      <a:fontRef idx="minor"/>
+    </dgm:style>
+  </dgm:styleLbl>
+  <dgm:styleLbl name="fgAcc0">
+    <dgm:scene3d>
+      <a:camera prst="orthographicFront"/>
+      <a:lightRig rig="threePt" dir="t"/>
+    </dgm:scene3d>
+    <dgm:sp3d/>
+    <dgm:txPr/>
+    <dgm:style>
+      <a:lnRef idx="2">
+        <a:scrgbClr r="0" g="0" b="0"/>
+      </a:lnRef>
+      <a:fillRef idx="1">
+        <a:scrgbClr r="0" g="0" b="0"/>
+      </a:fillRef>
+      <a:effectRef idx="0">
+        <a:scrgbClr r="0" g="0" b="0"/>
+      </a:effectRef>
+      <a:fontRef idx="minor"/>
+    </dgm:style>
+  </dgm:styleLbl>
+  <dgm:styleLbl name="fgAcc2">
+    <dgm:scene3d>
+      <a:camera prst="orthographicFront"/>
+      <a:lightRig rig="threePt" dir="t"/>
+    </dgm:scene3d>
+    <dgm:sp3d/>
+    <dgm:txPr/>
+    <dgm:style>
+      <a:lnRef idx="2">
+        <a:scrgbClr r="0" g="0" b="0"/>
+      </a:lnRef>
+      <a:fillRef idx="1">
+        <a:scrgbClr r="0" g="0" b="0"/>
+      </a:fillRef>
+      <a:effectRef idx="0">
+        <a:scrgbClr r="0" g="0" b="0"/>
+      </a:effectRef>
+      <a:fontRef idx="minor"/>
+    </dgm:style>
+  </dgm:styleLbl>
+  <dgm:styleLbl name="fgAcc3">
+    <dgm:scene3d>
+      <a:camera prst="orthographicFront"/>
+      <a:lightRig rig="threePt" dir="t"/>
+    </dgm:scene3d>
+    <dgm:sp3d/>
+    <dgm:txPr/>
+    <dgm:style>
+      <a:lnRef idx="2">
+        <a:scrgbClr r="0" g="0" b="0"/>
+      </a:lnRef>
+      <a:fillRef idx="1">
+        <a:scrgbClr r="0" g="0" b="0"/>
+      </a:fillRef>
+      <a:effectRef idx="0">
+        <a:scrgbClr r="0" g="0" b="0"/>
+      </a:effectRef>
+      <a:fontRef idx="minor"/>
+    </dgm:style>
+  </dgm:styleLbl>
+  <dgm:styleLbl name="fgAcc4">
+    <dgm:scene3d>
+      <a:camera prst="orthographicFront"/>
+      <a:lightRig rig="threePt" dir="t"/>
+    </dgm:scene3d>
+    <dgm:sp3d/>
+    <dgm:txPr/>
+    <dgm:style>
+      <a:lnRef idx="2">
+        <a:scrgbClr r="0" g="0" b="0"/>
+      </a:lnRef>
+      <a:fillRef idx="1">
+        <a:scrgbClr r="0" g="0" b="0"/>
+      </a:fillRef>
+      <a:effectRef idx="0">
+        <a:scrgbClr r="0" g="0" b="0"/>
+      </a:effectRef>
+      <a:fontRef idx="minor"/>
+    </dgm:style>
+  </dgm:styleLbl>
+  <dgm:styleLbl name="bgShp">
+    <dgm:scene3d>
+      <a:camera prst="orthographicFront"/>
+      <a:lightRig rig="threePt" dir="t"/>
+    </dgm:scene3d>
+    <dgm:sp3d/>
+    <dgm:txPr/>
+    <dgm:style>
+      <a:lnRef idx="0">
+        <a:scrgbClr r="0" g="0" b="0"/>
+      </a:lnRef>
+      <a:fillRef idx="1">
+        <a:scrgbClr r="0" g="0" b="0"/>
+      </a:fillRef>
+      <a:effectRef idx="0">
+        <a:scrgbClr r="0" g="0" b="0"/>
+      </a:effectRef>
+      <a:fontRef idx="minor"/>
+    </dgm:style>
+  </dgm:styleLbl>
+  <dgm:styleLbl name="dkBgShp">
+    <dgm:scene3d>
+      <a:camera prst="orthographicFront"/>
+      <a:lightRig rig="threePt" dir="t"/>
+    </dgm:scene3d>
+    <dgm:sp3d/>
+    <dgm:txPr/>
+    <dgm:style>
+      <a:lnRef idx="0">
+        <a:scrgbClr r="0" g="0" b="0"/>
+      </a:lnRef>
+      <a:fillRef idx="1">
+        <a:scrgbClr r="0" g="0" b="0"/>
+      </a:fillRef>
+      <a:effectRef idx="0">
+        <a:scrgbClr r="0" g="0" b="0"/>
+      </a:effectRef>
+      <a:fontRef idx="minor"/>
+    </dgm:style>
+  </dgm:styleLbl>
+  <dgm:styleLbl name="trBgShp">
+    <dgm:scene3d>
+      <a:camera prst="orthographicFront"/>
+      <a:lightRig rig="threePt" dir="t"/>
+    </dgm:scene3d>
+    <dgm:sp3d/>
+    <dgm:txPr/>
+    <dgm:style>
+      <a:lnRef idx="0">
+        <a:scrgbClr r="0" g="0" b="0"/>
+      </a:lnRef>
+      <a:fillRef idx="1">
+        <a:scrgbClr r="0" g="0" b="0"/>
+      </a:fillRef>
+      <a:effectRef idx="0">
+        <a:scrgbClr r="0" g="0" b="0"/>
+      </a:effectRef>
+      <a:fontRef idx="minor"/>
+    </dgm:style>
+  </dgm:styleLbl>
+  <dgm:styleLbl name="fgShp">
+    <dgm:scene3d>
+      <a:camera prst="orthographicFront"/>
+      <a:lightRig rig="threePt" dir="t"/>
+    </dgm:scene3d>
+    <dgm:sp3d/>
+    <dgm:txPr/>
+    <dgm:style>
+      <a:lnRef idx="2">
+        <a:scrgbClr r="0" g="0" b="0"/>
+      </a:lnRef>
+      <a:fillRef idx="1">
+        <a:scrgbClr r="0" g="0" b="0"/>
+      </a:fillRef>
+      <a:effectRef idx="0">
+        <a:scrgbClr r="0" g="0" b="0"/>
+      </a:effectRef>
+      <a:fontRef idx="minor"/>
+    </dgm:style>
+  </dgm:styleLbl>
+  <dgm:styleLbl name="revTx">
+    <dgm:scene3d>
+      <a:camera prst="orthographicFront"/>
+      <a:lightRig rig="threePt" dir="t"/>
+    </dgm:scene3d>
+    <dgm:sp3d/>
+    <dgm:txPr/>
+    <dgm:style>
+      <a:lnRef idx="0">
+        <a:scrgbClr r="0" g="0" b="0"/>
+      </a:lnRef>
+      <a:fillRef idx="0">
+        <a:scrgbClr r="0" g="0" b="0"/>
+      </a:fillRef>
+      <a:effectRef idx="0">
+        <a:scrgbClr r="0" g="0" b="0"/>
+      </a:effectRef>
+      <a:fontRef idx="minor"/>
+    </dgm:style>
+  </dgm:styleLbl>
+</dgm:styleDef>
+</file>
+
 <file path=ppt/slideLayouts/slideLayout1.xml><?xml version="1.0" encoding="utf-8"?>
 <p:sldLayout xmlns:a="http://schemas.openxmlformats.org/drawingml/2006/main" xmlns:r="http://schemas.openxmlformats.org/officeDocument/2006/relationships" xmlns:p="http://schemas.openxmlformats.org/presentationml/2006/main" type="title" preserve="1">
   <p:cSld name="Title Slide">
@@ -294,7 +4665,7 @@
           <a:p>
             <a:fld id="{4A1B42C3-4733-43BB-B966-B33844BF392A}" type="datetimeFigureOut">
               <a:rPr lang="en-IN" smtClean="0"/>
-              <a:t>19-02-2026</a:t>
+              <a:t>22-02-2026</a:t>
             </a:fld>
             <a:endParaRPr lang="en-IN"/>
           </a:p>
@@ -606,7 +4977,7 @@
           <a:p>
             <a:fld id="{4A1B42C3-4733-43BB-B966-B33844BF392A}" type="datetimeFigureOut">
               <a:rPr lang="en-IN" smtClean="0"/>
-              <a:t>19-02-2026</a:t>
+              <a:t>22-02-2026</a:t>
             </a:fld>
             <a:endParaRPr lang="en-IN"/>
           </a:p>
@@ -828,7 +5199,7 @@
           <a:p>
             <a:fld id="{4A1B42C3-4733-43BB-B966-B33844BF392A}" type="datetimeFigureOut">
               <a:rPr lang="en-IN" smtClean="0"/>
-              <a:t>19-02-2026</a:t>
+              <a:t>22-02-2026</a:t>
             </a:fld>
             <a:endParaRPr lang="en-IN"/>
           </a:p>
@@ -1119,7 +5490,7 @@
           <a:p>
             <a:fld id="{4A1B42C3-4733-43BB-B966-B33844BF392A}" type="datetimeFigureOut">
               <a:rPr lang="en-IN" smtClean="0"/>
-              <a:t>19-02-2026</a:t>
+              <a:t>22-02-2026</a:t>
             </a:fld>
             <a:endParaRPr lang="en-IN"/>
           </a:p>
@@ -1573,7 +5944,7 @@
           <a:p>
             <a:fld id="{4A1B42C3-4733-43BB-B966-B33844BF392A}" type="datetimeFigureOut">
               <a:rPr lang="en-IN" smtClean="0"/>
-              <a:t>19-02-2026</a:t>
+              <a:t>22-02-2026</a:t>
             </a:fld>
             <a:endParaRPr lang="en-IN"/>
           </a:p>
@@ -2149,7 +6520,7 @@
           <a:p>
             <a:fld id="{4A1B42C3-4733-43BB-B966-B33844BF392A}" type="datetimeFigureOut">
               <a:rPr lang="en-IN" smtClean="0"/>
-              <a:t>19-02-2026</a:t>
+              <a:t>22-02-2026</a:t>
             </a:fld>
             <a:endParaRPr lang="en-IN"/>
           </a:p>
@@ -3001,7 +7372,7 @@
           <a:p>
             <a:fld id="{4A1B42C3-4733-43BB-B966-B33844BF392A}" type="datetimeFigureOut">
               <a:rPr lang="en-IN" smtClean="0"/>
-              <a:t>19-02-2026</a:t>
+              <a:t>22-02-2026</a:t>
             </a:fld>
             <a:endParaRPr lang="en-IN"/>
           </a:p>
@@ -3206,7 +7577,7 @@
           <a:p>
             <a:fld id="{4A1B42C3-4733-43BB-B966-B33844BF392A}" type="datetimeFigureOut">
               <a:rPr lang="en-IN" smtClean="0"/>
-              <a:t>19-02-2026</a:t>
+              <a:t>22-02-2026</a:t>
             </a:fld>
             <a:endParaRPr lang="en-IN"/>
           </a:p>
@@ -3420,7 +7791,7 @@
           <a:p>
             <a:fld id="{4A1B42C3-4733-43BB-B966-B33844BF392A}" type="datetimeFigureOut">
               <a:rPr lang="en-IN" smtClean="0"/>
-              <a:t>19-02-2026</a:t>
+              <a:t>22-02-2026</a:t>
             </a:fld>
             <a:endParaRPr lang="en-IN"/>
           </a:p>
@@ -3625,7 +7996,7 @@
           <a:p>
             <a:fld id="{4A1B42C3-4733-43BB-B966-B33844BF392A}" type="datetimeFigureOut">
               <a:rPr lang="en-IN" smtClean="0"/>
-              <a:t>19-02-2026</a:t>
+              <a:t>22-02-2026</a:t>
             </a:fld>
             <a:endParaRPr lang="en-IN"/>
           </a:p>
@@ -3905,7 +8276,7 @@
           <a:p>
             <a:fld id="{4A1B42C3-4733-43BB-B966-B33844BF392A}" type="datetimeFigureOut">
               <a:rPr lang="en-IN" smtClean="0"/>
-              <a:t>19-02-2026</a:t>
+              <a:t>22-02-2026</a:t>
             </a:fld>
             <a:endParaRPr lang="en-IN"/>
           </a:p>
@@ -4172,7 +8543,7 @@
           <a:p>
             <a:fld id="{4A1B42C3-4733-43BB-B966-B33844BF392A}" type="datetimeFigureOut">
               <a:rPr lang="en-IN" smtClean="0"/>
-              <a:t>19-02-2026</a:t>
+              <a:t>22-02-2026</a:t>
             </a:fld>
             <a:endParaRPr lang="en-IN"/>
           </a:p>
@@ -4587,7 +8958,7 @@
           <a:p>
             <a:fld id="{4A1B42C3-4733-43BB-B966-B33844BF392A}" type="datetimeFigureOut">
               <a:rPr lang="en-IN" smtClean="0"/>
-              <a:t>19-02-2026</a:t>
+              <a:t>22-02-2026</a:t>
             </a:fld>
             <a:endParaRPr lang="en-IN"/>
           </a:p>
@@ -4735,7 +9106,7 @@
           <a:p>
             <a:fld id="{4A1B42C3-4733-43BB-B966-B33844BF392A}" type="datetimeFigureOut">
               <a:rPr lang="en-IN" smtClean="0"/>
-              <a:t>19-02-2026</a:t>
+              <a:t>22-02-2026</a:t>
             </a:fld>
             <a:endParaRPr lang="en-IN"/>
           </a:p>
@@ -4860,7 +9231,7 @@
           <a:p>
             <a:fld id="{4A1B42C3-4733-43BB-B966-B33844BF392A}" type="datetimeFigureOut">
               <a:rPr lang="en-IN" smtClean="0"/>
-              <a:t>19-02-2026</a:t>
+              <a:t>22-02-2026</a:t>
             </a:fld>
             <a:endParaRPr lang="en-IN"/>
           </a:p>
@@ -5139,7 +9510,7 @@
           <a:p>
             <a:fld id="{4A1B42C3-4733-43BB-B966-B33844BF392A}" type="datetimeFigureOut">
               <a:rPr lang="en-IN" smtClean="0"/>
-              <a:t>19-02-2026</a:t>
+              <a:t>22-02-2026</a:t>
             </a:fld>
             <a:endParaRPr lang="en-IN"/>
           </a:p>
@@ -5451,7 +9822,7 @@
           <a:p>
             <a:fld id="{4A1B42C3-4733-43BB-B966-B33844BF392A}" type="datetimeFigureOut">
               <a:rPr lang="en-IN" smtClean="0"/>
-              <a:t>19-02-2026</a:t>
+              <a:t>22-02-2026</a:t>
             </a:fld>
             <a:endParaRPr lang="en-IN"/>
           </a:p>
@@ -5704,7 +10075,7 @@
           <a:p>
             <a:fld id="{4A1B42C3-4733-43BB-B966-B33844BF392A}" type="datetimeFigureOut">
               <a:rPr lang="en-IN" smtClean="0"/>
-              <a:t>19-02-2026</a:t>
+              <a:t>22-02-2026</a:t>
             </a:fld>
             <a:endParaRPr lang="en-IN"/>
           </a:p>
@@ -6148,106 +10519,62 @@
           <a:chExt cx="0" cy="0"/>
         </a:xfrm>
       </p:grpSpPr>
-      <p:sp>
-        <p:nvSpPr>
-          <p:cNvPr id="2" name="Title 1">
+      <p:graphicFrame>
+        <p:nvGraphicFramePr>
+          <p:cNvPr id="4" name="Diagram 3">
             <a:extLst>
               <a:ext uri="{FF2B5EF4-FFF2-40B4-BE49-F238E27FC236}">
-                <a16:creationId xmlns:a16="http://schemas.microsoft.com/office/drawing/2014/main" id="{534D637A-8A85-4492-80DD-AD1B2C8D0A80}"/>
+                <a16:creationId xmlns:a16="http://schemas.microsoft.com/office/drawing/2014/main" id="{03C1D68B-CFEE-472C-9359-9D2F7E49FA26}"/>
               </a:ext>
             </a:extLst>
           </p:cNvPr>
-          <p:cNvSpPr>
-            <a:spLocks noGrp="1"/>
-          </p:cNvSpPr>
+          <p:cNvGraphicFramePr/>
           <p:nvPr>
-            <p:ph type="ctrTitle"/>
+            <p:extLst>
+              <p:ext uri="{D42A27DB-BD31-4B8C-83A1-F6EECF244321}">
+                <p14:modId xmlns:p14="http://schemas.microsoft.com/office/powerpoint/2010/main" val="2058364104"/>
+              </p:ext>
+            </p:extLst>
           </p:nvPr>
-        </p:nvSpPr>
-        <p:spPr/>
-        <p:txBody>
-          <a:bodyPr>
-            <a:normAutofit/>
-          </a:bodyPr>
-          <a:lstStyle/>
-          <a:p>
-            <a:pPr algn="ctr"/>
-            <a:r>
-              <a:rPr lang="en-US" sz="3200" dirty="0">
-                <a:solidFill>
-                  <a:schemeClr val="accent6">
-                    <a:lumMod val="75000"/>
-                  </a:schemeClr>
-                </a:solidFill>
-              </a:rPr>
-              <a:t>Navigating the Future of Online Shopping</a:t>
-            </a:r>
-            <a:br>
-              <a:rPr lang="en-US" sz="3200" dirty="0"/>
-            </a:br>
-            <a:r>
-              <a:rPr lang="en-IN" sz="2800" dirty="0">
-                <a:solidFill>
-                  <a:schemeClr val="accent6">
-                    <a:lumMod val="75000"/>
-                  </a:schemeClr>
-                </a:solidFill>
-              </a:rPr>
-              <a:t>E-Commerce Data Analysis</a:t>
-            </a:r>
-            <a:br>
-              <a:rPr lang="en-IN" sz="2800" dirty="0"/>
-            </a:br>
-            <a:endParaRPr lang="en-IN" sz="2800" dirty="0"/>
-          </a:p>
-        </p:txBody>
-      </p:sp>
-      <p:sp>
-        <p:nvSpPr>
-          <p:cNvPr id="3" name="Subtitle 2">
+        </p:nvGraphicFramePr>
+        <p:xfrm>
+          <a:off x="1751012" y="1300785"/>
+          <a:ext cx="8689976" cy="2509213"/>
+        </p:xfrm>
+        <a:graphic>
+          <a:graphicData uri="http://schemas.openxmlformats.org/drawingml/2006/diagram">
+            <dgm:relIds xmlns:dgm="http://schemas.openxmlformats.org/drawingml/2006/diagram" xmlns:r="http://schemas.openxmlformats.org/officeDocument/2006/relationships" r:dm="rId2" r:lo="rId3" r:qs="rId4" r:cs="rId5"/>
+          </a:graphicData>
+        </a:graphic>
+      </p:graphicFrame>
+      <p:graphicFrame>
+        <p:nvGraphicFramePr>
+          <p:cNvPr id="5" name="Diagram 4">
             <a:extLst>
               <a:ext uri="{FF2B5EF4-FFF2-40B4-BE49-F238E27FC236}">
-                <a16:creationId xmlns:a16="http://schemas.microsoft.com/office/drawing/2014/main" id="{EABC9089-87B8-4446-A623-66573571B015}"/>
+                <a16:creationId xmlns:a16="http://schemas.microsoft.com/office/drawing/2014/main" id="{E5BBC50C-67AA-48CD-B3B9-26E5F8DB8EA6}"/>
               </a:ext>
             </a:extLst>
           </p:cNvPr>
-          <p:cNvSpPr>
-            <a:spLocks noGrp="1"/>
-          </p:cNvSpPr>
+          <p:cNvGraphicFramePr/>
           <p:nvPr>
-            <p:ph type="subTitle" idx="1"/>
+            <p:extLst>
+              <p:ext uri="{D42A27DB-BD31-4B8C-83A1-F6EECF244321}">
+                <p14:modId xmlns:p14="http://schemas.microsoft.com/office/powerpoint/2010/main" val="3604364495"/>
+              </p:ext>
+            </p:extLst>
           </p:nvPr>
-        </p:nvSpPr>
-        <p:spPr>
-          <a:xfrm>
-            <a:off x="4008041" y="3782995"/>
-            <a:ext cx="8637072" cy="977621"/>
-          </a:xfrm>
-        </p:spPr>
-        <p:txBody>
-          <a:bodyPr/>
-          <a:lstStyle/>
-          <a:p>
-            <a:r>
-              <a:rPr lang="en-US" dirty="0">
-                <a:solidFill>
-                  <a:schemeClr val="accent6">
-                    <a:lumMod val="75000"/>
-                  </a:schemeClr>
-                </a:solidFill>
-              </a:rPr>
-              <a:t>A Comparative Approach using SQL and Python</a:t>
-            </a:r>
-            <a:endParaRPr lang="en-IN" dirty="0">
-              <a:solidFill>
-                <a:schemeClr val="accent6">
-                  <a:lumMod val="75000"/>
-                </a:schemeClr>
-              </a:solidFill>
-            </a:endParaRPr>
-          </a:p>
-        </p:txBody>
-      </p:sp>
+        </p:nvGraphicFramePr>
+        <p:xfrm>
+          <a:off x="4008041" y="3782995"/>
+          <a:ext cx="8637072" cy="977621"/>
+        </p:xfrm>
+        <a:graphic>
+          <a:graphicData uri="http://schemas.openxmlformats.org/drawingml/2006/diagram">
+            <dgm:relIds xmlns:dgm="http://schemas.openxmlformats.org/drawingml/2006/diagram" xmlns:r="http://schemas.openxmlformats.org/officeDocument/2006/relationships" r:dm="rId7" r:lo="rId8" r:qs="rId9" r:cs="rId10"/>
+          </a:graphicData>
+        </a:graphic>
+      </p:graphicFrame>
     </p:spTree>
     <p:extLst>
       <p:ext uri="{BB962C8B-B14F-4D97-AF65-F5344CB8AC3E}">
@@ -6262,6 +10589,473 @@
 </file>
 
 <file path=ppt/slides/slide10.xml><?xml version="1.0" encoding="utf-8"?>
+<p:sld xmlns:a="http://schemas.openxmlformats.org/drawingml/2006/main" xmlns:r="http://schemas.openxmlformats.org/officeDocument/2006/relationships" xmlns:p="http://schemas.openxmlformats.org/presentationml/2006/main">
+  <p:cSld>
+    <p:spTree>
+      <p:nvGrpSpPr>
+        <p:cNvPr id="1" name=""/>
+        <p:cNvGrpSpPr/>
+        <p:nvPr/>
+      </p:nvGrpSpPr>
+      <p:grpSpPr>
+        <a:xfrm>
+          <a:off x="0" y="0"/>
+          <a:ext cx="0" cy="0"/>
+          <a:chOff x="0" y="0"/>
+          <a:chExt cx="0" cy="0"/>
+        </a:xfrm>
+      </p:grpSpPr>
+      <p:sp>
+        <p:nvSpPr>
+          <p:cNvPr id="2" name="Title 1">
+            <a:extLst>
+              <a:ext uri="{FF2B5EF4-FFF2-40B4-BE49-F238E27FC236}">
+                <a16:creationId xmlns:a16="http://schemas.microsoft.com/office/drawing/2014/main" id="{8C5EF621-56F8-425D-82F3-F686FDC9DF33}"/>
+              </a:ext>
+            </a:extLst>
+          </p:cNvPr>
+          <p:cNvSpPr>
+            <a:spLocks noGrp="1"/>
+          </p:cNvSpPr>
+          <p:nvPr>
+            <p:ph type="title"/>
+          </p:nvPr>
+        </p:nvSpPr>
+        <p:spPr/>
+        <p:txBody>
+          <a:bodyPr/>
+          <a:lstStyle/>
+          <a:p>
+            <a:r>
+              <a:rPr lang="en-IN" sz="1800" dirty="0">
+                <a:solidFill>
+                  <a:srgbClr val="26262F"/>
+                </a:solidFill>
+                <a:effectLst/>
+                <a:latin typeface="Arial" panose="020B0604020202020204" pitchFamily="34" charset="0"/>
+                <a:ea typeface="Arial" panose="020B0604020202020204" pitchFamily="34" charset="0"/>
+              </a:rPr>
+              <a:t>. </a:t>
+            </a:r>
+            <a:r>
+              <a:rPr lang="en-IN" sz="1800" b="1" dirty="0">
+                <a:solidFill>
+                  <a:schemeClr val="tx2">
+                    <a:lumMod val="50000"/>
+                  </a:schemeClr>
+                </a:solidFill>
+                <a:effectLst/>
+                <a:latin typeface="Arial" panose="020B0604020202020204" pitchFamily="34" charset="0"/>
+                <a:ea typeface="Arial" panose="020B0604020202020204" pitchFamily="34" charset="0"/>
+              </a:rPr>
+              <a:t>Calculate the total revenue generated by each seller, and rank them by revenue.</a:t>
+            </a:r>
+            <a:br>
+              <a:rPr lang="en-IN" sz="1800" b="1" dirty="0">
+                <a:solidFill>
+                  <a:schemeClr val="tx2">
+                    <a:lumMod val="50000"/>
+                  </a:schemeClr>
+                </a:solidFill>
+                <a:effectLst/>
+                <a:latin typeface="Arial" panose="020B0604020202020204" pitchFamily="34" charset="0"/>
+                <a:ea typeface="Arial" panose="020B0604020202020204" pitchFamily="34" charset="0"/>
+              </a:rPr>
+            </a:br>
+            <a:endParaRPr lang="en-IN" b="1" dirty="0">
+              <a:solidFill>
+                <a:schemeClr val="tx2">
+                  <a:lumMod val="50000"/>
+                </a:schemeClr>
+              </a:solidFill>
+            </a:endParaRPr>
+          </a:p>
+        </p:txBody>
+      </p:sp>
+      <p:pic>
+        <p:nvPicPr>
+          <p:cNvPr id="4" name="Picture 3">
+            <a:extLst>
+              <a:ext uri="{FF2B5EF4-FFF2-40B4-BE49-F238E27FC236}">
+                <a16:creationId xmlns:a16="http://schemas.microsoft.com/office/drawing/2014/main" id="{EE76A2F8-0ABB-44EC-B073-3379618FF128}"/>
+              </a:ext>
+            </a:extLst>
+          </p:cNvPr>
+          <p:cNvPicPr>
+            <a:picLocks noChangeAspect="1"/>
+          </p:cNvPicPr>
+          <p:nvPr/>
+        </p:nvPicPr>
+        <p:blipFill>
+          <a:blip r:embed="rId2">
+            <a:extLst>
+              <a:ext uri="{28A0092B-C50C-407E-A947-70E740481C1C}">
+                <a14:useLocalDpi xmlns:a14="http://schemas.microsoft.com/office/drawing/2010/main" val="0"/>
+              </a:ext>
+            </a:extLst>
+          </a:blip>
+          <a:stretch>
+            <a:fillRect/>
+          </a:stretch>
+        </p:blipFill>
+        <p:spPr>
+          <a:xfrm>
+            <a:off x="0" y="1727683"/>
+            <a:ext cx="4734586" cy="1691378"/>
+          </a:xfrm>
+          <a:prstGeom prst="rect">
+            <a:avLst/>
+          </a:prstGeom>
+        </p:spPr>
+      </p:pic>
+      <p:pic>
+        <p:nvPicPr>
+          <p:cNvPr id="6" name="Picture 5">
+            <a:extLst>
+              <a:ext uri="{FF2B5EF4-FFF2-40B4-BE49-F238E27FC236}">
+                <a16:creationId xmlns:a16="http://schemas.microsoft.com/office/drawing/2014/main" id="{6E842165-443A-424C-BD45-6D1D130C0B91}"/>
+              </a:ext>
+            </a:extLst>
+          </p:cNvPr>
+          <p:cNvPicPr>
+            <a:picLocks noChangeAspect="1"/>
+          </p:cNvPicPr>
+          <p:nvPr/>
+        </p:nvPicPr>
+        <p:blipFill>
+          <a:blip r:embed="rId3">
+            <a:extLst>
+              <a:ext uri="{28A0092B-C50C-407E-A947-70E740481C1C}">
+                <a14:useLocalDpi xmlns:a14="http://schemas.microsoft.com/office/drawing/2010/main" val="0"/>
+              </a:ext>
+            </a:extLst>
+          </a:blip>
+          <a:stretch>
+            <a:fillRect/>
+          </a:stretch>
+        </p:blipFill>
+        <p:spPr>
+          <a:xfrm>
+            <a:off x="0" y="3623929"/>
+            <a:ext cx="4086795" cy="2591341"/>
+          </a:xfrm>
+          <a:prstGeom prst="rect">
+            <a:avLst/>
+          </a:prstGeom>
+        </p:spPr>
+      </p:pic>
+      <p:pic>
+        <p:nvPicPr>
+          <p:cNvPr id="8" name="Picture 7">
+            <a:extLst>
+              <a:ext uri="{FF2B5EF4-FFF2-40B4-BE49-F238E27FC236}">
+                <a16:creationId xmlns:a16="http://schemas.microsoft.com/office/drawing/2014/main" id="{72F3CC27-2992-4774-9481-1CCBE2709F63}"/>
+              </a:ext>
+            </a:extLst>
+          </p:cNvPr>
+          <p:cNvPicPr>
+            <a:picLocks noChangeAspect="1"/>
+          </p:cNvPicPr>
+          <p:nvPr/>
+        </p:nvPicPr>
+        <p:blipFill>
+          <a:blip r:embed="rId4">
+            <a:extLst>
+              <a:ext uri="{28A0092B-C50C-407E-A947-70E740481C1C}">
+                <a14:useLocalDpi xmlns:a14="http://schemas.microsoft.com/office/drawing/2010/main" val="0"/>
+              </a:ext>
+            </a:extLst>
+          </a:blip>
+          <a:stretch>
+            <a:fillRect/>
+          </a:stretch>
+        </p:blipFill>
+        <p:spPr>
+          <a:xfrm>
+            <a:off x="5879390" y="1715107"/>
+            <a:ext cx="6211167" cy="3599015"/>
+          </a:xfrm>
+          <a:prstGeom prst="rect">
+            <a:avLst/>
+          </a:prstGeom>
+        </p:spPr>
+      </p:pic>
+    </p:spTree>
+    <p:extLst>
+      <p:ext uri="{BB962C8B-B14F-4D97-AF65-F5344CB8AC3E}">
+        <p14:creationId xmlns:p14="http://schemas.microsoft.com/office/powerpoint/2010/main" val="407100230"/>
+      </p:ext>
+    </p:extLst>
+  </p:cSld>
+  <p:clrMapOvr>
+    <a:masterClrMapping/>
+  </p:clrMapOvr>
+</p:sld>
+</file>
+
+<file path=ppt/slides/slide11.xml><?xml version="1.0" encoding="utf-8"?>
+<p:sld xmlns:a="http://schemas.openxmlformats.org/drawingml/2006/main" xmlns:r="http://schemas.openxmlformats.org/officeDocument/2006/relationships" xmlns:p="http://schemas.openxmlformats.org/presentationml/2006/main">
+  <p:cSld>
+    <p:spTree>
+      <p:nvGrpSpPr>
+        <p:cNvPr id="1" name=""/>
+        <p:cNvGrpSpPr/>
+        <p:nvPr/>
+      </p:nvGrpSpPr>
+      <p:grpSpPr>
+        <a:xfrm>
+          <a:off x="0" y="0"/>
+          <a:ext cx="0" cy="0"/>
+          <a:chOff x="0" y="0"/>
+          <a:chExt cx="0" cy="0"/>
+        </a:xfrm>
+      </p:grpSpPr>
+      <p:sp>
+        <p:nvSpPr>
+          <p:cNvPr id="2" name="Title 1">
+            <a:extLst>
+              <a:ext uri="{FF2B5EF4-FFF2-40B4-BE49-F238E27FC236}">
+                <a16:creationId xmlns:a16="http://schemas.microsoft.com/office/drawing/2014/main" id="{0F80E69D-B7D9-4BB7-830F-AD497C30545F}"/>
+              </a:ext>
+            </a:extLst>
+          </p:cNvPr>
+          <p:cNvSpPr>
+            <a:spLocks noGrp="1"/>
+          </p:cNvSpPr>
+          <p:nvPr>
+            <p:ph type="title"/>
+          </p:nvPr>
+        </p:nvSpPr>
+        <p:spPr/>
+        <p:txBody>
+          <a:bodyPr/>
+          <a:lstStyle/>
+          <a:p>
+            <a:pPr>
+              <a:lnSpc>
+                <a:spcPct val="115000"/>
+              </a:lnSpc>
+            </a:pPr>
+            <a:r>
+              <a:rPr lang="en-IN" sz="1800" b="1" dirty="0">
+                <a:solidFill>
+                  <a:schemeClr val="tx2">
+                    <a:lumMod val="50000"/>
+                  </a:schemeClr>
+                </a:solidFill>
+                <a:effectLst/>
+                <a:latin typeface="Archivo"/>
+                <a:ea typeface="Archivo"/>
+                <a:cs typeface="Archivo"/>
+              </a:rPr>
+              <a:t>ADVANCED </a:t>
+            </a:r>
+            <a:r>
+              <a:rPr lang="en-IN" sz="1800" b="1" dirty="0">
+                <a:solidFill>
+                  <a:schemeClr val="tx2">
+                    <a:lumMod val="50000"/>
+                  </a:schemeClr>
+                </a:solidFill>
+                <a:latin typeface="Arial" panose="020B0604020202020204" pitchFamily="34" charset="0"/>
+                <a:ea typeface="Archivo"/>
+                <a:cs typeface="Archivo"/>
+              </a:rPr>
+              <a:t>PROBLEMS</a:t>
+            </a:r>
+            <a:br>
+              <a:rPr lang="en-IN" sz="1800" b="1" dirty="0">
+                <a:solidFill>
+                  <a:schemeClr val="tx2">
+                    <a:lumMod val="50000"/>
+                  </a:schemeClr>
+                </a:solidFill>
+                <a:latin typeface="Arial" panose="020B0604020202020204" pitchFamily="34" charset="0"/>
+                <a:ea typeface="Archivo"/>
+                <a:cs typeface="Archivo"/>
+              </a:rPr>
+            </a:br>
+            <a:r>
+              <a:rPr lang="en-IN" sz="1800" b="1" dirty="0">
+                <a:solidFill>
+                  <a:schemeClr val="tx2">
+                    <a:lumMod val="50000"/>
+                  </a:schemeClr>
+                </a:solidFill>
+                <a:effectLst/>
+                <a:latin typeface="Arial" panose="020B0604020202020204" pitchFamily="34" charset="0"/>
+                <a:ea typeface="Arial" panose="020B0604020202020204" pitchFamily="34" charset="0"/>
+              </a:rPr>
+              <a:t>Objective: Generate strategic and customer-centric insights</a:t>
+            </a:r>
+            <a:br>
+              <a:rPr lang="en-IN" sz="1800" b="1" dirty="0">
+                <a:solidFill>
+                  <a:schemeClr val="tx2">
+                    <a:lumMod val="50000"/>
+                  </a:schemeClr>
+                </a:solidFill>
+                <a:effectLst/>
+                <a:latin typeface="Arial" panose="020B0604020202020204" pitchFamily="34" charset="0"/>
+                <a:ea typeface="Arial" panose="020B0604020202020204" pitchFamily="34" charset="0"/>
+              </a:rPr>
+            </a:br>
+            <a:r>
+              <a:rPr lang="en-IN" sz="1600" b="1" dirty="0">
+                <a:solidFill>
+                  <a:schemeClr val="tx2">
+                    <a:lumMod val="50000"/>
+                  </a:schemeClr>
+                </a:solidFill>
+                <a:effectLst/>
+                <a:latin typeface="Arial" panose="020B0604020202020204" pitchFamily="34" charset="0"/>
+                <a:ea typeface="Arial" panose="020B0604020202020204" pitchFamily="34" charset="0"/>
+              </a:rPr>
+              <a:t>. Calculate the moving average of order values for each customer over their order history</a:t>
+            </a:r>
+            <a:r>
+              <a:rPr lang="en-IN" sz="1800" dirty="0">
+                <a:solidFill>
+                  <a:srgbClr val="26262F"/>
+                </a:solidFill>
+                <a:effectLst/>
+                <a:latin typeface="Arial" panose="020B0604020202020204" pitchFamily="34" charset="0"/>
+                <a:ea typeface="Arial" panose="020B0604020202020204" pitchFamily="34" charset="0"/>
+              </a:rPr>
+              <a:t>. </a:t>
+            </a:r>
+            <a:endParaRPr lang="en-IN" b="1" dirty="0">
+              <a:solidFill>
+                <a:schemeClr val="tx2">
+                  <a:lumMod val="50000"/>
+                </a:schemeClr>
+              </a:solidFill>
+            </a:endParaRPr>
+          </a:p>
+        </p:txBody>
+      </p:sp>
+      <p:pic>
+        <p:nvPicPr>
+          <p:cNvPr id="4" name="Picture 3">
+            <a:extLst>
+              <a:ext uri="{FF2B5EF4-FFF2-40B4-BE49-F238E27FC236}">
+                <a16:creationId xmlns:a16="http://schemas.microsoft.com/office/drawing/2014/main" id="{7D9A8A83-D75D-4B4D-89F7-938CABF2E27F}"/>
+              </a:ext>
+            </a:extLst>
+          </p:cNvPr>
+          <p:cNvPicPr>
+            <a:picLocks noChangeAspect="1"/>
+          </p:cNvPicPr>
+          <p:nvPr/>
+        </p:nvPicPr>
+        <p:blipFill>
+          <a:blip r:embed="rId2">
+            <a:extLst>
+              <a:ext uri="{28A0092B-C50C-407E-A947-70E740481C1C}">
+                <a14:useLocalDpi xmlns:a14="http://schemas.microsoft.com/office/drawing/2010/main" val="0"/>
+              </a:ext>
+            </a:extLst>
+          </a:blip>
+          <a:stretch>
+            <a:fillRect/>
+          </a:stretch>
+        </p:blipFill>
+        <p:spPr>
+          <a:xfrm>
+            <a:off x="0" y="1802296"/>
+            <a:ext cx="5777948" cy="1895061"/>
+          </a:xfrm>
+          <a:prstGeom prst="rect">
+            <a:avLst/>
+          </a:prstGeom>
+        </p:spPr>
+      </p:pic>
+      <p:pic>
+        <p:nvPicPr>
+          <p:cNvPr id="6" name="Picture 5">
+            <a:extLst>
+              <a:ext uri="{FF2B5EF4-FFF2-40B4-BE49-F238E27FC236}">
+                <a16:creationId xmlns:a16="http://schemas.microsoft.com/office/drawing/2014/main" id="{D4BCFD9F-4A0B-474C-BC80-FF780F7AE0C9}"/>
+              </a:ext>
+            </a:extLst>
+          </p:cNvPr>
+          <p:cNvPicPr>
+            <a:picLocks noChangeAspect="1"/>
+          </p:cNvPicPr>
+          <p:nvPr/>
+        </p:nvPicPr>
+        <p:blipFill>
+          <a:blip r:embed="rId3">
+            <a:extLst>
+              <a:ext uri="{28A0092B-C50C-407E-A947-70E740481C1C}">
+                <a14:useLocalDpi xmlns:a14="http://schemas.microsoft.com/office/drawing/2010/main" val="0"/>
+              </a:ext>
+            </a:extLst>
+          </a:blip>
+          <a:stretch>
+            <a:fillRect/>
+          </a:stretch>
+        </p:blipFill>
+        <p:spPr>
+          <a:xfrm>
+            <a:off x="0" y="4044462"/>
+            <a:ext cx="5689905" cy="2329833"/>
+          </a:xfrm>
+          <a:prstGeom prst="rect">
+            <a:avLst/>
+          </a:prstGeom>
+        </p:spPr>
+      </p:pic>
+      <p:pic>
+        <p:nvPicPr>
+          <p:cNvPr id="8" name="Picture 7">
+            <a:extLst>
+              <a:ext uri="{FF2B5EF4-FFF2-40B4-BE49-F238E27FC236}">
+                <a16:creationId xmlns:a16="http://schemas.microsoft.com/office/drawing/2014/main" id="{55F930A2-2FC0-44C7-AC21-BEF7BF5BD256}"/>
+              </a:ext>
+            </a:extLst>
+          </p:cNvPr>
+          <p:cNvPicPr>
+            <a:picLocks noChangeAspect="1"/>
+          </p:cNvPicPr>
+          <p:nvPr/>
+        </p:nvPicPr>
+        <p:blipFill>
+          <a:blip r:embed="rId4">
+            <a:extLst>
+              <a:ext uri="{28A0092B-C50C-407E-A947-70E740481C1C}">
+                <a14:useLocalDpi xmlns:a14="http://schemas.microsoft.com/office/drawing/2010/main" val="0"/>
+              </a:ext>
+            </a:extLst>
+          </a:blip>
+          <a:stretch>
+            <a:fillRect/>
+          </a:stretch>
+        </p:blipFill>
+        <p:spPr>
+          <a:xfrm>
+            <a:off x="5970016" y="2153805"/>
+            <a:ext cx="6221984" cy="4498786"/>
+          </a:xfrm>
+          <a:prstGeom prst="rect">
+            <a:avLst/>
+          </a:prstGeom>
+        </p:spPr>
+      </p:pic>
+    </p:spTree>
+    <p:extLst>
+      <p:ext uri="{BB962C8B-B14F-4D97-AF65-F5344CB8AC3E}">
+        <p14:creationId xmlns:p14="http://schemas.microsoft.com/office/powerpoint/2010/main" val="2921699705"/>
+      </p:ext>
+    </p:extLst>
+  </p:cSld>
+  <p:clrMapOvr>
+    <a:masterClrMapping/>
+  </p:clrMapOvr>
+</p:sld>
+</file>
+
+<file path=ppt/slides/slide12.xml><?xml version="1.0" encoding="utf-8"?>
 <p:sld xmlns:a="http://schemas.openxmlformats.org/drawingml/2006/main" xmlns:r="http://schemas.openxmlformats.org/officeDocument/2006/relationships" xmlns:p="http://schemas.openxmlformats.org/presentationml/2006/main">
   <p:cSld>
     <p:spTree>
@@ -6331,10 +11125,10 @@
       </p:sp>
       <p:pic>
         <p:nvPicPr>
-          <p:cNvPr id="4" name="Picture 3">
+          <p:cNvPr id="6" name="Picture 5">
             <a:extLst>
               <a:ext uri="{FF2B5EF4-FFF2-40B4-BE49-F238E27FC236}">
-                <a16:creationId xmlns:a16="http://schemas.microsoft.com/office/drawing/2014/main" id="{4D56B97F-FE6A-4EBF-BE02-A0615AEA1B3B}"/>
+                <a16:creationId xmlns:a16="http://schemas.microsoft.com/office/drawing/2014/main" id="{A834DC9B-B475-408A-9697-9BF31167DDBB}"/>
               </a:ext>
             </a:extLst>
           </p:cNvPr>
@@ -6357,8 +11151,8 @@
         </p:blipFill>
         <p:spPr>
           <a:xfrm>
-            <a:off x="0" y="1053006"/>
-            <a:ext cx="5592417" cy="3028663"/>
+            <a:off x="159026" y="4272439"/>
+            <a:ext cx="5128591" cy="2380152"/>
           </a:xfrm>
           <a:prstGeom prst="rect">
             <a:avLst/>
@@ -6367,10 +11161,10 @@
       </p:pic>
       <p:pic>
         <p:nvPicPr>
-          <p:cNvPr id="6" name="Picture 5">
+          <p:cNvPr id="8" name="Picture 7">
             <a:extLst>
               <a:ext uri="{FF2B5EF4-FFF2-40B4-BE49-F238E27FC236}">
-                <a16:creationId xmlns:a16="http://schemas.microsoft.com/office/drawing/2014/main" id="{A834DC9B-B475-408A-9697-9BF31167DDBB}"/>
+                <a16:creationId xmlns:a16="http://schemas.microsoft.com/office/drawing/2014/main" id="{F2E804E8-1F61-4AD7-9F1C-95BD373968B2}"/>
               </a:ext>
             </a:extLst>
           </p:cNvPr>
@@ -6393,8 +11187,8 @@
         </p:blipFill>
         <p:spPr>
           <a:xfrm>
-            <a:off x="0" y="4113413"/>
-            <a:ext cx="5128591" cy="2380152"/>
+            <a:off x="6665843" y="1283966"/>
+            <a:ext cx="5526157" cy="4228938"/>
           </a:xfrm>
           <a:prstGeom prst="rect">
             <a:avLst/>
@@ -6403,10 +11197,10 @@
       </p:pic>
       <p:pic>
         <p:nvPicPr>
-          <p:cNvPr id="8" name="Picture 7">
+          <p:cNvPr id="5" name="Picture 4">
             <a:extLst>
               <a:ext uri="{FF2B5EF4-FFF2-40B4-BE49-F238E27FC236}">
-                <a16:creationId xmlns:a16="http://schemas.microsoft.com/office/drawing/2014/main" id="{F2E804E8-1F61-4AD7-9F1C-95BD373968B2}"/>
+                <a16:creationId xmlns:a16="http://schemas.microsoft.com/office/drawing/2014/main" id="{5A169ED1-3844-4E4D-B160-0A9F910E6544}"/>
               </a:ext>
             </a:extLst>
           </p:cNvPr>
@@ -6429,8 +11223,8 @@
         </p:blipFill>
         <p:spPr>
           <a:xfrm>
-            <a:off x="5950226" y="1283966"/>
-            <a:ext cx="6241774" cy="3990399"/>
+            <a:off x="0" y="940904"/>
+            <a:ext cx="6487430" cy="3034748"/>
           </a:xfrm>
           <a:prstGeom prst="rect">
             <a:avLst/>
@@ -6450,7 +11244,481 @@
 </p:sld>
 </file>
 
-<file path=ppt/slides/slide11.xml><?xml version="1.0" encoding="utf-8"?>
+<file path=ppt/slides/slide13.xml><?xml version="1.0" encoding="utf-8"?>
+<p:sld xmlns:a="http://schemas.openxmlformats.org/drawingml/2006/main" xmlns:r="http://schemas.openxmlformats.org/officeDocument/2006/relationships" xmlns:p="http://schemas.openxmlformats.org/presentationml/2006/main">
+  <p:cSld>
+    <p:spTree>
+      <p:nvGrpSpPr>
+        <p:cNvPr id="1" name=""/>
+        <p:cNvGrpSpPr/>
+        <p:nvPr/>
+      </p:nvGrpSpPr>
+      <p:grpSpPr>
+        <a:xfrm>
+          <a:off x="0" y="0"/>
+          <a:ext cx="0" cy="0"/>
+          <a:chOff x="0" y="0"/>
+          <a:chExt cx="0" cy="0"/>
+        </a:xfrm>
+      </p:grpSpPr>
+      <p:sp>
+        <p:nvSpPr>
+          <p:cNvPr id="3" name="TextBox 2">
+            <a:extLst>
+              <a:ext uri="{FF2B5EF4-FFF2-40B4-BE49-F238E27FC236}">
+                <a16:creationId xmlns:a16="http://schemas.microsoft.com/office/drawing/2014/main" id="{DB39539A-16C4-477D-966E-72AD91BE0EDA}"/>
+              </a:ext>
+            </a:extLst>
+          </p:cNvPr>
+          <p:cNvSpPr txBox="1"/>
+          <p:nvPr/>
+        </p:nvSpPr>
+        <p:spPr>
+          <a:xfrm>
+            <a:off x="2729947" y="173142"/>
+            <a:ext cx="6096000" cy="830997"/>
+          </a:xfrm>
+          <a:prstGeom prst="rect">
+            <a:avLst/>
+          </a:prstGeom>
+          <a:noFill/>
+        </p:spPr>
+        <p:txBody>
+          <a:bodyPr wrap="square">
+            <a:spAutoFit/>
+          </a:bodyPr>
+          <a:lstStyle/>
+          <a:p>
+            <a:pPr algn="ctr"/>
+            <a:r>
+              <a:rPr lang="en-IN" sz="2400" b="1" dirty="0">
+                <a:solidFill>
+                  <a:schemeClr val="tx2">
+                    <a:lumMod val="50000"/>
+                  </a:schemeClr>
+                </a:solidFill>
+                <a:effectLst/>
+                <a:latin typeface="Arial" panose="020B0604020202020204" pitchFamily="34" charset="0"/>
+                <a:ea typeface="Arial" panose="020B0604020202020204" pitchFamily="34" charset="0"/>
+              </a:rPr>
+              <a:t>. Calculate the year-over-year growth rate of total sales</a:t>
+            </a:r>
+            <a:endParaRPr lang="en-IN" sz="2400" b="1" dirty="0">
+              <a:solidFill>
+                <a:schemeClr val="tx2">
+                  <a:lumMod val="50000"/>
+                </a:schemeClr>
+              </a:solidFill>
+            </a:endParaRPr>
+          </a:p>
+        </p:txBody>
+      </p:sp>
+      <p:pic>
+        <p:nvPicPr>
+          <p:cNvPr id="5" name="Picture 4">
+            <a:extLst>
+              <a:ext uri="{FF2B5EF4-FFF2-40B4-BE49-F238E27FC236}">
+                <a16:creationId xmlns:a16="http://schemas.microsoft.com/office/drawing/2014/main" id="{40E10BA5-D7CC-4776-AF0E-5611DEE03A84}"/>
+              </a:ext>
+            </a:extLst>
+          </p:cNvPr>
+          <p:cNvPicPr>
+            <a:picLocks noChangeAspect="1"/>
+          </p:cNvPicPr>
+          <p:nvPr/>
+        </p:nvPicPr>
+        <p:blipFill>
+          <a:blip r:embed="rId2">
+            <a:extLst>
+              <a:ext uri="{28A0092B-C50C-407E-A947-70E740481C1C}">
+                <a14:useLocalDpi xmlns:a14="http://schemas.microsoft.com/office/drawing/2010/main" val="0"/>
+              </a:ext>
+            </a:extLst>
+          </a:blip>
+          <a:stretch>
+            <a:fillRect/>
+          </a:stretch>
+        </p:blipFill>
+        <p:spPr>
+          <a:xfrm>
+            <a:off x="1" y="1142003"/>
+            <a:ext cx="5327373" cy="3390240"/>
+          </a:xfrm>
+          <a:prstGeom prst="rect">
+            <a:avLst/>
+          </a:prstGeom>
+        </p:spPr>
+      </p:pic>
+      <p:pic>
+        <p:nvPicPr>
+          <p:cNvPr id="7" name="Picture 6">
+            <a:extLst>
+              <a:ext uri="{FF2B5EF4-FFF2-40B4-BE49-F238E27FC236}">
+                <a16:creationId xmlns:a16="http://schemas.microsoft.com/office/drawing/2014/main" id="{8B3A8179-B3E9-4411-81E9-79D38E68E66D}"/>
+              </a:ext>
+            </a:extLst>
+          </p:cNvPr>
+          <p:cNvPicPr>
+            <a:picLocks noChangeAspect="1"/>
+          </p:cNvPicPr>
+          <p:nvPr/>
+        </p:nvPicPr>
+        <p:blipFill>
+          <a:blip r:embed="rId3">
+            <a:extLst>
+              <a:ext uri="{28A0092B-C50C-407E-A947-70E740481C1C}">
+                <a14:useLocalDpi xmlns:a14="http://schemas.microsoft.com/office/drawing/2010/main" val="0"/>
+              </a:ext>
+            </a:extLst>
+          </a:blip>
+          <a:stretch>
+            <a:fillRect/>
+          </a:stretch>
+        </p:blipFill>
+        <p:spPr>
+          <a:xfrm>
+            <a:off x="0" y="4625009"/>
+            <a:ext cx="5102087" cy="1855304"/>
+          </a:xfrm>
+          <a:prstGeom prst="rect">
+            <a:avLst/>
+          </a:prstGeom>
+        </p:spPr>
+      </p:pic>
+      <p:pic>
+        <p:nvPicPr>
+          <p:cNvPr id="9" name="Picture 8">
+            <a:extLst>
+              <a:ext uri="{FF2B5EF4-FFF2-40B4-BE49-F238E27FC236}">
+                <a16:creationId xmlns:a16="http://schemas.microsoft.com/office/drawing/2014/main" id="{59349E71-E09A-4C5C-8171-C22E4053EFF2}"/>
+              </a:ext>
+            </a:extLst>
+          </p:cNvPr>
+          <p:cNvPicPr>
+            <a:picLocks noChangeAspect="1"/>
+          </p:cNvPicPr>
+          <p:nvPr/>
+        </p:nvPicPr>
+        <p:blipFill>
+          <a:blip r:embed="rId4">
+            <a:extLst>
+              <a:ext uri="{28A0092B-C50C-407E-A947-70E740481C1C}">
+                <a14:useLocalDpi xmlns:a14="http://schemas.microsoft.com/office/drawing/2010/main" val="0"/>
+              </a:ext>
+            </a:extLst>
+          </a:blip>
+          <a:stretch>
+            <a:fillRect/>
+          </a:stretch>
+        </p:blipFill>
+        <p:spPr>
+          <a:xfrm>
+            <a:off x="5374305" y="1249016"/>
+            <a:ext cx="6817695" cy="2981741"/>
+          </a:xfrm>
+          <a:prstGeom prst="rect">
+            <a:avLst/>
+          </a:prstGeom>
+        </p:spPr>
+      </p:pic>
+    </p:spTree>
+    <p:extLst>
+      <p:ext uri="{BB962C8B-B14F-4D97-AF65-F5344CB8AC3E}">
+        <p14:creationId xmlns:p14="http://schemas.microsoft.com/office/powerpoint/2010/main" val="3728036629"/>
+      </p:ext>
+    </p:extLst>
+  </p:cSld>
+  <p:clrMapOvr>
+    <a:masterClrMapping/>
+  </p:clrMapOvr>
+</p:sld>
+</file>
+
+<file path=ppt/slides/slide14.xml><?xml version="1.0" encoding="utf-8"?>
+<p:sld xmlns:a="http://schemas.openxmlformats.org/drawingml/2006/main" xmlns:r="http://schemas.openxmlformats.org/officeDocument/2006/relationships" xmlns:p="http://schemas.openxmlformats.org/presentationml/2006/main">
+  <p:cSld>
+    <p:spTree>
+      <p:nvGrpSpPr>
+        <p:cNvPr id="1" name=""/>
+        <p:cNvGrpSpPr/>
+        <p:nvPr/>
+      </p:nvGrpSpPr>
+      <p:grpSpPr>
+        <a:xfrm>
+          <a:off x="0" y="0"/>
+          <a:ext cx="0" cy="0"/>
+          <a:chOff x="0" y="0"/>
+          <a:chExt cx="0" cy="0"/>
+        </a:xfrm>
+      </p:grpSpPr>
+      <p:sp>
+        <p:nvSpPr>
+          <p:cNvPr id="3" name="TextBox 2">
+            <a:extLst>
+              <a:ext uri="{FF2B5EF4-FFF2-40B4-BE49-F238E27FC236}">
+                <a16:creationId xmlns:a16="http://schemas.microsoft.com/office/drawing/2014/main" id="{1F7C91EF-0233-4669-9E7A-CCE978639689}"/>
+              </a:ext>
+            </a:extLst>
+          </p:cNvPr>
+          <p:cNvSpPr txBox="1"/>
+          <p:nvPr/>
+        </p:nvSpPr>
+        <p:spPr>
+          <a:xfrm>
+            <a:off x="0" y="147935"/>
+            <a:ext cx="12191999" cy="984885"/>
+          </a:xfrm>
+          <a:prstGeom prst="rect">
+            <a:avLst/>
+          </a:prstGeom>
+          <a:noFill/>
+        </p:spPr>
+        <p:txBody>
+          <a:bodyPr wrap="square">
+            <a:spAutoFit/>
+          </a:bodyPr>
+          <a:lstStyle/>
+          <a:p>
+            <a:pPr algn="ctr"/>
+            <a:r>
+              <a:rPr lang="en-IN" sz="2000" b="1" dirty="0">
+                <a:solidFill>
+                  <a:schemeClr val="tx2">
+                    <a:lumMod val="50000"/>
+                  </a:schemeClr>
+                </a:solidFill>
+                <a:effectLst/>
+                <a:latin typeface="Arial" panose="020B0604020202020204" pitchFamily="34" charset="0"/>
+                <a:ea typeface="Arial" panose="020B0604020202020204" pitchFamily="34" charset="0"/>
+              </a:rPr>
+              <a:t>IDENTIFY THE TOP 3 CUSTOMERS WHO SPENT THE MOST MONEY IN EACH YEAR.</a:t>
+            </a:r>
+          </a:p>
+          <a:p>
+            <a:pPr algn="ctr"/>
+            <a:r>
+              <a:rPr lang="en-IN" sz="2000" b="1" dirty="0" err="1">
+                <a:solidFill>
+                  <a:schemeClr val="tx2">
+                    <a:lumMod val="50000"/>
+                  </a:schemeClr>
+                </a:solidFill>
+                <a:latin typeface="Arial" panose="020B0604020202020204" pitchFamily="34" charset="0"/>
+                <a:ea typeface="Arial" panose="020B0604020202020204" pitchFamily="34" charset="0"/>
+              </a:rPr>
+              <a:t>Sql</a:t>
+            </a:r>
+            <a:r>
+              <a:rPr lang="en-IN" sz="2000" b="1" dirty="0">
+                <a:solidFill>
+                  <a:schemeClr val="tx2">
+                    <a:lumMod val="50000"/>
+                  </a:schemeClr>
+                </a:solidFill>
+                <a:latin typeface="Arial" panose="020B0604020202020204" pitchFamily="34" charset="0"/>
+                <a:ea typeface="Arial" panose="020B0604020202020204" pitchFamily="34" charset="0"/>
+              </a:rPr>
+              <a:t> query</a:t>
+            </a:r>
+            <a:endParaRPr lang="en-IN" sz="2000" b="1" dirty="0">
+              <a:solidFill>
+                <a:schemeClr val="tx2">
+                  <a:lumMod val="50000"/>
+                </a:schemeClr>
+              </a:solidFill>
+              <a:effectLst/>
+              <a:latin typeface="Arial" panose="020B0604020202020204" pitchFamily="34" charset="0"/>
+              <a:ea typeface="Arial" panose="020B0604020202020204" pitchFamily="34" charset="0"/>
+            </a:endParaRPr>
+          </a:p>
+          <a:p>
+            <a:pPr algn="ctr"/>
+            <a:endParaRPr lang="en-IN" dirty="0"/>
+          </a:p>
+        </p:txBody>
+      </p:sp>
+      <p:pic>
+        <p:nvPicPr>
+          <p:cNvPr id="9" name="Picture 8">
+            <a:extLst>
+              <a:ext uri="{FF2B5EF4-FFF2-40B4-BE49-F238E27FC236}">
+                <a16:creationId xmlns:a16="http://schemas.microsoft.com/office/drawing/2014/main" id="{5D2EFC56-F893-4515-BD21-499A84DAA199}"/>
+              </a:ext>
+            </a:extLst>
+          </p:cNvPr>
+          <p:cNvPicPr>
+            <a:picLocks noChangeAspect="1"/>
+          </p:cNvPicPr>
+          <p:nvPr/>
+        </p:nvPicPr>
+        <p:blipFill>
+          <a:blip r:embed="rId2">
+            <a:extLst>
+              <a:ext uri="{28A0092B-C50C-407E-A947-70E740481C1C}">
+                <a14:useLocalDpi xmlns:a14="http://schemas.microsoft.com/office/drawing/2010/main" val="0"/>
+              </a:ext>
+            </a:extLst>
+          </a:blip>
+          <a:stretch>
+            <a:fillRect/>
+          </a:stretch>
+        </p:blipFill>
+        <p:spPr>
+          <a:xfrm>
+            <a:off x="0" y="1033106"/>
+            <a:ext cx="6347791" cy="2929293"/>
+          </a:xfrm>
+          <a:prstGeom prst="rect">
+            <a:avLst/>
+          </a:prstGeom>
+        </p:spPr>
+      </p:pic>
+      <p:pic>
+        <p:nvPicPr>
+          <p:cNvPr id="11" name="Picture 10">
+            <a:extLst>
+              <a:ext uri="{FF2B5EF4-FFF2-40B4-BE49-F238E27FC236}">
+                <a16:creationId xmlns:a16="http://schemas.microsoft.com/office/drawing/2014/main" id="{80273BE6-6360-40F3-A761-10556E466D3F}"/>
+              </a:ext>
+            </a:extLst>
+          </p:cNvPr>
+          <p:cNvPicPr>
+            <a:picLocks noChangeAspect="1"/>
+          </p:cNvPicPr>
+          <p:nvPr/>
+        </p:nvPicPr>
+        <p:blipFill>
+          <a:blip r:embed="rId3">
+            <a:extLst>
+              <a:ext uri="{28A0092B-C50C-407E-A947-70E740481C1C}">
+                <a14:useLocalDpi xmlns:a14="http://schemas.microsoft.com/office/drawing/2010/main" val="0"/>
+              </a:ext>
+            </a:extLst>
+          </a:blip>
+          <a:stretch>
+            <a:fillRect/>
+          </a:stretch>
+        </p:blipFill>
+        <p:spPr>
+          <a:xfrm>
+            <a:off x="6771860" y="1113183"/>
+            <a:ext cx="4187687" cy="2535242"/>
+          </a:xfrm>
+          <a:prstGeom prst="rect">
+            <a:avLst/>
+          </a:prstGeom>
+        </p:spPr>
+      </p:pic>
+      <p:pic>
+        <p:nvPicPr>
+          <p:cNvPr id="13" name="Picture 12">
+            <a:extLst>
+              <a:ext uri="{FF2B5EF4-FFF2-40B4-BE49-F238E27FC236}">
+                <a16:creationId xmlns:a16="http://schemas.microsoft.com/office/drawing/2014/main" id="{8DD624B8-CE86-4A83-AA45-C4350C0FF4E5}"/>
+              </a:ext>
+            </a:extLst>
+          </p:cNvPr>
+          <p:cNvPicPr>
+            <a:picLocks noChangeAspect="1"/>
+          </p:cNvPicPr>
+          <p:nvPr/>
+        </p:nvPicPr>
+        <p:blipFill>
+          <a:blip r:embed="rId4">
+            <a:extLst>
+              <a:ext uri="{28A0092B-C50C-407E-A947-70E740481C1C}">
+                <a14:useLocalDpi xmlns:a14="http://schemas.microsoft.com/office/drawing/2010/main" val="0"/>
+              </a:ext>
+            </a:extLst>
+          </a:blip>
+          <a:stretch>
+            <a:fillRect/>
+          </a:stretch>
+        </p:blipFill>
+        <p:spPr>
+          <a:xfrm>
+            <a:off x="800527" y="4371628"/>
+            <a:ext cx="8735644" cy="2486372"/>
+          </a:xfrm>
+          <a:prstGeom prst="rect">
+            <a:avLst/>
+          </a:prstGeom>
+        </p:spPr>
+      </p:pic>
+      <p:sp>
+        <p:nvSpPr>
+          <p:cNvPr id="14" name="Rectangle 13">
+            <a:extLst>
+              <a:ext uri="{FF2B5EF4-FFF2-40B4-BE49-F238E27FC236}">
+                <a16:creationId xmlns:a16="http://schemas.microsoft.com/office/drawing/2014/main" id="{8E9B8EA9-AA20-4B6F-9353-97FE718D253D}"/>
+              </a:ext>
+            </a:extLst>
+          </p:cNvPr>
+          <p:cNvSpPr/>
+          <p:nvPr/>
+        </p:nvSpPr>
+        <p:spPr>
+          <a:xfrm>
+            <a:off x="3750366" y="4041912"/>
+            <a:ext cx="3180521" cy="331305"/>
+          </a:xfrm>
+          <a:prstGeom prst="rect">
+            <a:avLst/>
+          </a:prstGeom>
+        </p:spPr>
+        <p:style>
+          <a:lnRef idx="2">
+            <a:schemeClr val="accent6"/>
+          </a:lnRef>
+          <a:fillRef idx="1">
+            <a:schemeClr val="lt1"/>
+          </a:fillRef>
+          <a:effectRef idx="0">
+            <a:schemeClr val="accent6"/>
+          </a:effectRef>
+          <a:fontRef idx="minor">
+            <a:schemeClr val="dk1"/>
+          </a:fontRef>
+        </p:style>
+        <p:txBody>
+          <a:bodyPr rtlCol="0" anchor="ctr"/>
+          <a:lstStyle/>
+          <a:p>
+            <a:pPr algn="ctr"/>
+            <a:r>
+              <a:rPr lang="en-US" sz="2000" b="1" dirty="0">
+                <a:solidFill>
+                  <a:schemeClr val="tx2">
+                    <a:lumMod val="50000"/>
+                  </a:schemeClr>
+                </a:solidFill>
+              </a:rPr>
+              <a:t>Python code</a:t>
+            </a:r>
+            <a:endParaRPr lang="en-IN" sz="2000" b="1" dirty="0">
+              <a:solidFill>
+                <a:schemeClr val="tx2">
+                  <a:lumMod val="50000"/>
+                </a:schemeClr>
+              </a:solidFill>
+            </a:endParaRPr>
+          </a:p>
+        </p:txBody>
+      </p:sp>
+    </p:spTree>
+    <p:extLst>
+      <p:ext uri="{BB962C8B-B14F-4D97-AF65-F5344CB8AC3E}">
+        <p14:creationId xmlns:p14="http://schemas.microsoft.com/office/powerpoint/2010/main" val="1213242585"/>
+      </p:ext>
+    </p:extLst>
+  </p:cSld>
+  <p:clrMapOvr>
+    <a:masterClrMapping/>
+  </p:clrMapOvr>
+</p:sld>
+</file>
+
+<file path=ppt/slides/slide15.xml><?xml version="1.0" encoding="utf-8"?>
 <p:sld xmlns:a="http://schemas.openxmlformats.org/drawingml/2006/main" xmlns:r="http://schemas.openxmlformats.org/officeDocument/2006/relationships" xmlns:p="http://schemas.openxmlformats.org/presentationml/2006/main">
   <p:cSld>
     <p:spTree>
@@ -6714,7 +11982,7 @@
 </p:sld>
 </file>
 
-<file path=ppt/slides/slide12.xml><?xml version="1.0" encoding="utf-8"?>
+<file path=ppt/slides/slide16.xml><?xml version="1.0" encoding="utf-8"?>
 <p:sld xmlns:a="http://schemas.openxmlformats.org/drawingml/2006/main" xmlns:r="http://schemas.openxmlformats.org/officeDocument/2006/relationships" xmlns:p="http://schemas.openxmlformats.org/presentationml/2006/main">
   <p:cSld>
     <p:spTree>
@@ -7075,8 +12343,8 @@
         </p:blipFill>
         <p:spPr>
           <a:xfrm>
-            <a:off x="7553739" y="1828472"/>
-            <a:ext cx="4678018" cy="1600528"/>
+            <a:off x="6701051" y="1828471"/>
+            <a:ext cx="5530706" cy="2129379"/>
           </a:xfrm>
           <a:prstGeom prst="rect">
             <a:avLst/>
@@ -7111,8 +12379,8 @@
         </p:blipFill>
         <p:spPr>
           <a:xfrm>
-            <a:off x="159026" y="1828472"/>
-            <a:ext cx="3719842" cy="1060502"/>
+            <a:off x="159025" y="1828472"/>
+            <a:ext cx="4590395" cy="1815480"/>
           </a:xfrm>
           <a:prstGeom prst="rect">
             <a:avLst/>
@@ -7147,182 +12415,8 @@
         </p:blipFill>
         <p:spPr>
           <a:xfrm>
-            <a:off x="0" y="2888974"/>
-            <a:ext cx="2570922" cy="1468291"/>
-          </a:xfrm>
-          <a:prstGeom prst="rect">
-            <a:avLst/>
-          </a:prstGeom>
-        </p:spPr>
-      </p:pic>
-      <p:sp>
-        <p:nvSpPr>
-          <p:cNvPr id="11" name="TextBox 10">
-            <a:extLst>
-              <a:ext uri="{FF2B5EF4-FFF2-40B4-BE49-F238E27FC236}">
-                <a16:creationId xmlns:a16="http://schemas.microsoft.com/office/drawing/2014/main" id="{C9E55A10-4F1C-4515-98CC-B6EA43A4D9AF}"/>
-              </a:ext>
-            </a:extLst>
-          </p:cNvPr>
-          <p:cNvSpPr txBox="1"/>
-          <p:nvPr/>
-        </p:nvSpPr>
-        <p:spPr>
-          <a:xfrm>
-            <a:off x="-185530" y="4357265"/>
-            <a:ext cx="12377530" cy="707886"/>
-          </a:xfrm>
-          <a:prstGeom prst="rect">
-            <a:avLst/>
-          </a:prstGeom>
-          <a:noFill/>
-        </p:spPr>
-        <p:txBody>
-          <a:bodyPr wrap="square">
-            <a:spAutoFit/>
-          </a:bodyPr>
-          <a:lstStyle/>
-          <a:p>
-            <a:pPr algn="ctr"/>
-            <a:r>
-              <a:rPr lang="en-IN" sz="2000" b="1" dirty="0">
-                <a:solidFill>
-                  <a:schemeClr val="accent6">
-                    <a:lumMod val="75000"/>
-                  </a:schemeClr>
-                </a:solidFill>
-                <a:effectLst/>
-                <a:latin typeface="Arial" panose="020B0604020202020204" pitchFamily="34" charset="0"/>
-                <a:ea typeface="Arial" panose="020B0604020202020204" pitchFamily="34" charset="0"/>
-              </a:rPr>
-              <a:t>Count the number of orders placed in 2017</a:t>
-            </a:r>
-          </a:p>
-          <a:p>
-            <a:pPr algn="ctr"/>
-            <a:r>
-              <a:rPr lang="en-IN" sz="2000" b="1" dirty="0">
-                <a:solidFill>
-                  <a:schemeClr val="accent6">
-                    <a:lumMod val="75000"/>
-                  </a:schemeClr>
-                </a:solidFill>
-                <a:latin typeface="Arial" panose="020B0604020202020204" pitchFamily="34" charset="0"/>
-              </a:rPr>
-              <a:t>SQL QUERY                                                                                                                  PYTHON CODE</a:t>
-            </a:r>
-            <a:endParaRPr lang="en-IN" sz="2000" b="1" dirty="0">
-              <a:solidFill>
-                <a:schemeClr val="accent6">
-                  <a:lumMod val="75000"/>
-                </a:schemeClr>
-              </a:solidFill>
-            </a:endParaRPr>
-          </a:p>
-        </p:txBody>
-      </p:sp>
-      <p:pic>
-        <p:nvPicPr>
-          <p:cNvPr id="13" name="Picture 12">
-            <a:extLst>
-              <a:ext uri="{FF2B5EF4-FFF2-40B4-BE49-F238E27FC236}">
-                <a16:creationId xmlns:a16="http://schemas.microsoft.com/office/drawing/2014/main" id="{17A0E71C-3C5B-4254-95F9-F92E081566A9}"/>
-              </a:ext>
-            </a:extLst>
-          </p:cNvPr>
-          <p:cNvPicPr>
-            <a:picLocks noChangeAspect="1"/>
-          </p:cNvPicPr>
-          <p:nvPr/>
-        </p:nvPicPr>
-        <p:blipFill>
-          <a:blip r:embed="rId5">
-            <a:extLst>
-              <a:ext uri="{28A0092B-C50C-407E-A947-70E740481C1C}">
-                <a14:useLocalDpi xmlns:a14="http://schemas.microsoft.com/office/drawing/2010/main" val="0"/>
-              </a:ext>
-            </a:extLst>
-          </a:blip>
-          <a:stretch>
-            <a:fillRect/>
-          </a:stretch>
-        </p:blipFill>
-        <p:spPr>
-          <a:xfrm>
-            <a:off x="0" y="5018230"/>
-            <a:ext cx="3057952" cy="1044101"/>
-          </a:xfrm>
-          <a:prstGeom prst="rect">
-            <a:avLst/>
-          </a:prstGeom>
-        </p:spPr>
-      </p:pic>
-      <p:pic>
-        <p:nvPicPr>
-          <p:cNvPr id="17" name="Picture 16">
-            <a:extLst>
-              <a:ext uri="{FF2B5EF4-FFF2-40B4-BE49-F238E27FC236}">
-                <a16:creationId xmlns:a16="http://schemas.microsoft.com/office/drawing/2014/main" id="{3642D7BA-FC7F-4FF5-8B48-2BA91039BFAA}"/>
-              </a:ext>
-            </a:extLst>
-          </p:cNvPr>
-          <p:cNvPicPr>
-            <a:picLocks noChangeAspect="1"/>
-          </p:cNvPicPr>
-          <p:nvPr/>
-        </p:nvPicPr>
-        <p:blipFill>
-          <a:blip r:embed="rId6">
-            <a:extLst>
-              <a:ext uri="{28A0092B-C50C-407E-A947-70E740481C1C}">
-                <a14:useLocalDpi xmlns:a14="http://schemas.microsoft.com/office/drawing/2010/main" val="0"/>
-              </a:ext>
-            </a:extLst>
-          </a:blip>
-          <a:stretch>
-            <a:fillRect/>
-          </a:stretch>
-        </p:blipFill>
-        <p:spPr>
-          <a:xfrm>
-            <a:off x="548253" y="6062331"/>
-            <a:ext cx="1276528" cy="859349"/>
-          </a:xfrm>
-          <a:prstGeom prst="rect">
-            <a:avLst/>
-          </a:prstGeom>
-        </p:spPr>
-      </p:pic>
-      <p:pic>
-        <p:nvPicPr>
-          <p:cNvPr id="19" name="Picture 18">
-            <a:extLst>
-              <a:ext uri="{FF2B5EF4-FFF2-40B4-BE49-F238E27FC236}">
-                <a16:creationId xmlns:a16="http://schemas.microsoft.com/office/drawing/2014/main" id="{E4A20EF5-E665-442D-BDE3-1E903BCF4781}"/>
-              </a:ext>
-            </a:extLst>
-          </p:cNvPr>
-          <p:cNvPicPr>
-            <a:picLocks noChangeAspect="1"/>
-          </p:cNvPicPr>
-          <p:nvPr/>
-        </p:nvPicPr>
-        <p:blipFill>
-          <a:blip r:embed="rId7">
-            <a:extLst>
-              <a:ext uri="{28A0092B-C50C-407E-A947-70E740481C1C}">
-                <a14:useLocalDpi xmlns:a14="http://schemas.microsoft.com/office/drawing/2010/main" val="0"/>
-              </a:ext>
-            </a:extLst>
-          </a:blip>
-          <a:stretch>
-            <a:fillRect/>
-          </a:stretch>
-        </p:blipFill>
-        <p:spPr>
-          <a:xfrm>
-            <a:off x="5504517" y="5147963"/>
-            <a:ext cx="6687483" cy="1457528"/>
+            <a:off x="177421" y="3916907"/>
+            <a:ext cx="3398292" cy="2105385"/>
           </a:xfrm>
           <a:prstGeom prst="rect">
             <a:avLst/>
@@ -7343,6 +12437,222 @@
 </file>
 
 <file path=ppt/slides/slide3.xml><?xml version="1.0" encoding="utf-8"?>
+<p:sld xmlns:a="http://schemas.openxmlformats.org/drawingml/2006/main" xmlns:r="http://schemas.openxmlformats.org/officeDocument/2006/relationships" xmlns:p="http://schemas.openxmlformats.org/presentationml/2006/main">
+  <p:cSld>
+    <p:spTree>
+      <p:nvGrpSpPr>
+        <p:cNvPr id="1" name=""/>
+        <p:cNvGrpSpPr/>
+        <p:nvPr/>
+      </p:nvGrpSpPr>
+      <p:grpSpPr>
+        <a:xfrm>
+          <a:off x="0" y="0"/>
+          <a:ext cx="0" cy="0"/>
+          <a:chOff x="0" y="0"/>
+          <a:chExt cx="0" cy="0"/>
+        </a:xfrm>
+      </p:grpSpPr>
+      <p:sp>
+        <p:nvSpPr>
+          <p:cNvPr id="2" name="Title 1">
+            <a:extLst>
+              <a:ext uri="{FF2B5EF4-FFF2-40B4-BE49-F238E27FC236}">
+                <a16:creationId xmlns:a16="http://schemas.microsoft.com/office/drawing/2014/main" id="{A3EFC242-B8DF-4896-97A7-9AD3727D42B0}"/>
+              </a:ext>
+            </a:extLst>
+          </p:cNvPr>
+          <p:cNvSpPr>
+            <a:spLocks noGrp="1"/>
+          </p:cNvSpPr>
+          <p:nvPr>
+            <p:ph type="title"/>
+          </p:nvPr>
+        </p:nvSpPr>
+        <p:spPr>
+          <a:xfrm>
+            <a:off x="913775" y="618517"/>
+            <a:ext cx="10364451" cy="772961"/>
+          </a:xfrm>
+        </p:spPr>
+        <p:txBody>
+          <a:bodyPr>
+            <a:normAutofit fontScale="90000"/>
+          </a:bodyPr>
+          <a:lstStyle/>
+          <a:p>
+            <a:pPr algn="l"/>
+            <a:r>
+              <a:rPr lang="en-IN" sz="3600" b="1" dirty="0">
+                <a:solidFill>
+                  <a:schemeClr val="accent6">
+                    <a:lumMod val="75000"/>
+                  </a:schemeClr>
+                </a:solidFill>
+                <a:effectLst/>
+                <a:latin typeface="Arial" panose="020B0604020202020204" pitchFamily="34" charset="0"/>
+                <a:ea typeface="Arial" panose="020B0604020202020204" pitchFamily="34" charset="0"/>
+              </a:rPr>
+              <a:t>Count the number of orders placed in 2017</a:t>
+            </a:r>
+            <a:br>
+              <a:rPr lang="en-IN" sz="3600" b="1" dirty="0">
+                <a:solidFill>
+                  <a:schemeClr val="accent6">
+                    <a:lumMod val="75000"/>
+                  </a:schemeClr>
+                </a:solidFill>
+                <a:effectLst/>
+                <a:latin typeface="Arial" panose="020B0604020202020204" pitchFamily="34" charset="0"/>
+                <a:ea typeface="Arial" panose="020B0604020202020204" pitchFamily="34" charset="0"/>
+              </a:rPr>
+            </a:br>
+            <a:r>
+              <a:rPr lang="en-IN" sz="2700" b="1" dirty="0">
+                <a:solidFill>
+                  <a:schemeClr val="accent6">
+                    <a:lumMod val="75000"/>
+                  </a:schemeClr>
+                </a:solidFill>
+                <a:latin typeface="Arial" panose="020B0604020202020204" pitchFamily="34" charset="0"/>
+              </a:rPr>
+              <a:t>SQL QUERY                                                                         python code                                                                                                                            </a:t>
+            </a:r>
+            <a:br>
+              <a:rPr lang="en-IN" sz="3600" b="1" dirty="0">
+                <a:solidFill>
+                  <a:schemeClr val="accent6">
+                    <a:lumMod val="75000"/>
+                  </a:schemeClr>
+                </a:solidFill>
+              </a:rPr>
+            </a:br>
+            <a:endParaRPr lang="en-IN" dirty="0"/>
+          </a:p>
+        </p:txBody>
+      </p:sp>
+      <p:pic>
+        <p:nvPicPr>
+          <p:cNvPr id="3" name="Picture 2">
+            <a:extLst>
+              <a:ext uri="{FF2B5EF4-FFF2-40B4-BE49-F238E27FC236}">
+                <a16:creationId xmlns:a16="http://schemas.microsoft.com/office/drawing/2014/main" id="{94704570-BBE7-4F80-841A-4354DE7C88E3}"/>
+              </a:ext>
+            </a:extLst>
+          </p:cNvPr>
+          <p:cNvPicPr>
+            <a:picLocks noChangeAspect="1"/>
+          </p:cNvPicPr>
+          <p:nvPr/>
+        </p:nvPicPr>
+        <p:blipFill>
+          <a:blip r:embed="rId2">
+            <a:extLst>
+              <a:ext uri="{28A0092B-C50C-407E-A947-70E740481C1C}">
+                <a14:useLocalDpi xmlns:a14="http://schemas.microsoft.com/office/drawing/2010/main" val="0"/>
+              </a:ext>
+            </a:extLst>
+          </a:blip>
+          <a:stretch>
+            <a:fillRect/>
+          </a:stretch>
+        </p:blipFill>
+        <p:spPr>
+          <a:xfrm>
+            <a:off x="0" y="1323833"/>
+            <a:ext cx="4367284" cy="1910685"/>
+          </a:xfrm>
+          <a:prstGeom prst="rect">
+            <a:avLst/>
+          </a:prstGeom>
+        </p:spPr>
+      </p:pic>
+      <p:pic>
+        <p:nvPicPr>
+          <p:cNvPr id="4" name="Picture 3">
+            <a:extLst>
+              <a:ext uri="{FF2B5EF4-FFF2-40B4-BE49-F238E27FC236}">
+                <a16:creationId xmlns:a16="http://schemas.microsoft.com/office/drawing/2014/main" id="{84FC1A3F-9D59-4323-A962-94FF317F726E}"/>
+              </a:ext>
+            </a:extLst>
+          </p:cNvPr>
+          <p:cNvPicPr>
+            <a:picLocks noChangeAspect="1"/>
+          </p:cNvPicPr>
+          <p:nvPr/>
+        </p:nvPicPr>
+        <p:blipFill>
+          <a:blip r:embed="rId3">
+            <a:extLst>
+              <a:ext uri="{28A0092B-C50C-407E-A947-70E740481C1C}">
+                <a14:useLocalDpi xmlns:a14="http://schemas.microsoft.com/office/drawing/2010/main" val="0"/>
+              </a:ext>
+            </a:extLst>
+          </a:blip>
+          <a:stretch>
+            <a:fillRect/>
+          </a:stretch>
+        </p:blipFill>
+        <p:spPr>
+          <a:xfrm>
+            <a:off x="95535" y="3660325"/>
+            <a:ext cx="3357350" cy="911675"/>
+          </a:xfrm>
+          <a:prstGeom prst="rect">
+            <a:avLst/>
+          </a:prstGeom>
+        </p:spPr>
+      </p:pic>
+      <p:pic>
+        <p:nvPicPr>
+          <p:cNvPr id="5" name="Picture 4">
+            <a:extLst>
+              <a:ext uri="{FF2B5EF4-FFF2-40B4-BE49-F238E27FC236}">
+                <a16:creationId xmlns:a16="http://schemas.microsoft.com/office/drawing/2014/main" id="{282BF778-AA46-42DF-B6B4-90DD0F15150E}"/>
+              </a:ext>
+            </a:extLst>
+          </p:cNvPr>
+          <p:cNvPicPr>
+            <a:picLocks noChangeAspect="1"/>
+          </p:cNvPicPr>
+          <p:nvPr/>
+        </p:nvPicPr>
+        <p:blipFill>
+          <a:blip r:embed="rId4">
+            <a:extLst>
+              <a:ext uri="{28A0092B-C50C-407E-A947-70E740481C1C}">
+                <a14:useLocalDpi xmlns:a14="http://schemas.microsoft.com/office/drawing/2010/main" val="0"/>
+              </a:ext>
+            </a:extLst>
+          </a:blip>
+          <a:stretch>
+            <a:fillRect/>
+          </a:stretch>
+        </p:blipFill>
+        <p:spPr>
+          <a:xfrm>
+            <a:off x="5381687" y="1422124"/>
+            <a:ext cx="6687483" cy="1880634"/>
+          </a:xfrm>
+          <a:prstGeom prst="rect">
+            <a:avLst/>
+          </a:prstGeom>
+        </p:spPr>
+      </p:pic>
+    </p:spTree>
+    <p:extLst>
+      <p:ext uri="{BB962C8B-B14F-4D97-AF65-F5344CB8AC3E}">
+        <p14:creationId xmlns:p14="http://schemas.microsoft.com/office/powerpoint/2010/main" val="1548584060"/>
+      </p:ext>
+    </p:extLst>
+  </p:cSld>
+  <p:clrMapOvr>
+    <a:masterClrMapping/>
+  </p:clrMapOvr>
+</p:sld>
+</file>
+
+<file path=ppt/slides/slide4.xml><?xml version="1.0" encoding="utf-8"?>
 <p:sld xmlns:a="http://schemas.openxmlformats.org/drawingml/2006/main" xmlns:r="http://schemas.openxmlformats.org/officeDocument/2006/relationships" xmlns:p="http://schemas.openxmlformats.org/presentationml/2006/main">
   <p:cSld>
     <p:spTree>
@@ -7489,8 +12799,8 @@
         </p:blipFill>
         <p:spPr>
           <a:xfrm>
-            <a:off x="0" y="901151"/>
-            <a:ext cx="4220164" cy="1219198"/>
+            <a:off x="-1" y="901150"/>
+            <a:ext cx="4611757" cy="2623927"/>
           </a:xfrm>
           <a:prstGeom prst="rect">
             <a:avLst/>
@@ -7525,8 +12835,8 @@
         </p:blipFill>
         <p:spPr>
           <a:xfrm>
-            <a:off x="5372478" y="658043"/>
-            <a:ext cx="6634939" cy="2770957"/>
+            <a:off x="5155096" y="658043"/>
+            <a:ext cx="6852321" cy="3330861"/>
           </a:xfrm>
           <a:prstGeom prst="rect">
             <a:avLst/>
@@ -7561,178 +12871,8 @@
         </p:blipFill>
         <p:spPr>
           <a:xfrm>
-            <a:off x="18681" y="2120349"/>
-            <a:ext cx="4201483" cy="1219198"/>
-          </a:xfrm>
-          <a:prstGeom prst="rect">
-            <a:avLst/>
-          </a:prstGeom>
-        </p:spPr>
-      </p:pic>
-      <p:sp>
-        <p:nvSpPr>
-          <p:cNvPr id="10" name="TextBox 9">
-            <a:extLst>
-              <a:ext uri="{FF2B5EF4-FFF2-40B4-BE49-F238E27FC236}">
-                <a16:creationId xmlns:a16="http://schemas.microsoft.com/office/drawing/2014/main" id="{0F929E71-C51D-4361-93DD-BB7946EA4CB1}"/>
-              </a:ext>
-            </a:extLst>
-          </p:cNvPr>
-          <p:cNvSpPr txBox="1"/>
-          <p:nvPr/>
-        </p:nvSpPr>
-        <p:spPr>
-          <a:xfrm>
-            <a:off x="18681" y="3518454"/>
-            <a:ext cx="11603476" cy="400110"/>
-          </a:xfrm>
-          <a:prstGeom prst="rect">
-            <a:avLst/>
-          </a:prstGeom>
-          <a:noFill/>
-        </p:spPr>
-        <p:txBody>
-          <a:bodyPr wrap="square">
-            <a:spAutoFit/>
-          </a:bodyPr>
-          <a:lstStyle/>
-          <a:p>
-            <a:r>
-              <a:rPr lang="en-IN" sz="1800" dirty="0">
-                <a:solidFill>
-                  <a:srgbClr val="26262F"/>
-                </a:solidFill>
-                <a:effectLst/>
-                <a:latin typeface="Arial" panose="020B0604020202020204" pitchFamily="34" charset="0"/>
-                <a:ea typeface="Arial" panose="020B0604020202020204" pitchFamily="34" charset="0"/>
-              </a:rPr>
-              <a:t>. </a:t>
-            </a:r>
-            <a:r>
-              <a:rPr lang="en-IN" sz="2000" dirty="0">
-                <a:solidFill>
-                  <a:schemeClr val="bg2">
-                    <a:lumMod val="75000"/>
-                  </a:schemeClr>
-                </a:solidFill>
-                <a:effectLst/>
-                <a:latin typeface="Arial" panose="020B0604020202020204" pitchFamily="34" charset="0"/>
-                <a:ea typeface="Arial" panose="020B0604020202020204" pitchFamily="34" charset="0"/>
-              </a:rPr>
-              <a:t>CALCULATE THE PERCENTAGE OF ORDERS THAT WERE PAID IN INSTALLMENTS</a:t>
-            </a:r>
-            <a:endParaRPr lang="en-IN" sz="2000" dirty="0">
-              <a:solidFill>
-                <a:schemeClr val="bg2">
-                  <a:lumMod val="75000"/>
-                </a:schemeClr>
-              </a:solidFill>
-            </a:endParaRPr>
-          </a:p>
-        </p:txBody>
-      </p:sp>
-      <p:pic>
-        <p:nvPicPr>
-          <p:cNvPr id="12" name="Picture 11">
-            <a:extLst>
-              <a:ext uri="{FF2B5EF4-FFF2-40B4-BE49-F238E27FC236}">
-                <a16:creationId xmlns:a16="http://schemas.microsoft.com/office/drawing/2014/main" id="{99F024B8-C144-4E27-8A43-14A0D5CA4AE9}"/>
-              </a:ext>
-            </a:extLst>
-          </p:cNvPr>
-          <p:cNvPicPr>
-            <a:picLocks noChangeAspect="1"/>
-          </p:cNvPicPr>
-          <p:nvPr/>
-        </p:nvPicPr>
-        <p:blipFill>
-          <a:blip r:embed="rId5">
-            <a:extLst>
-              <a:ext uri="{28A0092B-C50C-407E-A947-70E740481C1C}">
-                <a14:useLocalDpi xmlns:a14="http://schemas.microsoft.com/office/drawing/2010/main" val="0"/>
-              </a:ext>
-            </a:extLst>
-          </a:blip>
-          <a:stretch>
-            <a:fillRect/>
-          </a:stretch>
-        </p:blipFill>
-        <p:spPr>
-          <a:xfrm>
-            <a:off x="18681" y="3935351"/>
-            <a:ext cx="4201483" cy="1381318"/>
-          </a:xfrm>
-          <a:prstGeom prst="rect">
-            <a:avLst/>
-          </a:prstGeom>
-        </p:spPr>
-      </p:pic>
-      <p:pic>
-        <p:nvPicPr>
-          <p:cNvPr id="14" name="Picture 13">
-            <a:extLst>
-              <a:ext uri="{FF2B5EF4-FFF2-40B4-BE49-F238E27FC236}">
-                <a16:creationId xmlns:a16="http://schemas.microsoft.com/office/drawing/2014/main" id="{029E0D0E-7184-4B17-BF88-0A0657708E3D}"/>
-              </a:ext>
-            </a:extLst>
-          </p:cNvPr>
-          <p:cNvPicPr>
-            <a:picLocks noChangeAspect="1"/>
-          </p:cNvPicPr>
-          <p:nvPr/>
-        </p:nvPicPr>
-        <p:blipFill>
-          <a:blip r:embed="rId6">
-            <a:extLst>
-              <a:ext uri="{28A0092B-C50C-407E-A947-70E740481C1C}">
-                <a14:useLocalDpi xmlns:a14="http://schemas.microsoft.com/office/drawing/2010/main" val="0"/>
-              </a:ext>
-            </a:extLst>
-          </a:blip>
-          <a:stretch>
-            <a:fillRect/>
-          </a:stretch>
-        </p:blipFill>
-        <p:spPr>
-          <a:xfrm>
-            <a:off x="18680" y="5404134"/>
-            <a:ext cx="2591997" cy="866896"/>
-          </a:xfrm>
-          <a:prstGeom prst="rect">
-            <a:avLst/>
-          </a:prstGeom>
-        </p:spPr>
-      </p:pic>
-      <p:pic>
-        <p:nvPicPr>
-          <p:cNvPr id="16" name="Picture 15">
-            <a:extLst>
-              <a:ext uri="{FF2B5EF4-FFF2-40B4-BE49-F238E27FC236}">
-                <a16:creationId xmlns:a16="http://schemas.microsoft.com/office/drawing/2014/main" id="{C9836634-1FA6-463F-95A1-354D22A9F885}"/>
-              </a:ext>
-            </a:extLst>
-          </p:cNvPr>
-          <p:cNvPicPr>
-            <a:picLocks noChangeAspect="1"/>
-          </p:cNvPicPr>
-          <p:nvPr/>
-        </p:nvPicPr>
-        <p:blipFill>
-          <a:blip r:embed="rId7">
-            <a:extLst>
-              <a:ext uri="{28A0092B-C50C-407E-A947-70E740481C1C}">
-                <a14:useLocalDpi xmlns:a14="http://schemas.microsoft.com/office/drawing/2010/main" val="0"/>
-              </a:ext>
-            </a:extLst>
-          </a:blip>
-          <a:stretch>
-            <a:fillRect/>
-          </a:stretch>
-        </p:blipFill>
-        <p:spPr>
-          <a:xfrm>
-            <a:off x="5372477" y="4008018"/>
-            <a:ext cx="6634939" cy="2161035"/>
+            <a:off x="0" y="4002158"/>
+            <a:ext cx="4201483" cy="2690190"/>
           </a:xfrm>
           <a:prstGeom prst="rect">
             <a:avLst/>
@@ -7752,7 +12892,222 @@
 </p:sld>
 </file>
 
-<file path=ppt/slides/slide4.xml><?xml version="1.0" encoding="utf-8"?>
+<file path=ppt/slides/slide5.xml><?xml version="1.0" encoding="utf-8"?>
+<p:sld xmlns:a="http://schemas.openxmlformats.org/drawingml/2006/main" xmlns:r="http://schemas.openxmlformats.org/officeDocument/2006/relationships" xmlns:p="http://schemas.openxmlformats.org/presentationml/2006/main">
+  <p:cSld>
+    <p:spTree>
+      <p:nvGrpSpPr>
+        <p:cNvPr id="1" name=""/>
+        <p:cNvGrpSpPr/>
+        <p:nvPr/>
+      </p:nvGrpSpPr>
+      <p:grpSpPr>
+        <a:xfrm>
+          <a:off x="0" y="0"/>
+          <a:ext cx="0" cy="0"/>
+          <a:chOff x="0" y="0"/>
+          <a:chExt cx="0" cy="0"/>
+        </a:xfrm>
+      </p:grpSpPr>
+      <p:sp>
+        <p:nvSpPr>
+          <p:cNvPr id="4" name="Title 3">
+            <a:extLst>
+              <a:ext uri="{FF2B5EF4-FFF2-40B4-BE49-F238E27FC236}">
+                <a16:creationId xmlns:a16="http://schemas.microsoft.com/office/drawing/2014/main" id="{2B25FCDD-52D6-4DD7-9EC6-BDE4A4610FC3}"/>
+              </a:ext>
+            </a:extLst>
+          </p:cNvPr>
+          <p:cNvSpPr>
+            <a:spLocks noGrp="1"/>
+          </p:cNvSpPr>
+          <p:nvPr>
+            <p:ph type="title"/>
+          </p:nvPr>
+        </p:nvSpPr>
+        <p:spPr>
+          <a:xfrm>
+            <a:off x="159026" y="1"/>
+            <a:ext cx="11754677" cy="1205948"/>
+          </a:xfrm>
+        </p:spPr>
+        <p:txBody>
+          <a:bodyPr/>
+          <a:lstStyle/>
+          <a:p>
+            <a:r>
+              <a:rPr lang="en-IN" sz="2000" b="1" dirty="0">
+                <a:solidFill>
+                  <a:schemeClr val="tx2">
+                    <a:lumMod val="50000"/>
+                  </a:schemeClr>
+                </a:solidFill>
+                <a:effectLst/>
+                <a:latin typeface="Arial" panose="020B0604020202020204" pitchFamily="34" charset="0"/>
+                <a:ea typeface="Arial" panose="020B0604020202020204" pitchFamily="34" charset="0"/>
+              </a:rPr>
+              <a:t>Calculate the percentage of orders that were paid in </a:t>
+            </a:r>
+            <a:r>
+              <a:rPr lang="en-IN" sz="2000" b="1" dirty="0" err="1">
+                <a:solidFill>
+                  <a:schemeClr val="tx2">
+                    <a:lumMod val="50000"/>
+                  </a:schemeClr>
+                </a:solidFill>
+                <a:effectLst/>
+                <a:latin typeface="Arial" panose="020B0604020202020204" pitchFamily="34" charset="0"/>
+                <a:ea typeface="Arial" panose="020B0604020202020204" pitchFamily="34" charset="0"/>
+              </a:rPr>
+              <a:t>installments</a:t>
+            </a:r>
+            <a:r>
+              <a:rPr lang="en-IN" sz="1800" dirty="0">
+                <a:solidFill>
+                  <a:srgbClr val="26262F"/>
+                </a:solidFill>
+                <a:effectLst/>
+                <a:latin typeface="Arial" panose="020B0604020202020204" pitchFamily="34" charset="0"/>
+                <a:ea typeface="Arial" panose="020B0604020202020204" pitchFamily="34" charset="0"/>
+              </a:rPr>
+              <a:t>. </a:t>
+            </a:r>
+            <a:br>
+              <a:rPr lang="en-IN" sz="1800" dirty="0">
+                <a:solidFill>
+                  <a:srgbClr val="26262F"/>
+                </a:solidFill>
+                <a:effectLst/>
+                <a:latin typeface="Arial" panose="020B0604020202020204" pitchFamily="34" charset="0"/>
+                <a:ea typeface="Arial" panose="020B0604020202020204" pitchFamily="34" charset="0"/>
+              </a:rPr>
+            </a:br>
+            <a:endParaRPr lang="en-IN" dirty="0"/>
+          </a:p>
+        </p:txBody>
+      </p:sp>
+      <p:pic>
+        <p:nvPicPr>
+          <p:cNvPr id="5" name="Picture 4">
+            <a:extLst>
+              <a:ext uri="{FF2B5EF4-FFF2-40B4-BE49-F238E27FC236}">
+                <a16:creationId xmlns:a16="http://schemas.microsoft.com/office/drawing/2014/main" id="{2D2EB4DB-3628-4129-AFF5-1C268B8F60A6}"/>
+              </a:ext>
+            </a:extLst>
+          </p:cNvPr>
+          <p:cNvPicPr>
+            <a:picLocks noChangeAspect="1"/>
+          </p:cNvPicPr>
+          <p:nvPr/>
+        </p:nvPicPr>
+        <p:blipFill>
+          <a:blip r:embed="rId2">
+            <a:extLst>
+              <a:ext uri="{28A0092B-C50C-407E-A947-70E740481C1C}">
+                <a14:useLocalDpi xmlns:a14="http://schemas.microsoft.com/office/drawing/2010/main" val="0"/>
+              </a:ext>
+            </a:extLst>
+          </a:blip>
+          <a:stretch>
+            <a:fillRect/>
+          </a:stretch>
+        </p:blipFill>
+        <p:spPr>
+          <a:xfrm>
+            <a:off x="0" y="967409"/>
+            <a:ext cx="5512904" cy="2729948"/>
+          </a:xfrm>
+          <a:prstGeom prst="rect">
+            <a:avLst/>
+          </a:prstGeom>
+        </p:spPr>
+      </p:pic>
+      <p:pic>
+        <p:nvPicPr>
+          <p:cNvPr id="6" name="Picture 5">
+            <a:extLst>
+              <a:ext uri="{FF2B5EF4-FFF2-40B4-BE49-F238E27FC236}">
+                <a16:creationId xmlns:a16="http://schemas.microsoft.com/office/drawing/2014/main" id="{A4E5900E-9176-42C9-97D9-31C2383B3B6A}"/>
+              </a:ext>
+            </a:extLst>
+          </p:cNvPr>
+          <p:cNvPicPr>
+            <a:picLocks noChangeAspect="1"/>
+          </p:cNvPicPr>
+          <p:nvPr/>
+        </p:nvPicPr>
+        <p:blipFill>
+          <a:blip r:embed="rId3">
+            <a:extLst>
+              <a:ext uri="{28A0092B-C50C-407E-A947-70E740481C1C}">
+                <a14:useLocalDpi xmlns:a14="http://schemas.microsoft.com/office/drawing/2010/main" val="0"/>
+              </a:ext>
+            </a:extLst>
+          </a:blip>
+          <a:stretch>
+            <a:fillRect/>
+          </a:stretch>
+        </p:blipFill>
+        <p:spPr>
+          <a:xfrm>
+            <a:off x="0" y="3906638"/>
+            <a:ext cx="4280452" cy="1911066"/>
+          </a:xfrm>
+          <a:prstGeom prst="rect">
+            <a:avLst/>
+          </a:prstGeom>
+        </p:spPr>
+      </p:pic>
+      <p:pic>
+        <p:nvPicPr>
+          <p:cNvPr id="7" name="Picture 6">
+            <a:extLst>
+              <a:ext uri="{FF2B5EF4-FFF2-40B4-BE49-F238E27FC236}">
+                <a16:creationId xmlns:a16="http://schemas.microsoft.com/office/drawing/2014/main" id="{A5045765-57C0-4A89-9737-D3F95F80039B}"/>
+              </a:ext>
+            </a:extLst>
+          </p:cNvPr>
+          <p:cNvPicPr>
+            <a:picLocks noChangeAspect="1"/>
+          </p:cNvPicPr>
+          <p:nvPr/>
+        </p:nvPicPr>
+        <p:blipFill>
+          <a:blip r:embed="rId4">
+            <a:extLst>
+              <a:ext uri="{28A0092B-C50C-407E-A947-70E740481C1C}">
+                <a14:useLocalDpi xmlns:a14="http://schemas.microsoft.com/office/drawing/2010/main" val="0"/>
+              </a:ext>
+            </a:extLst>
+          </a:blip>
+          <a:stretch>
+            <a:fillRect/>
+          </a:stretch>
+        </p:blipFill>
+        <p:spPr>
+          <a:xfrm>
+            <a:off x="5194853" y="1477050"/>
+            <a:ext cx="6997148" cy="2405837"/>
+          </a:xfrm>
+          <a:prstGeom prst="rect">
+            <a:avLst/>
+          </a:prstGeom>
+        </p:spPr>
+      </p:pic>
+    </p:spTree>
+    <p:extLst>
+      <p:ext uri="{BB962C8B-B14F-4D97-AF65-F5344CB8AC3E}">
+        <p14:creationId xmlns:p14="http://schemas.microsoft.com/office/powerpoint/2010/main" val="3720682641"/>
+      </p:ext>
+    </p:extLst>
+  </p:cSld>
+  <p:clrMapOvr>
+    <a:masterClrMapping/>
+  </p:clrMapOvr>
+</p:sld>
+</file>
+
+<file path=ppt/slides/slide6.xml><?xml version="1.0" encoding="utf-8"?>
 <p:sld xmlns:a="http://schemas.openxmlformats.org/drawingml/2006/main" xmlns:r="http://schemas.openxmlformats.org/officeDocument/2006/relationships" xmlns:p="http://schemas.openxmlformats.org/presentationml/2006/main">
   <p:cSld>
     <p:spTree>
@@ -7969,7 +13324,7 @@
 </p:sld>
 </file>
 
-<file path=ppt/slides/slide5.xml><?xml version="1.0" encoding="utf-8"?>
+<file path=ppt/slides/slide7.xml><?xml version="1.0" encoding="utf-8"?>
 <p:sld xmlns:a="http://schemas.openxmlformats.org/drawingml/2006/main" xmlns:r="http://schemas.openxmlformats.org/officeDocument/2006/relationships" xmlns:p="http://schemas.openxmlformats.org/presentationml/2006/main">
   <p:cSld>
     <p:spTree>
@@ -8239,7 +13594,7 @@
 </p:sld>
 </file>
 
-<file path=ppt/slides/slide6.xml><?xml version="1.0" encoding="utf-8"?>
+<file path=ppt/slides/slide8.xml><?xml version="1.0" encoding="utf-8"?>
 <p:sld xmlns:a="http://schemas.openxmlformats.org/drawingml/2006/main" xmlns:r="http://schemas.openxmlformats.org/officeDocument/2006/relationships" xmlns:p="http://schemas.openxmlformats.org/presentationml/2006/main">
   <p:cSld>
     <p:spTree>
@@ -8672,7 +14027,7 @@
 </p:sld>
 </file>
 
-<file path=ppt/slides/slide7.xml><?xml version="1.0" encoding="utf-8"?>
+<file path=ppt/slides/slide9.xml><?xml version="1.0" encoding="utf-8"?>
 <p:sld xmlns:a="http://schemas.openxmlformats.org/drawingml/2006/main" xmlns:r="http://schemas.openxmlformats.org/officeDocument/2006/relationships" xmlns:p="http://schemas.openxmlformats.org/presentationml/2006/main">
   <p:cSld>
     <p:spTree>
@@ -8850,473 +14205,6 @@
     <p:extLst>
       <p:ext uri="{BB962C8B-B14F-4D97-AF65-F5344CB8AC3E}">
         <p14:creationId xmlns:p14="http://schemas.microsoft.com/office/powerpoint/2010/main" val="3791887437"/>
-      </p:ext>
-    </p:extLst>
-  </p:cSld>
-  <p:clrMapOvr>
-    <a:masterClrMapping/>
-  </p:clrMapOvr>
-</p:sld>
-</file>
-
-<file path=ppt/slides/slide8.xml><?xml version="1.0" encoding="utf-8"?>
-<p:sld xmlns:a="http://schemas.openxmlformats.org/drawingml/2006/main" xmlns:r="http://schemas.openxmlformats.org/officeDocument/2006/relationships" xmlns:p="http://schemas.openxmlformats.org/presentationml/2006/main">
-  <p:cSld>
-    <p:spTree>
-      <p:nvGrpSpPr>
-        <p:cNvPr id="1" name=""/>
-        <p:cNvGrpSpPr/>
-        <p:nvPr/>
-      </p:nvGrpSpPr>
-      <p:grpSpPr>
-        <a:xfrm>
-          <a:off x="0" y="0"/>
-          <a:ext cx="0" cy="0"/>
-          <a:chOff x="0" y="0"/>
-          <a:chExt cx="0" cy="0"/>
-        </a:xfrm>
-      </p:grpSpPr>
-      <p:sp>
-        <p:nvSpPr>
-          <p:cNvPr id="2" name="Title 1">
-            <a:extLst>
-              <a:ext uri="{FF2B5EF4-FFF2-40B4-BE49-F238E27FC236}">
-                <a16:creationId xmlns:a16="http://schemas.microsoft.com/office/drawing/2014/main" id="{8C5EF621-56F8-425D-82F3-F686FDC9DF33}"/>
-              </a:ext>
-            </a:extLst>
-          </p:cNvPr>
-          <p:cNvSpPr>
-            <a:spLocks noGrp="1"/>
-          </p:cNvSpPr>
-          <p:nvPr>
-            <p:ph type="title"/>
-          </p:nvPr>
-        </p:nvSpPr>
-        <p:spPr/>
-        <p:txBody>
-          <a:bodyPr/>
-          <a:lstStyle/>
-          <a:p>
-            <a:r>
-              <a:rPr lang="en-IN" sz="1800" dirty="0">
-                <a:solidFill>
-                  <a:srgbClr val="26262F"/>
-                </a:solidFill>
-                <a:effectLst/>
-                <a:latin typeface="Arial" panose="020B0604020202020204" pitchFamily="34" charset="0"/>
-                <a:ea typeface="Arial" panose="020B0604020202020204" pitchFamily="34" charset="0"/>
-              </a:rPr>
-              <a:t>. </a:t>
-            </a:r>
-            <a:r>
-              <a:rPr lang="en-IN" sz="1800" b="1" dirty="0">
-                <a:solidFill>
-                  <a:schemeClr val="tx2">
-                    <a:lumMod val="50000"/>
-                  </a:schemeClr>
-                </a:solidFill>
-                <a:effectLst/>
-                <a:latin typeface="Arial" panose="020B0604020202020204" pitchFamily="34" charset="0"/>
-                <a:ea typeface="Arial" panose="020B0604020202020204" pitchFamily="34" charset="0"/>
-              </a:rPr>
-              <a:t>Calculate the total revenue generated by each seller, and rank them by revenue.</a:t>
-            </a:r>
-            <a:br>
-              <a:rPr lang="en-IN" sz="1800" b="1" dirty="0">
-                <a:solidFill>
-                  <a:schemeClr val="tx2">
-                    <a:lumMod val="50000"/>
-                  </a:schemeClr>
-                </a:solidFill>
-                <a:effectLst/>
-                <a:latin typeface="Arial" panose="020B0604020202020204" pitchFamily="34" charset="0"/>
-                <a:ea typeface="Arial" panose="020B0604020202020204" pitchFamily="34" charset="0"/>
-              </a:rPr>
-            </a:br>
-            <a:endParaRPr lang="en-IN" b="1" dirty="0">
-              <a:solidFill>
-                <a:schemeClr val="tx2">
-                  <a:lumMod val="50000"/>
-                </a:schemeClr>
-              </a:solidFill>
-            </a:endParaRPr>
-          </a:p>
-        </p:txBody>
-      </p:sp>
-      <p:pic>
-        <p:nvPicPr>
-          <p:cNvPr id="4" name="Picture 3">
-            <a:extLst>
-              <a:ext uri="{FF2B5EF4-FFF2-40B4-BE49-F238E27FC236}">
-                <a16:creationId xmlns:a16="http://schemas.microsoft.com/office/drawing/2014/main" id="{EE76A2F8-0ABB-44EC-B073-3379618FF128}"/>
-              </a:ext>
-            </a:extLst>
-          </p:cNvPr>
-          <p:cNvPicPr>
-            <a:picLocks noChangeAspect="1"/>
-          </p:cNvPicPr>
-          <p:nvPr/>
-        </p:nvPicPr>
-        <p:blipFill>
-          <a:blip r:embed="rId2">
-            <a:extLst>
-              <a:ext uri="{28A0092B-C50C-407E-A947-70E740481C1C}">
-                <a14:useLocalDpi xmlns:a14="http://schemas.microsoft.com/office/drawing/2010/main" val="0"/>
-              </a:ext>
-            </a:extLst>
-          </a:blip>
-          <a:stretch>
-            <a:fillRect/>
-          </a:stretch>
-        </p:blipFill>
-        <p:spPr>
-          <a:xfrm>
-            <a:off x="0" y="1727683"/>
-            <a:ext cx="4734586" cy="1691378"/>
-          </a:xfrm>
-          <a:prstGeom prst="rect">
-            <a:avLst/>
-          </a:prstGeom>
-        </p:spPr>
-      </p:pic>
-      <p:pic>
-        <p:nvPicPr>
-          <p:cNvPr id="6" name="Picture 5">
-            <a:extLst>
-              <a:ext uri="{FF2B5EF4-FFF2-40B4-BE49-F238E27FC236}">
-                <a16:creationId xmlns:a16="http://schemas.microsoft.com/office/drawing/2014/main" id="{6E842165-443A-424C-BD45-6D1D130C0B91}"/>
-              </a:ext>
-            </a:extLst>
-          </p:cNvPr>
-          <p:cNvPicPr>
-            <a:picLocks noChangeAspect="1"/>
-          </p:cNvPicPr>
-          <p:nvPr/>
-        </p:nvPicPr>
-        <p:blipFill>
-          <a:blip r:embed="rId3">
-            <a:extLst>
-              <a:ext uri="{28A0092B-C50C-407E-A947-70E740481C1C}">
-                <a14:useLocalDpi xmlns:a14="http://schemas.microsoft.com/office/drawing/2010/main" val="0"/>
-              </a:ext>
-            </a:extLst>
-          </a:blip>
-          <a:stretch>
-            <a:fillRect/>
-          </a:stretch>
-        </p:blipFill>
-        <p:spPr>
-          <a:xfrm>
-            <a:off x="0" y="3623929"/>
-            <a:ext cx="4086795" cy="2591341"/>
-          </a:xfrm>
-          <a:prstGeom prst="rect">
-            <a:avLst/>
-          </a:prstGeom>
-        </p:spPr>
-      </p:pic>
-      <p:pic>
-        <p:nvPicPr>
-          <p:cNvPr id="8" name="Picture 7">
-            <a:extLst>
-              <a:ext uri="{FF2B5EF4-FFF2-40B4-BE49-F238E27FC236}">
-                <a16:creationId xmlns:a16="http://schemas.microsoft.com/office/drawing/2014/main" id="{72F3CC27-2992-4774-9481-1CCBE2709F63}"/>
-              </a:ext>
-            </a:extLst>
-          </p:cNvPr>
-          <p:cNvPicPr>
-            <a:picLocks noChangeAspect="1"/>
-          </p:cNvPicPr>
-          <p:nvPr/>
-        </p:nvPicPr>
-        <p:blipFill>
-          <a:blip r:embed="rId4">
-            <a:extLst>
-              <a:ext uri="{28A0092B-C50C-407E-A947-70E740481C1C}">
-                <a14:useLocalDpi xmlns:a14="http://schemas.microsoft.com/office/drawing/2010/main" val="0"/>
-              </a:ext>
-            </a:extLst>
-          </a:blip>
-          <a:stretch>
-            <a:fillRect/>
-          </a:stretch>
-        </p:blipFill>
-        <p:spPr>
-          <a:xfrm>
-            <a:off x="5879390" y="1715107"/>
-            <a:ext cx="6211167" cy="3599015"/>
-          </a:xfrm>
-          <a:prstGeom prst="rect">
-            <a:avLst/>
-          </a:prstGeom>
-        </p:spPr>
-      </p:pic>
-    </p:spTree>
-    <p:extLst>
-      <p:ext uri="{BB962C8B-B14F-4D97-AF65-F5344CB8AC3E}">
-        <p14:creationId xmlns:p14="http://schemas.microsoft.com/office/powerpoint/2010/main" val="407100230"/>
-      </p:ext>
-    </p:extLst>
-  </p:cSld>
-  <p:clrMapOvr>
-    <a:masterClrMapping/>
-  </p:clrMapOvr>
-</p:sld>
-</file>
-
-<file path=ppt/slides/slide9.xml><?xml version="1.0" encoding="utf-8"?>
-<p:sld xmlns:a="http://schemas.openxmlformats.org/drawingml/2006/main" xmlns:r="http://schemas.openxmlformats.org/officeDocument/2006/relationships" xmlns:p="http://schemas.openxmlformats.org/presentationml/2006/main">
-  <p:cSld>
-    <p:spTree>
-      <p:nvGrpSpPr>
-        <p:cNvPr id="1" name=""/>
-        <p:cNvGrpSpPr/>
-        <p:nvPr/>
-      </p:nvGrpSpPr>
-      <p:grpSpPr>
-        <a:xfrm>
-          <a:off x="0" y="0"/>
-          <a:ext cx="0" cy="0"/>
-          <a:chOff x="0" y="0"/>
-          <a:chExt cx="0" cy="0"/>
-        </a:xfrm>
-      </p:grpSpPr>
-      <p:sp>
-        <p:nvSpPr>
-          <p:cNvPr id="2" name="Title 1">
-            <a:extLst>
-              <a:ext uri="{FF2B5EF4-FFF2-40B4-BE49-F238E27FC236}">
-                <a16:creationId xmlns:a16="http://schemas.microsoft.com/office/drawing/2014/main" id="{0F80E69D-B7D9-4BB7-830F-AD497C30545F}"/>
-              </a:ext>
-            </a:extLst>
-          </p:cNvPr>
-          <p:cNvSpPr>
-            <a:spLocks noGrp="1"/>
-          </p:cNvSpPr>
-          <p:nvPr>
-            <p:ph type="title"/>
-          </p:nvPr>
-        </p:nvSpPr>
-        <p:spPr/>
-        <p:txBody>
-          <a:bodyPr/>
-          <a:lstStyle/>
-          <a:p>
-            <a:pPr>
-              <a:lnSpc>
-                <a:spcPct val="115000"/>
-              </a:lnSpc>
-            </a:pPr>
-            <a:r>
-              <a:rPr lang="en-IN" sz="1800" b="1" dirty="0">
-                <a:solidFill>
-                  <a:schemeClr val="tx2">
-                    <a:lumMod val="50000"/>
-                  </a:schemeClr>
-                </a:solidFill>
-                <a:effectLst/>
-                <a:latin typeface="Archivo"/>
-                <a:ea typeface="Archivo"/>
-                <a:cs typeface="Archivo"/>
-              </a:rPr>
-              <a:t>ADVANCED </a:t>
-            </a:r>
-            <a:r>
-              <a:rPr lang="en-IN" sz="1800" b="1" dirty="0">
-                <a:solidFill>
-                  <a:schemeClr val="tx2">
-                    <a:lumMod val="50000"/>
-                  </a:schemeClr>
-                </a:solidFill>
-                <a:latin typeface="Arial" panose="020B0604020202020204" pitchFamily="34" charset="0"/>
-                <a:ea typeface="Archivo"/>
-                <a:cs typeface="Archivo"/>
-              </a:rPr>
-              <a:t>PROBLEMS</a:t>
-            </a:r>
-            <a:br>
-              <a:rPr lang="en-IN" sz="1800" b="1" dirty="0">
-                <a:solidFill>
-                  <a:schemeClr val="tx2">
-                    <a:lumMod val="50000"/>
-                  </a:schemeClr>
-                </a:solidFill>
-                <a:latin typeface="Arial" panose="020B0604020202020204" pitchFamily="34" charset="0"/>
-                <a:ea typeface="Archivo"/>
-                <a:cs typeface="Archivo"/>
-              </a:rPr>
-            </a:br>
-            <a:r>
-              <a:rPr lang="en-IN" sz="1800" b="1" dirty="0">
-                <a:solidFill>
-                  <a:schemeClr val="tx2">
-                    <a:lumMod val="50000"/>
-                  </a:schemeClr>
-                </a:solidFill>
-                <a:effectLst/>
-                <a:latin typeface="Arial" panose="020B0604020202020204" pitchFamily="34" charset="0"/>
-                <a:ea typeface="Arial" panose="020B0604020202020204" pitchFamily="34" charset="0"/>
-              </a:rPr>
-              <a:t>Objective: Generate strategic and customer-centric insights</a:t>
-            </a:r>
-            <a:br>
-              <a:rPr lang="en-IN" sz="1800" b="1" dirty="0">
-                <a:solidFill>
-                  <a:schemeClr val="tx2">
-                    <a:lumMod val="50000"/>
-                  </a:schemeClr>
-                </a:solidFill>
-                <a:effectLst/>
-                <a:latin typeface="Arial" panose="020B0604020202020204" pitchFamily="34" charset="0"/>
-                <a:ea typeface="Arial" panose="020B0604020202020204" pitchFamily="34" charset="0"/>
-              </a:rPr>
-            </a:br>
-            <a:r>
-              <a:rPr lang="en-IN" sz="1600" b="1" dirty="0">
-                <a:solidFill>
-                  <a:schemeClr val="tx2">
-                    <a:lumMod val="50000"/>
-                  </a:schemeClr>
-                </a:solidFill>
-                <a:effectLst/>
-                <a:latin typeface="Arial" panose="020B0604020202020204" pitchFamily="34" charset="0"/>
-                <a:ea typeface="Arial" panose="020B0604020202020204" pitchFamily="34" charset="0"/>
-              </a:rPr>
-              <a:t>. Calculate the moving average of order values for each customer over their order history</a:t>
-            </a:r>
-            <a:r>
-              <a:rPr lang="en-IN" sz="1800" dirty="0">
-                <a:solidFill>
-                  <a:srgbClr val="26262F"/>
-                </a:solidFill>
-                <a:effectLst/>
-                <a:latin typeface="Arial" panose="020B0604020202020204" pitchFamily="34" charset="0"/>
-                <a:ea typeface="Arial" panose="020B0604020202020204" pitchFamily="34" charset="0"/>
-              </a:rPr>
-              <a:t>. </a:t>
-            </a:r>
-            <a:endParaRPr lang="en-IN" b="1" dirty="0">
-              <a:solidFill>
-                <a:schemeClr val="tx2">
-                  <a:lumMod val="50000"/>
-                </a:schemeClr>
-              </a:solidFill>
-            </a:endParaRPr>
-          </a:p>
-        </p:txBody>
-      </p:sp>
-      <p:pic>
-        <p:nvPicPr>
-          <p:cNvPr id="4" name="Picture 3">
-            <a:extLst>
-              <a:ext uri="{FF2B5EF4-FFF2-40B4-BE49-F238E27FC236}">
-                <a16:creationId xmlns:a16="http://schemas.microsoft.com/office/drawing/2014/main" id="{7D9A8A83-D75D-4B4D-89F7-938CABF2E27F}"/>
-              </a:ext>
-            </a:extLst>
-          </p:cNvPr>
-          <p:cNvPicPr>
-            <a:picLocks noChangeAspect="1"/>
-          </p:cNvPicPr>
-          <p:nvPr/>
-        </p:nvPicPr>
-        <p:blipFill>
-          <a:blip r:embed="rId2">
-            <a:extLst>
-              <a:ext uri="{28A0092B-C50C-407E-A947-70E740481C1C}">
-                <a14:useLocalDpi xmlns:a14="http://schemas.microsoft.com/office/drawing/2010/main" val="0"/>
-              </a:ext>
-            </a:extLst>
-          </a:blip>
-          <a:stretch>
-            <a:fillRect/>
-          </a:stretch>
-        </p:blipFill>
-        <p:spPr>
-          <a:xfrm>
-            <a:off x="0" y="1802296"/>
-            <a:ext cx="5777948" cy="1895061"/>
-          </a:xfrm>
-          <a:prstGeom prst="rect">
-            <a:avLst/>
-          </a:prstGeom>
-        </p:spPr>
-      </p:pic>
-      <p:pic>
-        <p:nvPicPr>
-          <p:cNvPr id="6" name="Picture 5">
-            <a:extLst>
-              <a:ext uri="{FF2B5EF4-FFF2-40B4-BE49-F238E27FC236}">
-                <a16:creationId xmlns:a16="http://schemas.microsoft.com/office/drawing/2014/main" id="{D4BCFD9F-4A0B-474C-BC80-FF780F7AE0C9}"/>
-              </a:ext>
-            </a:extLst>
-          </p:cNvPr>
-          <p:cNvPicPr>
-            <a:picLocks noChangeAspect="1"/>
-          </p:cNvPicPr>
-          <p:nvPr/>
-        </p:nvPicPr>
-        <p:blipFill>
-          <a:blip r:embed="rId3">
-            <a:extLst>
-              <a:ext uri="{28A0092B-C50C-407E-A947-70E740481C1C}">
-                <a14:useLocalDpi xmlns:a14="http://schemas.microsoft.com/office/drawing/2010/main" val="0"/>
-              </a:ext>
-            </a:extLst>
-          </a:blip>
-          <a:stretch>
-            <a:fillRect/>
-          </a:stretch>
-        </p:blipFill>
-        <p:spPr>
-          <a:xfrm>
-            <a:off x="0" y="4044462"/>
-            <a:ext cx="5689905" cy="2329833"/>
-          </a:xfrm>
-          <a:prstGeom prst="rect">
-            <a:avLst/>
-          </a:prstGeom>
-        </p:spPr>
-      </p:pic>
-      <p:pic>
-        <p:nvPicPr>
-          <p:cNvPr id="8" name="Picture 7">
-            <a:extLst>
-              <a:ext uri="{FF2B5EF4-FFF2-40B4-BE49-F238E27FC236}">
-                <a16:creationId xmlns:a16="http://schemas.microsoft.com/office/drawing/2014/main" id="{55F930A2-2FC0-44C7-AC21-BEF7BF5BD256}"/>
-              </a:ext>
-            </a:extLst>
-          </p:cNvPr>
-          <p:cNvPicPr>
-            <a:picLocks noChangeAspect="1"/>
-          </p:cNvPicPr>
-          <p:nvPr/>
-        </p:nvPicPr>
-        <p:blipFill>
-          <a:blip r:embed="rId4">
-            <a:extLst>
-              <a:ext uri="{28A0092B-C50C-407E-A947-70E740481C1C}">
-                <a14:useLocalDpi xmlns:a14="http://schemas.microsoft.com/office/drawing/2010/main" val="0"/>
-              </a:ext>
-            </a:extLst>
-          </a:blip>
-          <a:stretch>
-            <a:fillRect/>
-          </a:stretch>
-        </p:blipFill>
-        <p:spPr>
-          <a:xfrm>
-            <a:off x="6069496" y="1915266"/>
-            <a:ext cx="6221984" cy="4498786"/>
-          </a:xfrm>
-          <a:prstGeom prst="rect">
-            <a:avLst/>
-          </a:prstGeom>
-        </p:spPr>
-      </p:pic>
-    </p:spTree>
-    <p:extLst>
-      <p:ext uri="{BB962C8B-B14F-4D97-AF65-F5344CB8AC3E}">
-        <p14:creationId xmlns:p14="http://schemas.microsoft.com/office/powerpoint/2010/main" val="2921699705"/>
       </p:ext>
     </p:extLst>
   </p:cSld>
